--- a/Programming Basics/Presentation/Program Flow Control.pptx
+++ b/Programming Basics/Presentation/Program Flow Control.pptx
@@ -5,7 +5,7 @@
     <p:sldMasterId id="2147483709" r:id="rId1"/>
   </p:sldMasterIdLst>
   <p:notesMasterIdLst>
-    <p:notesMasterId r:id="rId21"/>
+    <p:notesMasterId r:id="rId20"/>
   </p:notesMasterIdLst>
   <p:sldIdLst>
     <p:sldId id="320" r:id="rId2"/>
@@ -21,12 +21,11 @@
     <p:sldId id="270" r:id="rId12"/>
     <p:sldId id="271" r:id="rId13"/>
     <p:sldId id="272" r:id="rId14"/>
-    <p:sldId id="273" r:id="rId15"/>
-    <p:sldId id="274" r:id="rId16"/>
-    <p:sldId id="275" r:id="rId17"/>
-    <p:sldId id="276" r:id="rId18"/>
-    <p:sldId id="277" r:id="rId19"/>
-    <p:sldId id="278" r:id="rId20"/>
+    <p:sldId id="274" r:id="rId15"/>
+    <p:sldId id="275" r:id="rId16"/>
+    <p:sldId id="276" r:id="rId17"/>
+    <p:sldId id="277" r:id="rId18"/>
+    <p:sldId id="278" r:id="rId19"/>
   </p:sldIdLst>
   <p:sldSz cx="9144000" cy="6858000" type="screen4x3"/>
   <p:notesSz cx="6858000" cy="9144000"/>
@@ -226,7 +225,7 @@
           <a:p>
             <a:fld id="{D7492970-DFEC-9C47-BA83-F3D32BFB63B2}" type="datetimeFigureOut">
               <a:rPr lang="en-US" smtClean="0"/>
-              <a:t>9/18/22</a:t>
+              <a:t>9/19/22</a:t>
             </a:fld>
             <a:endParaRPr lang="en-US"/>
           </a:p>
@@ -5590,10 +5589,10 @@
       </p:grpSpPr>
       <p:sp>
         <p:nvSpPr>
-          <p:cNvPr id="32770" name="Rectangle 2">
+          <p:cNvPr id="33794" name="Rectangle 2">
             <a:extLst>
               <a:ext uri="{FF2B5EF4-FFF2-40B4-BE49-F238E27FC236}">
-                <a16:creationId xmlns:a16="http://schemas.microsoft.com/office/drawing/2014/main" id="{DFC7FE4F-168D-E1C2-785C-7A15C83F24DF}"/>
+                <a16:creationId xmlns:a16="http://schemas.microsoft.com/office/drawing/2014/main" id="{AA03CDF4-12F6-A8D9-F604-1A374F4A1845}"/>
               </a:ext>
             </a:extLst>
           </p:cNvPr>
@@ -5624,7 +5623,7 @@
                 </a:solidFill>
                 <a:latin typeface="Calibri" panose="020F0502020204030204" pitchFamily="34" charset="0"/>
               </a:rPr>
-              <a:t>break</a:t>
+              <a:t>switch</a:t>
             </a:r>
             <a:r>
               <a:rPr lang="en-US" altLang="en-US" dirty="0">
@@ -5637,10 +5636,10 @@
       </p:sp>
       <p:sp>
         <p:nvSpPr>
-          <p:cNvPr id="32771" name="Rectangle 3">
+          <p:cNvPr id="33795" name="Rectangle 3">
             <a:extLst>
               <a:ext uri="{FF2B5EF4-FFF2-40B4-BE49-F238E27FC236}">
-                <a16:creationId xmlns:a16="http://schemas.microsoft.com/office/drawing/2014/main" id="{3A1DDD64-14FA-FAB5-84E6-56F6BA03F822}"/>
+                <a16:creationId xmlns:a16="http://schemas.microsoft.com/office/drawing/2014/main" id="{99AC8175-FDA0-E946-9CD8-5FA0A519C821}"/>
               </a:ext>
             </a:extLst>
           </p:cNvPr>
@@ -5664,16 +5663,18 @@
             </a:pPr>
             <a:r>
               <a:rPr lang="en-US" altLang="en-US" dirty="0">
+                <a:solidFill>
+                  <a:schemeClr val="accent2"/>
+                </a:solidFill>
                 <a:latin typeface="Calibri" panose="020F0502020204030204" pitchFamily="34" charset="0"/>
               </a:rPr>
-              <a:t>Inside any loop, the break statement will immediately get you out of the loop</a:t>
-            </a:r>
-          </a:p>
-          <a:p>
-            <a:pPr lvl="1"/>
-            <a:r>
-              <a:rPr lang="en-US" altLang="en-US" dirty="0"/>
-              <a:t>If you are in nested loops, break gets you out of the innermost loop</a:t>
+              <a:t>Switch</a:t>
+            </a:r>
+            <a:r>
+              <a:rPr lang="en-US" altLang="en-US" dirty="0">
+                <a:latin typeface="Calibri" panose="020F0502020204030204" pitchFamily="34" charset="0"/>
+              </a:rPr>
+              <a:t> is Multi-way decisions control statement</a:t>
             </a:r>
           </a:p>
           <a:p>
@@ -5685,99 +5686,7 @@
               <a:rPr lang="en-US" altLang="en-US" dirty="0">
                 <a:latin typeface="Calibri" panose="020F0502020204030204" pitchFamily="34" charset="0"/>
               </a:rPr>
-              <a:t>It doesn’t make any sense to break out of a loop unconditionally—you should do it only as the result of an if test</a:t>
-            </a:r>
-          </a:p>
-          <a:p>
-            <a:pPr>
-              <a:buFont typeface="Courier New" panose="02070309020205020404" pitchFamily="49" charset="0"/>
-              <a:buChar char="o"/>
-            </a:pPr>
-            <a:r>
-              <a:rPr lang="en-US" altLang="en-US" dirty="0">
-                <a:latin typeface="Calibri" panose="020F0502020204030204" pitchFamily="34" charset="0"/>
-              </a:rPr>
-              <a:t>Example:</a:t>
-            </a:r>
-          </a:p>
-          <a:p>
-            <a:pPr lvl="1"/>
-            <a:r>
-              <a:rPr lang="en-US" altLang="en-US" dirty="0"/>
-              <a:t>for (int </a:t>
-            </a:r>
-            <a:r>
-              <a:rPr lang="en-US" altLang="en-US" dirty="0" err="1"/>
-              <a:t>i</a:t>
-            </a:r>
-            <a:r>
-              <a:rPr lang="en-US" altLang="en-US" dirty="0"/>
-              <a:t> = 1; </a:t>
-            </a:r>
-            <a:r>
-              <a:rPr lang="en-US" altLang="en-US" dirty="0" err="1"/>
-              <a:t>i</a:t>
-            </a:r>
-            <a:r>
-              <a:rPr lang="en-US" altLang="en-US" dirty="0"/>
-              <a:t> &lt;= 12; </a:t>
-            </a:r>
-            <a:r>
-              <a:rPr lang="en-US" altLang="en-US" dirty="0" err="1"/>
-              <a:t>i</a:t>
-            </a:r>
-            <a:r>
-              <a:rPr lang="en-US" altLang="en-US" dirty="0"/>
-              <a:t>++) {</a:t>
-            </a:r>
-            <a:br>
-              <a:rPr lang="en-US" altLang="en-US" dirty="0"/>
-            </a:br>
-            <a:r>
-              <a:rPr lang="en-US" altLang="en-US" dirty="0"/>
-              <a:t>    if (</a:t>
-            </a:r>
-            <a:r>
-              <a:rPr lang="en-US" altLang="en-US" dirty="0" err="1"/>
-              <a:t>badEgg</a:t>
-            </a:r>
-            <a:r>
-              <a:rPr lang="en-US" altLang="en-US" dirty="0"/>
-              <a:t>(</a:t>
-            </a:r>
-            <a:r>
-              <a:rPr lang="en-US" altLang="en-US" dirty="0" err="1"/>
-              <a:t>i</a:t>
-            </a:r>
-            <a:r>
-              <a:rPr lang="en-US" altLang="en-US" dirty="0"/>
-              <a:t>)) break;</a:t>
-            </a:r>
-            <a:br>
-              <a:rPr lang="en-US" altLang="en-US" dirty="0"/>
-            </a:br>
-            <a:r>
-              <a:rPr lang="en-US" altLang="en-US" dirty="0"/>
-              <a:t>}        </a:t>
-            </a:r>
-          </a:p>
-          <a:p>
-            <a:pPr>
-              <a:buFont typeface="Courier New" panose="02070309020205020404" pitchFamily="49" charset="0"/>
-              <a:buChar char="o"/>
-            </a:pPr>
-            <a:r>
-              <a:rPr lang="en-US" altLang="en-US" dirty="0">
-                <a:latin typeface="Calibri" panose="020F0502020204030204" pitchFamily="34" charset="0"/>
-              </a:rPr>
-              <a:t>break is not the normal way to leave a loop</a:t>
-            </a:r>
-          </a:p>
-          <a:p>
-            <a:pPr lvl="1"/>
-            <a:r>
-              <a:rPr lang="en-US" altLang="en-US" dirty="0"/>
-              <a:t>Use it when necessary, but don’t overuse it</a:t>
+              <a:t>The switch statement chooses one of several statements, based on the value on an integer (int, byte, short, or long) or a char expression</a:t>
             </a:r>
           </a:p>
           <a:p>
@@ -5796,7 +5705,7 @@
           <p:cNvPr id="2" name="Footer Placeholder 1">
             <a:extLst>
               <a:ext uri="{FF2B5EF4-FFF2-40B4-BE49-F238E27FC236}">
-                <a16:creationId xmlns:a16="http://schemas.microsoft.com/office/drawing/2014/main" id="{2BCC274E-E036-B07A-2EEB-D7587551DC58}"/>
+                <a16:creationId xmlns:a16="http://schemas.microsoft.com/office/drawing/2014/main" id="{5EA32C45-C236-34C0-430F-136B93C49ACF}"/>
               </a:ext>
             </a:extLst>
           </p:cNvPr>
@@ -5846,172 +5755,6 @@
       </p:grpSpPr>
       <p:sp>
         <p:nvSpPr>
-          <p:cNvPr id="33794" name="Rectangle 2">
-            <a:extLst>
-              <a:ext uri="{FF2B5EF4-FFF2-40B4-BE49-F238E27FC236}">
-                <a16:creationId xmlns:a16="http://schemas.microsoft.com/office/drawing/2014/main" id="{AA03CDF4-12F6-A8D9-F604-1A374F4A1845}"/>
-              </a:ext>
-            </a:extLst>
-          </p:cNvPr>
-          <p:cNvSpPr>
-            <a:spLocks noGrp="1" noRot="1" noChangeArrowheads="1"/>
-          </p:cNvSpPr>
-          <p:nvPr>
-            <p:ph type="title"/>
-          </p:nvPr>
-        </p:nvSpPr>
-        <p:spPr/>
-        <p:txBody>
-          <a:bodyPr vert="horz" lIns="91440" tIns="45720" rIns="91440" bIns="45720" rtlCol="0" anchor="ctr">
-            <a:normAutofit/>
-          </a:bodyPr>
-          <a:lstStyle/>
-          <a:p>
-            <a:r>
-              <a:rPr lang="en-US" altLang="en-US" dirty="0">
-                <a:latin typeface="Calibri" panose="020F0502020204030204" pitchFamily="34" charset="0"/>
-              </a:rPr>
-              <a:t>The </a:t>
-            </a:r>
-            <a:r>
-              <a:rPr lang="en-US" altLang="en-US" dirty="0">
-                <a:solidFill>
-                  <a:schemeClr val="accent2"/>
-                </a:solidFill>
-                <a:latin typeface="Calibri" panose="020F0502020204030204" pitchFamily="34" charset="0"/>
-              </a:rPr>
-              <a:t>switch</a:t>
-            </a:r>
-            <a:r>
-              <a:rPr lang="en-US" altLang="en-US" dirty="0">
-                <a:latin typeface="Calibri" panose="020F0502020204030204" pitchFamily="34" charset="0"/>
-              </a:rPr>
-              <a:t> statement</a:t>
-            </a:r>
-          </a:p>
-        </p:txBody>
-      </p:sp>
-      <p:sp>
-        <p:nvSpPr>
-          <p:cNvPr id="33795" name="Rectangle 3">
-            <a:extLst>
-              <a:ext uri="{FF2B5EF4-FFF2-40B4-BE49-F238E27FC236}">
-                <a16:creationId xmlns:a16="http://schemas.microsoft.com/office/drawing/2014/main" id="{99AC8175-FDA0-E946-9CD8-5FA0A519C821}"/>
-              </a:ext>
-            </a:extLst>
-          </p:cNvPr>
-          <p:cNvSpPr>
-            <a:spLocks noGrp="1" noChangeArrowheads="1"/>
-          </p:cNvSpPr>
-          <p:nvPr>
-            <p:ph idx="1"/>
-          </p:nvPr>
-        </p:nvSpPr>
-        <p:spPr/>
-        <p:txBody>
-          <a:bodyPr vert="horz" lIns="45720" tIns="45720" rIns="45720" bIns="45720" rtlCol="0">
-            <a:normAutofit/>
-          </a:bodyPr>
-          <a:lstStyle/>
-          <a:p>
-            <a:pPr>
-              <a:buFont typeface="Courier New" panose="02070309020205020404" pitchFamily="49" charset="0"/>
-              <a:buChar char="o"/>
-            </a:pPr>
-            <a:r>
-              <a:rPr lang="en-US" altLang="en-US" dirty="0">
-                <a:solidFill>
-                  <a:schemeClr val="accent2"/>
-                </a:solidFill>
-                <a:latin typeface="Calibri" panose="020F0502020204030204" pitchFamily="34" charset="0"/>
-              </a:rPr>
-              <a:t>Switch</a:t>
-            </a:r>
-            <a:r>
-              <a:rPr lang="en-US" altLang="en-US" dirty="0">
-                <a:latin typeface="Calibri" panose="020F0502020204030204" pitchFamily="34" charset="0"/>
-              </a:rPr>
-              <a:t> is Multi-way decisions control statement</a:t>
-            </a:r>
-          </a:p>
-          <a:p>
-            <a:pPr>
-              <a:buFont typeface="Courier New" panose="02070309020205020404" pitchFamily="49" charset="0"/>
-              <a:buChar char="o"/>
-            </a:pPr>
-            <a:r>
-              <a:rPr lang="en-US" altLang="en-US" dirty="0">
-                <a:latin typeface="Calibri" panose="020F0502020204030204" pitchFamily="34" charset="0"/>
-              </a:rPr>
-              <a:t>The switch statement chooses one of several statements, based on the value on an integer (int, byte, short, or long) or a char expression</a:t>
-            </a:r>
-          </a:p>
-          <a:p>
-            <a:pPr>
-              <a:buFont typeface="Courier New" panose="02070309020205020404" pitchFamily="49" charset="0"/>
-              <a:buChar char="o"/>
-            </a:pPr>
-            <a:endParaRPr lang="en-US" altLang="en-US" dirty="0">
-              <a:latin typeface="Calibri" panose="020F0502020204030204" pitchFamily="34" charset="0"/>
-            </a:endParaRPr>
-          </a:p>
-        </p:txBody>
-      </p:sp>
-      <p:sp>
-        <p:nvSpPr>
-          <p:cNvPr id="2" name="Footer Placeholder 1">
-            <a:extLst>
-              <a:ext uri="{FF2B5EF4-FFF2-40B4-BE49-F238E27FC236}">
-                <a16:creationId xmlns:a16="http://schemas.microsoft.com/office/drawing/2014/main" id="{5EA32C45-C236-34C0-430F-136B93C49ACF}"/>
-              </a:ext>
-            </a:extLst>
-          </p:cNvPr>
-          <p:cNvSpPr>
-            <a:spLocks noGrp="1"/>
-          </p:cNvSpPr>
-          <p:nvPr>
-            <p:ph type="ftr" sz="quarter" idx="11"/>
-          </p:nvPr>
-        </p:nvSpPr>
-        <p:spPr/>
-        <p:txBody>
-          <a:bodyPr/>
-          <a:lstStyle/>
-          <a:p>
-            <a:r>
-              <a:rPr lang="en-US" altLang="en-US"/>
-              <a:t>YETANOTHERMASTERYLEARNING</a:t>
-            </a:r>
-          </a:p>
-        </p:txBody>
-      </p:sp>
-    </p:spTree>
-  </p:cSld>
-  <p:clrMapOvr>
-    <a:masterClrMapping/>
-  </p:clrMapOvr>
-</p:sld>
-</file>
-
-<file path=ppt/slides/slide16.xml><?xml version="1.0" encoding="utf-8"?>
-<p:sld xmlns:a="http://schemas.openxmlformats.org/drawingml/2006/main" xmlns:r="http://schemas.openxmlformats.org/officeDocument/2006/relationships" xmlns:p="http://schemas.openxmlformats.org/presentationml/2006/main" showMasterPhAnim="0">
-  <p:cSld>
-    <p:spTree>
-      <p:nvGrpSpPr>
-        <p:cNvPr id="1" name=""/>
-        <p:cNvGrpSpPr/>
-        <p:nvPr/>
-      </p:nvGrpSpPr>
-      <p:grpSpPr>
-        <a:xfrm>
-          <a:off x="0" y="0"/>
-          <a:ext cx="0" cy="0"/>
-          <a:chOff x="0" y="0"/>
-          <a:chExt cx="0" cy="0"/>
-        </a:xfrm>
-      </p:grpSpPr>
-      <p:sp>
-        <p:nvSpPr>
           <p:cNvPr id="34818" name="Rectangle 2">
             <a:extLst>
               <a:ext uri="{FF2B5EF4-FFF2-40B4-BE49-F238E27FC236}">
@@ -6448,7 +6191,7 @@
 </p:sld>
 </file>
 
-<file path=ppt/slides/slide17.xml><?xml version="1.0" encoding="utf-8"?>
+<file path=ppt/slides/slide16.xml><?xml version="1.0" encoding="utf-8"?>
 <p:sld xmlns:a="http://schemas.openxmlformats.org/drawingml/2006/main" xmlns:r="http://schemas.openxmlformats.org/officeDocument/2006/relationships" xmlns:p="http://schemas.openxmlformats.org/presentationml/2006/main" showMasterPhAnim="0">
   <p:cSld>
     <p:spTree>
@@ -8050,7 +7793,7 @@
 </p:sld>
 </file>
 
-<file path=ppt/slides/slide18.xml><?xml version="1.0" encoding="utf-8"?>
+<file path=ppt/slides/slide17.xml><?xml version="1.0" encoding="utf-8"?>
 <p:sld xmlns:a="http://schemas.openxmlformats.org/drawingml/2006/main" xmlns:r="http://schemas.openxmlformats.org/officeDocument/2006/relationships" xmlns:p="http://schemas.openxmlformats.org/presentationml/2006/main" showMasterPhAnim="0">
   <p:cSld>
     <p:spTree>
@@ -9948,7 +9691,7 @@
 </p:sld>
 </file>
 
-<file path=ppt/slides/slide19.xml><?xml version="1.0" encoding="utf-8"?>
+<file path=ppt/slides/slide18.xml><?xml version="1.0" encoding="utf-8"?>
 <p:sld xmlns:a="http://schemas.openxmlformats.org/drawingml/2006/main" xmlns:r="http://schemas.openxmlformats.org/officeDocument/2006/relationships" xmlns:p="http://schemas.openxmlformats.org/presentationml/2006/main" showMasterPhAnim="0">
   <p:cSld>
     <p:spTree>

--- a/Programming Basics/Presentation/Program Flow Control.pptx
+++ b/Programming Basics/Presentation/Program Flow Control.pptx
@@ -5,7 +5,7 @@
     <p:sldMasterId id="2147483709" r:id="rId1"/>
   </p:sldMasterIdLst>
   <p:notesMasterIdLst>
-    <p:notesMasterId r:id="rId20"/>
+    <p:notesMasterId r:id="rId21"/>
   </p:notesMasterIdLst>
   <p:sldIdLst>
     <p:sldId id="320" r:id="rId2"/>
@@ -26,6 +26,7 @@
     <p:sldId id="276" r:id="rId17"/>
     <p:sldId id="277" r:id="rId18"/>
     <p:sldId id="278" r:id="rId19"/>
+    <p:sldId id="321" r:id="rId20"/>
   </p:sldIdLst>
   <p:sldSz cx="9144000" cy="6858000" type="screen4x3"/>
   <p:notesSz cx="6858000" cy="9144000"/>
@@ -10306,6 +10307,6390 @@
   <p:clrMapOvr>
     <a:masterClrMapping/>
   </p:clrMapOvr>
+</p:sld>
+</file>
+
+<file path=ppt/slides/slide19.xml><?xml version="1.0" encoding="utf-8"?>
+<p:sld xmlns:a="http://schemas.openxmlformats.org/drawingml/2006/main" xmlns:r="http://schemas.openxmlformats.org/officeDocument/2006/relationships" xmlns:p="http://schemas.openxmlformats.org/presentationml/2006/main" showMasterPhAnim="0">
+  <p:cSld>
+    <p:spTree>
+      <p:nvGrpSpPr>
+        <p:cNvPr id="1" name=""/>
+        <p:cNvGrpSpPr/>
+        <p:nvPr/>
+      </p:nvGrpSpPr>
+      <p:grpSpPr>
+        <a:xfrm>
+          <a:off x="0" y="0"/>
+          <a:ext cx="0" cy="0"/>
+          <a:chOff x="0" y="0"/>
+          <a:chExt cx="0" cy="0"/>
+        </a:xfrm>
+      </p:grpSpPr>
+      <p:sp>
+        <p:nvSpPr>
+          <p:cNvPr id="33794" name="Rectangle 2">
+            <a:extLst>
+              <a:ext uri="{FF2B5EF4-FFF2-40B4-BE49-F238E27FC236}">
+                <a16:creationId xmlns:a16="http://schemas.microsoft.com/office/drawing/2014/main" id="{AA03CDF4-12F6-A8D9-F604-1A374F4A1845}"/>
+              </a:ext>
+            </a:extLst>
+          </p:cNvPr>
+          <p:cNvSpPr>
+            <a:spLocks noGrp="1" noRot="1" noChangeArrowheads="1"/>
+          </p:cNvSpPr>
+          <p:nvPr>
+            <p:ph type="title"/>
+          </p:nvPr>
+        </p:nvSpPr>
+        <p:spPr/>
+        <p:txBody>
+          <a:bodyPr vert="horz" lIns="91440" tIns="45720" rIns="91440" bIns="45720" rtlCol="0" anchor="ctr">
+            <a:normAutofit/>
+          </a:bodyPr>
+          <a:lstStyle/>
+          <a:p>
+            <a:r>
+              <a:rPr lang="en-US" altLang="en-US" dirty="0">
+                <a:latin typeface="Calibri" panose="020F0502020204030204" pitchFamily="34" charset="0"/>
+              </a:rPr>
+              <a:t>Java program structure</a:t>
+            </a:r>
+          </a:p>
+        </p:txBody>
+      </p:sp>
+      <p:sp>
+        <p:nvSpPr>
+          <p:cNvPr id="2" name="Footer Placeholder 1">
+            <a:extLst>
+              <a:ext uri="{FF2B5EF4-FFF2-40B4-BE49-F238E27FC236}">
+                <a16:creationId xmlns:a16="http://schemas.microsoft.com/office/drawing/2014/main" id="{5EA32C45-C236-34C0-430F-136B93C49ACF}"/>
+              </a:ext>
+            </a:extLst>
+          </p:cNvPr>
+          <p:cNvSpPr>
+            <a:spLocks noGrp="1"/>
+          </p:cNvSpPr>
+          <p:nvPr>
+            <p:ph type="ftr" sz="quarter" idx="11"/>
+          </p:nvPr>
+        </p:nvSpPr>
+        <p:spPr>
+          <a:xfrm>
+            <a:off x="3632200" y="6583680"/>
+            <a:ext cx="4426094" cy="274320"/>
+          </a:xfrm>
+        </p:spPr>
+        <p:txBody>
+          <a:bodyPr/>
+          <a:lstStyle/>
+          <a:p>
+            <a:r>
+              <a:rPr lang="en-US" altLang="en-US"/>
+              <a:t>YETANOTHERMASTERYLEARNING</a:t>
+            </a:r>
+          </a:p>
+        </p:txBody>
+      </p:sp>
+      <p:sp>
+        <p:nvSpPr>
+          <p:cNvPr id="36" name="Rectangle 3">
+            <a:extLst>
+              <a:ext uri="{FF2B5EF4-FFF2-40B4-BE49-F238E27FC236}">
+                <a16:creationId xmlns:a16="http://schemas.microsoft.com/office/drawing/2014/main" id="{D6B5FF2F-86CB-FEE5-4440-17F3F57C9008}"/>
+              </a:ext>
+            </a:extLst>
+          </p:cNvPr>
+          <p:cNvSpPr txBox="1">
+            <a:spLocks noChangeArrowheads="1"/>
+          </p:cNvSpPr>
+          <p:nvPr/>
+        </p:nvSpPr>
+        <p:spPr>
+          <a:xfrm>
+            <a:off x="457200" y="1600200"/>
+            <a:ext cx="8229600" cy="4525963"/>
+          </a:xfrm>
+          <a:prstGeom prst="rect">
+            <a:avLst/>
+          </a:prstGeom>
+        </p:spPr>
+        <p:txBody>
+          <a:bodyPr vert="horz" lIns="45720" tIns="45720" rIns="45720" bIns="45720" rtlCol="0">
+            <a:normAutofit/>
+          </a:bodyPr>
+          <a:lstStyle>
+            <a:lvl1pPr marL="91440" indent="-91440" algn="l" defTabSz="914400" rtl="0" eaLnBrk="1" latinLnBrk="0" hangingPunct="1">
+              <a:lnSpc>
+                <a:spcPct val="90000"/>
+              </a:lnSpc>
+              <a:spcBef>
+                <a:spcPts val="1200"/>
+              </a:spcBef>
+              <a:spcAft>
+                <a:spcPts val="200"/>
+              </a:spcAft>
+              <a:buClr>
+                <a:schemeClr val="accent2"/>
+              </a:buClr>
+              <a:buSzPct val="100000"/>
+              <a:buFont typeface="Tw Cen MT" panose="020B0602020104020603" pitchFamily="34" charset="0"/>
+              <a:buChar char=" "/>
+              <a:defRPr sz="2000" kern="1200">
+                <a:solidFill>
+                  <a:schemeClr val="tx1"/>
+                </a:solidFill>
+                <a:latin typeface="+mn-lt"/>
+                <a:ea typeface="+mn-ea"/>
+                <a:cs typeface="+mn-cs"/>
+              </a:defRPr>
+            </a:lvl1pPr>
+            <a:lvl2pPr marL="265176" indent="-137160" algn="l" defTabSz="914400" rtl="0" eaLnBrk="1" latinLnBrk="0" hangingPunct="1">
+              <a:lnSpc>
+                <a:spcPct val="90000"/>
+              </a:lnSpc>
+              <a:spcBef>
+                <a:spcPts val="200"/>
+              </a:spcBef>
+              <a:spcAft>
+                <a:spcPts val="400"/>
+              </a:spcAft>
+              <a:buClr>
+                <a:schemeClr val="accent2"/>
+              </a:buClr>
+              <a:buFont typeface="Wingdings 3" pitchFamily="18" charset="2"/>
+              <a:buChar char=""/>
+              <a:defRPr sz="1600" kern="1200">
+                <a:solidFill>
+                  <a:schemeClr val="tx1"/>
+                </a:solidFill>
+                <a:latin typeface="+mn-lt"/>
+                <a:ea typeface="+mn-ea"/>
+                <a:cs typeface="+mn-cs"/>
+              </a:defRPr>
+            </a:lvl2pPr>
+            <a:lvl3pPr marL="448056" indent="-137160" algn="l" defTabSz="914400" rtl="0" eaLnBrk="1" latinLnBrk="0" hangingPunct="1">
+              <a:lnSpc>
+                <a:spcPct val="90000"/>
+              </a:lnSpc>
+              <a:spcBef>
+                <a:spcPts val="200"/>
+              </a:spcBef>
+              <a:spcAft>
+                <a:spcPts val="400"/>
+              </a:spcAft>
+              <a:buClr>
+                <a:schemeClr val="accent2"/>
+              </a:buClr>
+              <a:buFont typeface="Wingdings 3" pitchFamily="18" charset="2"/>
+              <a:buChar char=""/>
+              <a:defRPr sz="1200" kern="1200">
+                <a:solidFill>
+                  <a:schemeClr val="tx1"/>
+                </a:solidFill>
+                <a:latin typeface="+mn-lt"/>
+                <a:ea typeface="+mn-ea"/>
+                <a:cs typeface="+mn-cs"/>
+              </a:defRPr>
+            </a:lvl3pPr>
+            <a:lvl4pPr marL="594360" indent="-137160" algn="l" defTabSz="914400" rtl="0" eaLnBrk="1" latinLnBrk="0" hangingPunct="1">
+              <a:lnSpc>
+                <a:spcPct val="90000"/>
+              </a:lnSpc>
+              <a:spcBef>
+                <a:spcPts val="200"/>
+              </a:spcBef>
+              <a:spcAft>
+                <a:spcPts val="400"/>
+              </a:spcAft>
+              <a:buClr>
+                <a:schemeClr val="accent2"/>
+              </a:buClr>
+              <a:buFont typeface="Wingdings 3" pitchFamily="18" charset="2"/>
+              <a:buChar char=""/>
+              <a:defRPr sz="1200" kern="1200">
+                <a:solidFill>
+                  <a:schemeClr val="tx1"/>
+                </a:solidFill>
+                <a:latin typeface="+mn-lt"/>
+                <a:ea typeface="+mn-ea"/>
+                <a:cs typeface="+mn-cs"/>
+              </a:defRPr>
+            </a:lvl4pPr>
+            <a:lvl5pPr marL="777240" indent="-137160" algn="l" defTabSz="914400" rtl="0" eaLnBrk="1" latinLnBrk="0" hangingPunct="1">
+              <a:lnSpc>
+                <a:spcPct val="90000"/>
+              </a:lnSpc>
+              <a:spcBef>
+                <a:spcPts val="200"/>
+              </a:spcBef>
+              <a:spcAft>
+                <a:spcPts val="400"/>
+              </a:spcAft>
+              <a:buClr>
+                <a:schemeClr val="accent2"/>
+              </a:buClr>
+              <a:buFont typeface="Wingdings 3" pitchFamily="18" charset="2"/>
+              <a:buChar char=""/>
+              <a:defRPr sz="1200" kern="1200">
+                <a:solidFill>
+                  <a:schemeClr val="tx1"/>
+                </a:solidFill>
+                <a:latin typeface="+mn-lt"/>
+                <a:ea typeface="+mn-ea"/>
+                <a:cs typeface="+mn-cs"/>
+              </a:defRPr>
+            </a:lvl5pPr>
+            <a:lvl6pPr marL="914400" indent="-137160" algn="l" defTabSz="914400" rtl="0" eaLnBrk="1" latinLnBrk="0" hangingPunct="1">
+              <a:lnSpc>
+                <a:spcPct val="90000"/>
+              </a:lnSpc>
+              <a:spcBef>
+                <a:spcPts val="200"/>
+              </a:spcBef>
+              <a:spcAft>
+                <a:spcPts val="400"/>
+              </a:spcAft>
+              <a:buClr>
+                <a:schemeClr val="accent2"/>
+              </a:buClr>
+              <a:buFont typeface="Wingdings 3" pitchFamily="18" charset="2"/>
+              <a:buChar char=""/>
+              <a:defRPr sz="1200" kern="1200">
+                <a:solidFill>
+                  <a:schemeClr val="tx1"/>
+                </a:solidFill>
+                <a:latin typeface="+mn-lt"/>
+                <a:ea typeface="+mn-ea"/>
+                <a:cs typeface="+mn-cs"/>
+              </a:defRPr>
+            </a:lvl6pPr>
+            <a:lvl7pPr marL="1060704" indent="-137160" algn="l" defTabSz="914400" rtl="0" eaLnBrk="1" latinLnBrk="0" hangingPunct="1">
+              <a:lnSpc>
+                <a:spcPct val="90000"/>
+              </a:lnSpc>
+              <a:spcBef>
+                <a:spcPts val="200"/>
+              </a:spcBef>
+              <a:spcAft>
+                <a:spcPts val="400"/>
+              </a:spcAft>
+              <a:buClr>
+                <a:schemeClr val="accent2"/>
+              </a:buClr>
+              <a:buFont typeface="Wingdings 3" pitchFamily="18" charset="2"/>
+              <a:buChar char=""/>
+              <a:defRPr sz="1200" kern="1200">
+                <a:solidFill>
+                  <a:schemeClr val="tx1"/>
+                </a:solidFill>
+                <a:latin typeface="+mn-lt"/>
+                <a:ea typeface="+mn-ea"/>
+                <a:cs typeface="+mn-cs"/>
+              </a:defRPr>
+            </a:lvl7pPr>
+            <a:lvl8pPr marL="1216152" indent="-137160" algn="l" defTabSz="914400" rtl="0" eaLnBrk="1" latinLnBrk="0" hangingPunct="1">
+              <a:lnSpc>
+                <a:spcPct val="90000"/>
+              </a:lnSpc>
+              <a:spcBef>
+                <a:spcPts val="200"/>
+              </a:spcBef>
+              <a:spcAft>
+                <a:spcPts val="400"/>
+              </a:spcAft>
+              <a:buClr>
+                <a:schemeClr val="accent2"/>
+              </a:buClr>
+              <a:buFont typeface="Wingdings 3" pitchFamily="18" charset="2"/>
+              <a:buChar char=""/>
+              <a:defRPr sz="1200" kern="1200">
+                <a:solidFill>
+                  <a:schemeClr val="tx1"/>
+                </a:solidFill>
+                <a:latin typeface="+mn-lt"/>
+                <a:ea typeface="+mn-ea"/>
+                <a:cs typeface="+mn-cs"/>
+              </a:defRPr>
+            </a:lvl8pPr>
+            <a:lvl9pPr marL="1362456" indent="-137160" algn="l" defTabSz="914400" rtl="0" eaLnBrk="1" latinLnBrk="0" hangingPunct="1">
+              <a:lnSpc>
+                <a:spcPct val="90000"/>
+              </a:lnSpc>
+              <a:spcBef>
+                <a:spcPts val="200"/>
+              </a:spcBef>
+              <a:spcAft>
+                <a:spcPts val="400"/>
+              </a:spcAft>
+              <a:buClr>
+                <a:schemeClr val="accent2"/>
+              </a:buClr>
+              <a:buFont typeface="Wingdings 3" pitchFamily="18" charset="2"/>
+              <a:buChar char=""/>
+              <a:defRPr sz="1200" kern="1200">
+                <a:solidFill>
+                  <a:schemeClr val="tx1"/>
+                </a:solidFill>
+                <a:latin typeface="+mn-lt"/>
+                <a:ea typeface="+mn-ea"/>
+                <a:cs typeface="+mn-cs"/>
+              </a:defRPr>
+            </a:lvl9pPr>
+          </a:lstStyle>
+          <a:p>
+            <a:pPr>
+              <a:buFont typeface="Wingdings" pitchFamily="2" charset="2"/>
+              <a:buNone/>
+              <a:defRPr/>
+            </a:pPr>
+            <a:r>
+              <a:rPr lang="en-US" altLang="en-US"/>
+              <a:t> </a:t>
+            </a:r>
+            <a:endParaRPr lang="en-US" altLang="en-US" dirty="0"/>
+          </a:p>
+        </p:txBody>
+      </p:sp>
+      <p:grpSp>
+        <p:nvGrpSpPr>
+          <p:cNvPr id="37" name="Group 4">
+            <a:extLst>
+              <a:ext uri="{FF2B5EF4-FFF2-40B4-BE49-F238E27FC236}">
+                <a16:creationId xmlns:a16="http://schemas.microsoft.com/office/drawing/2014/main" id="{365A8487-453C-C18D-FEE3-1B722B271A8F}"/>
+              </a:ext>
+            </a:extLst>
+          </p:cNvPr>
+          <p:cNvGrpSpPr>
+            <a:grpSpLocks/>
+          </p:cNvGrpSpPr>
+          <p:nvPr/>
+        </p:nvGrpSpPr>
+        <p:grpSpPr bwMode="auto">
+          <a:xfrm>
+            <a:off x="547371" y="1565304"/>
+            <a:ext cx="8229600" cy="4897792"/>
+            <a:chOff x="528" y="816"/>
+            <a:chExt cx="4704" cy="3168"/>
+          </a:xfrm>
+        </p:grpSpPr>
+        <p:sp>
+          <p:nvSpPr>
+            <p:cNvPr id="38" name="Rectangle 5">
+              <a:extLst>
+                <a:ext uri="{FF2B5EF4-FFF2-40B4-BE49-F238E27FC236}">
+                  <a16:creationId xmlns:a16="http://schemas.microsoft.com/office/drawing/2014/main" id="{14C01986-A26F-70A4-935D-257A58E45501}"/>
+                </a:ext>
+              </a:extLst>
+            </p:cNvPr>
+            <p:cNvSpPr>
+              <a:spLocks noChangeArrowheads="1"/>
+            </p:cNvSpPr>
+            <p:nvPr/>
+          </p:nvSpPr>
+          <p:spPr bwMode="auto">
+            <a:xfrm>
+              <a:off x="528" y="960"/>
+              <a:ext cx="4704" cy="3024"/>
+            </a:xfrm>
+            <a:prstGeom prst="rect">
+              <a:avLst/>
+            </a:prstGeom>
+            <a:noFill/>
+            <a:ln w="19050">
+              <a:solidFill>
+                <a:schemeClr val="tx1"/>
+              </a:solidFill>
+              <a:miter lim="800000"/>
+              <a:headEnd/>
+              <a:tailEnd/>
+            </a:ln>
+            <a:extLst>
+              <a:ext uri="{909E8E84-426E-40DD-AFC4-6F175D3DCCD1}">
+                <a14:hiddenFill xmlns:a14="http://schemas.microsoft.com/office/drawing/2010/main">
+                  <a:solidFill>
+                    <a:srgbClr val="FFFFFF"/>
+                  </a:solidFill>
+                </a14:hiddenFill>
+              </a:ext>
+            </a:extLst>
+          </p:spPr>
+          <p:txBody>
+            <a:bodyPr wrap="none" anchor="ctr"/>
+            <a:lstStyle>
+              <a:lvl1pPr>
+                <a:defRPr sz="3200">
+                  <a:solidFill>
+                    <a:schemeClr val="tx1"/>
+                  </a:solidFill>
+                  <a:latin typeface="Tahoma" panose="020B0604030504040204" pitchFamily="34" charset="0"/>
+                  <a:ea typeface="ＭＳ Ｐゴシック" panose="020B0600070205080204" pitchFamily="34" charset="-128"/>
+                </a:defRPr>
+              </a:lvl1pPr>
+              <a:lvl2pPr marL="742950" indent="-285750">
+                <a:defRPr sz="3200">
+                  <a:solidFill>
+                    <a:schemeClr val="tx1"/>
+                  </a:solidFill>
+                  <a:latin typeface="Tahoma" panose="020B0604030504040204" pitchFamily="34" charset="0"/>
+                  <a:ea typeface="ＭＳ Ｐゴシック" panose="020B0600070205080204" pitchFamily="34" charset="-128"/>
+                </a:defRPr>
+              </a:lvl2pPr>
+              <a:lvl3pPr marL="1143000" indent="-228600">
+                <a:defRPr sz="3200">
+                  <a:solidFill>
+                    <a:schemeClr val="tx1"/>
+                  </a:solidFill>
+                  <a:latin typeface="Tahoma" panose="020B0604030504040204" pitchFamily="34" charset="0"/>
+                  <a:ea typeface="ＭＳ Ｐゴシック" panose="020B0600070205080204" pitchFamily="34" charset="-128"/>
+                </a:defRPr>
+              </a:lvl3pPr>
+              <a:lvl4pPr marL="1600200" indent="-228600">
+                <a:defRPr sz="3200">
+                  <a:solidFill>
+                    <a:schemeClr val="tx1"/>
+                  </a:solidFill>
+                  <a:latin typeface="Tahoma" panose="020B0604030504040204" pitchFamily="34" charset="0"/>
+                  <a:ea typeface="ＭＳ Ｐゴシック" panose="020B0600070205080204" pitchFamily="34" charset="-128"/>
+                </a:defRPr>
+              </a:lvl4pPr>
+              <a:lvl5pPr marL="2057400" indent="-228600">
+                <a:defRPr sz="3200">
+                  <a:solidFill>
+                    <a:schemeClr val="tx1"/>
+                  </a:solidFill>
+                  <a:latin typeface="Tahoma" panose="020B0604030504040204" pitchFamily="34" charset="0"/>
+                  <a:ea typeface="ＭＳ Ｐゴシック" panose="020B0600070205080204" pitchFamily="34" charset="-128"/>
+                </a:defRPr>
+              </a:lvl5pPr>
+              <a:lvl6pPr marL="2514600" indent="-228600" eaLnBrk="0" fontAlgn="base" hangingPunct="0">
+                <a:spcBef>
+                  <a:spcPct val="0"/>
+                </a:spcBef>
+                <a:spcAft>
+                  <a:spcPct val="0"/>
+                </a:spcAft>
+                <a:defRPr sz="3200">
+                  <a:solidFill>
+                    <a:schemeClr val="tx1"/>
+                  </a:solidFill>
+                  <a:latin typeface="Tahoma" panose="020B0604030504040204" pitchFamily="34" charset="0"/>
+                  <a:ea typeface="ＭＳ Ｐゴシック" panose="020B0600070205080204" pitchFamily="34" charset="-128"/>
+                </a:defRPr>
+              </a:lvl6pPr>
+              <a:lvl7pPr marL="2971800" indent="-228600" eaLnBrk="0" fontAlgn="base" hangingPunct="0">
+                <a:spcBef>
+                  <a:spcPct val="0"/>
+                </a:spcBef>
+                <a:spcAft>
+                  <a:spcPct val="0"/>
+                </a:spcAft>
+                <a:defRPr sz="3200">
+                  <a:solidFill>
+                    <a:schemeClr val="tx1"/>
+                  </a:solidFill>
+                  <a:latin typeface="Tahoma" panose="020B0604030504040204" pitchFamily="34" charset="0"/>
+                  <a:ea typeface="ＭＳ Ｐゴシック" panose="020B0600070205080204" pitchFamily="34" charset="-128"/>
+                </a:defRPr>
+              </a:lvl7pPr>
+              <a:lvl8pPr marL="3429000" indent="-228600" eaLnBrk="0" fontAlgn="base" hangingPunct="0">
+                <a:spcBef>
+                  <a:spcPct val="0"/>
+                </a:spcBef>
+                <a:spcAft>
+                  <a:spcPct val="0"/>
+                </a:spcAft>
+                <a:defRPr sz="3200">
+                  <a:solidFill>
+                    <a:schemeClr val="tx1"/>
+                  </a:solidFill>
+                  <a:latin typeface="Tahoma" panose="020B0604030504040204" pitchFamily="34" charset="0"/>
+                  <a:ea typeface="ＭＳ Ｐゴシック" panose="020B0600070205080204" pitchFamily="34" charset="-128"/>
+                </a:defRPr>
+              </a:lvl8pPr>
+              <a:lvl9pPr marL="3886200" indent="-228600" eaLnBrk="0" fontAlgn="base" hangingPunct="0">
+                <a:spcBef>
+                  <a:spcPct val="0"/>
+                </a:spcBef>
+                <a:spcAft>
+                  <a:spcPct val="0"/>
+                </a:spcAft>
+                <a:defRPr sz="3200">
+                  <a:solidFill>
+                    <a:schemeClr val="tx1"/>
+                  </a:solidFill>
+                  <a:latin typeface="Tahoma" panose="020B0604030504040204" pitchFamily="34" charset="0"/>
+                  <a:ea typeface="ＭＳ Ｐゴシック" panose="020B0600070205080204" pitchFamily="34" charset="-128"/>
+                </a:defRPr>
+              </a:lvl9pPr>
+            </a:lstStyle>
+            <a:p>
+              <a:endParaRPr lang="en-US" altLang="en-US"/>
+            </a:p>
+          </p:txBody>
+        </p:sp>
+        <p:sp>
+          <p:nvSpPr>
+            <p:cNvPr id="39" name="Text Box 6">
+              <a:extLst>
+                <a:ext uri="{FF2B5EF4-FFF2-40B4-BE49-F238E27FC236}">
+                  <a16:creationId xmlns:a16="http://schemas.microsoft.com/office/drawing/2014/main" id="{16054202-141C-E1F3-6A7A-2E29A7B37732}"/>
+                </a:ext>
+              </a:extLst>
+            </p:cNvPr>
+            <p:cNvSpPr txBox="1">
+              <a:spLocks noChangeArrowheads="1"/>
+            </p:cNvSpPr>
+            <p:nvPr/>
+          </p:nvSpPr>
+          <p:spPr bwMode="auto">
+            <a:xfrm>
+              <a:off x="2496" y="816"/>
+              <a:ext cx="720" cy="252"/>
+            </a:xfrm>
+            <a:prstGeom prst="rect">
+              <a:avLst/>
+            </a:prstGeom>
+            <a:solidFill>
+              <a:schemeClr val="bg1"/>
+            </a:solidFill>
+            <a:ln>
+              <a:noFill/>
+            </a:ln>
+            <a:extLst>
+              <a:ext uri="{91240B29-F687-4F45-9708-019B960494DF}">
+                <a14:hiddenLine xmlns:a14="http://schemas.microsoft.com/office/drawing/2010/main" w="9525">
+                  <a:solidFill>
+                    <a:srgbClr val="000000"/>
+                  </a:solidFill>
+                  <a:miter lim="800000"/>
+                  <a:headEnd/>
+                  <a:tailEnd/>
+                </a14:hiddenLine>
+              </a:ext>
+            </a:extLst>
+          </p:spPr>
+          <p:txBody>
+            <a:bodyPr>
+              <a:spAutoFit/>
+            </a:bodyPr>
+            <a:lstStyle>
+              <a:lvl1pPr>
+                <a:defRPr sz="3200">
+                  <a:solidFill>
+                    <a:schemeClr val="tx1"/>
+                  </a:solidFill>
+                  <a:latin typeface="Tahoma" panose="020B0604030504040204" pitchFamily="34" charset="0"/>
+                  <a:ea typeface="ＭＳ Ｐゴシック" panose="020B0600070205080204" pitchFamily="34" charset="-128"/>
+                </a:defRPr>
+              </a:lvl1pPr>
+              <a:lvl2pPr marL="742950" indent="-285750">
+                <a:defRPr sz="3200">
+                  <a:solidFill>
+                    <a:schemeClr val="tx1"/>
+                  </a:solidFill>
+                  <a:latin typeface="Tahoma" panose="020B0604030504040204" pitchFamily="34" charset="0"/>
+                  <a:ea typeface="ＭＳ Ｐゴシック" panose="020B0600070205080204" pitchFamily="34" charset="-128"/>
+                </a:defRPr>
+              </a:lvl2pPr>
+              <a:lvl3pPr marL="1143000" indent="-228600">
+                <a:defRPr sz="3200">
+                  <a:solidFill>
+                    <a:schemeClr val="tx1"/>
+                  </a:solidFill>
+                  <a:latin typeface="Tahoma" panose="020B0604030504040204" pitchFamily="34" charset="0"/>
+                  <a:ea typeface="ＭＳ Ｐゴシック" panose="020B0600070205080204" pitchFamily="34" charset="-128"/>
+                </a:defRPr>
+              </a:lvl3pPr>
+              <a:lvl4pPr marL="1600200" indent="-228600">
+                <a:defRPr sz="3200">
+                  <a:solidFill>
+                    <a:schemeClr val="tx1"/>
+                  </a:solidFill>
+                  <a:latin typeface="Tahoma" panose="020B0604030504040204" pitchFamily="34" charset="0"/>
+                  <a:ea typeface="ＭＳ Ｐゴシック" panose="020B0600070205080204" pitchFamily="34" charset="-128"/>
+                </a:defRPr>
+              </a:lvl4pPr>
+              <a:lvl5pPr marL="2057400" indent="-228600">
+                <a:defRPr sz="3200">
+                  <a:solidFill>
+                    <a:schemeClr val="tx1"/>
+                  </a:solidFill>
+                  <a:latin typeface="Tahoma" panose="020B0604030504040204" pitchFamily="34" charset="0"/>
+                  <a:ea typeface="ＭＳ Ｐゴシック" panose="020B0600070205080204" pitchFamily="34" charset="-128"/>
+                </a:defRPr>
+              </a:lvl5pPr>
+              <a:lvl6pPr marL="2514600" indent="-228600" eaLnBrk="0" fontAlgn="base" hangingPunct="0">
+                <a:spcBef>
+                  <a:spcPct val="0"/>
+                </a:spcBef>
+                <a:spcAft>
+                  <a:spcPct val="0"/>
+                </a:spcAft>
+                <a:defRPr sz="3200">
+                  <a:solidFill>
+                    <a:schemeClr val="tx1"/>
+                  </a:solidFill>
+                  <a:latin typeface="Tahoma" panose="020B0604030504040204" pitchFamily="34" charset="0"/>
+                  <a:ea typeface="ＭＳ Ｐゴシック" panose="020B0600070205080204" pitchFamily="34" charset="-128"/>
+                </a:defRPr>
+              </a:lvl6pPr>
+              <a:lvl7pPr marL="2971800" indent="-228600" eaLnBrk="0" fontAlgn="base" hangingPunct="0">
+                <a:spcBef>
+                  <a:spcPct val="0"/>
+                </a:spcBef>
+                <a:spcAft>
+                  <a:spcPct val="0"/>
+                </a:spcAft>
+                <a:defRPr sz="3200">
+                  <a:solidFill>
+                    <a:schemeClr val="tx1"/>
+                  </a:solidFill>
+                  <a:latin typeface="Tahoma" panose="020B0604030504040204" pitchFamily="34" charset="0"/>
+                  <a:ea typeface="ＭＳ Ｐゴシック" panose="020B0600070205080204" pitchFamily="34" charset="-128"/>
+                </a:defRPr>
+              </a:lvl7pPr>
+              <a:lvl8pPr marL="3429000" indent="-228600" eaLnBrk="0" fontAlgn="base" hangingPunct="0">
+                <a:spcBef>
+                  <a:spcPct val="0"/>
+                </a:spcBef>
+                <a:spcAft>
+                  <a:spcPct val="0"/>
+                </a:spcAft>
+                <a:defRPr sz="3200">
+                  <a:solidFill>
+                    <a:schemeClr val="tx1"/>
+                  </a:solidFill>
+                  <a:latin typeface="Tahoma" panose="020B0604030504040204" pitchFamily="34" charset="0"/>
+                  <a:ea typeface="ＭＳ Ｐゴシック" panose="020B0600070205080204" pitchFamily="34" charset="-128"/>
+                </a:defRPr>
+              </a:lvl8pPr>
+              <a:lvl9pPr marL="3886200" indent="-228600" eaLnBrk="0" fontAlgn="base" hangingPunct="0">
+                <a:spcBef>
+                  <a:spcPct val="0"/>
+                </a:spcBef>
+                <a:spcAft>
+                  <a:spcPct val="0"/>
+                </a:spcAft>
+                <a:defRPr sz="3200">
+                  <a:solidFill>
+                    <a:schemeClr val="tx1"/>
+                  </a:solidFill>
+                  <a:latin typeface="Tahoma" panose="020B0604030504040204" pitchFamily="34" charset="0"/>
+                  <a:ea typeface="ＭＳ Ｐゴシック" panose="020B0600070205080204" pitchFamily="34" charset="-128"/>
+                </a:defRPr>
+              </a:lvl9pPr>
+            </a:lstStyle>
+            <a:p>
+              <a:pPr>
+                <a:spcBef>
+                  <a:spcPct val="50000"/>
+                </a:spcBef>
+              </a:pPr>
+              <a:r>
+                <a:rPr lang="en-US" altLang="en-US" sz="2000" dirty="0">
+                  <a:latin typeface="Trebuchet MS" panose="020B0703020202090204" pitchFamily="34" charset="0"/>
+                </a:rPr>
+                <a:t>Project</a:t>
+              </a:r>
+            </a:p>
+          </p:txBody>
+        </p:sp>
+      </p:grpSp>
+      <p:grpSp>
+        <p:nvGrpSpPr>
+          <p:cNvPr id="40" name="Group 7">
+            <a:extLst>
+              <a:ext uri="{FF2B5EF4-FFF2-40B4-BE49-F238E27FC236}">
+                <a16:creationId xmlns:a16="http://schemas.microsoft.com/office/drawing/2014/main" id="{E7CC292E-E650-376B-828D-832AA63104C3}"/>
+              </a:ext>
+            </a:extLst>
+          </p:cNvPr>
+          <p:cNvGrpSpPr>
+            <a:grpSpLocks/>
+          </p:cNvGrpSpPr>
+          <p:nvPr/>
+        </p:nvGrpSpPr>
+        <p:grpSpPr bwMode="auto">
+          <a:xfrm>
+            <a:off x="858414" y="2502634"/>
+            <a:ext cx="3904602" cy="3304234"/>
+            <a:chOff x="765" y="1185"/>
+            <a:chExt cx="3183" cy="2655"/>
+          </a:xfrm>
+        </p:grpSpPr>
+        <p:sp>
+          <p:nvSpPr>
+            <p:cNvPr id="41" name="AutoShape 8">
+              <a:extLst>
+                <a:ext uri="{FF2B5EF4-FFF2-40B4-BE49-F238E27FC236}">
+                  <a16:creationId xmlns:a16="http://schemas.microsoft.com/office/drawing/2014/main" id="{B68D53D1-681B-95BC-AAE6-5D1851387A83}"/>
+                </a:ext>
+              </a:extLst>
+            </p:cNvPr>
+            <p:cNvSpPr>
+              <a:spLocks noChangeArrowheads="1"/>
+            </p:cNvSpPr>
+            <p:nvPr/>
+          </p:nvSpPr>
+          <p:spPr bwMode="auto">
+            <a:xfrm>
+              <a:off x="765" y="1197"/>
+              <a:ext cx="2451" cy="2643"/>
+            </a:xfrm>
+            <a:prstGeom prst="flowChartDocument">
+              <a:avLst/>
+            </a:prstGeom>
+            <a:solidFill>
+              <a:schemeClr val="accent1"/>
+            </a:solidFill>
+            <a:ln w="19050">
+              <a:solidFill>
+                <a:schemeClr val="tx1"/>
+              </a:solidFill>
+              <a:miter lim="800000"/>
+              <a:headEnd/>
+              <a:tailEnd/>
+            </a:ln>
+          </p:spPr>
+          <p:txBody>
+            <a:bodyPr wrap="none" anchor="ctr"/>
+            <a:lstStyle>
+              <a:lvl1pPr>
+                <a:defRPr sz="3200">
+                  <a:solidFill>
+                    <a:schemeClr val="tx1"/>
+                  </a:solidFill>
+                  <a:latin typeface="Tahoma" panose="020B0604030504040204" pitchFamily="34" charset="0"/>
+                  <a:ea typeface="ＭＳ Ｐゴシック" panose="020B0600070205080204" pitchFamily="34" charset="-128"/>
+                </a:defRPr>
+              </a:lvl1pPr>
+              <a:lvl2pPr marL="742950" indent="-285750">
+                <a:defRPr sz="3200">
+                  <a:solidFill>
+                    <a:schemeClr val="tx1"/>
+                  </a:solidFill>
+                  <a:latin typeface="Tahoma" panose="020B0604030504040204" pitchFamily="34" charset="0"/>
+                  <a:ea typeface="ＭＳ Ｐゴシック" panose="020B0600070205080204" pitchFamily="34" charset="-128"/>
+                </a:defRPr>
+              </a:lvl2pPr>
+              <a:lvl3pPr marL="1143000" indent="-228600">
+                <a:defRPr sz="3200">
+                  <a:solidFill>
+                    <a:schemeClr val="tx1"/>
+                  </a:solidFill>
+                  <a:latin typeface="Tahoma" panose="020B0604030504040204" pitchFamily="34" charset="0"/>
+                  <a:ea typeface="ＭＳ Ｐゴシック" panose="020B0600070205080204" pitchFamily="34" charset="-128"/>
+                </a:defRPr>
+              </a:lvl3pPr>
+              <a:lvl4pPr marL="1600200" indent="-228600">
+                <a:defRPr sz="3200">
+                  <a:solidFill>
+                    <a:schemeClr val="tx1"/>
+                  </a:solidFill>
+                  <a:latin typeface="Tahoma" panose="020B0604030504040204" pitchFamily="34" charset="0"/>
+                  <a:ea typeface="ＭＳ Ｐゴシック" panose="020B0600070205080204" pitchFamily="34" charset="-128"/>
+                </a:defRPr>
+              </a:lvl4pPr>
+              <a:lvl5pPr marL="2057400" indent="-228600">
+                <a:defRPr sz="3200">
+                  <a:solidFill>
+                    <a:schemeClr val="tx1"/>
+                  </a:solidFill>
+                  <a:latin typeface="Tahoma" panose="020B0604030504040204" pitchFamily="34" charset="0"/>
+                  <a:ea typeface="ＭＳ Ｐゴシック" panose="020B0600070205080204" pitchFamily="34" charset="-128"/>
+                </a:defRPr>
+              </a:lvl5pPr>
+              <a:lvl6pPr marL="2514600" indent="-228600" eaLnBrk="0" fontAlgn="base" hangingPunct="0">
+                <a:spcBef>
+                  <a:spcPct val="0"/>
+                </a:spcBef>
+                <a:spcAft>
+                  <a:spcPct val="0"/>
+                </a:spcAft>
+                <a:defRPr sz="3200">
+                  <a:solidFill>
+                    <a:schemeClr val="tx1"/>
+                  </a:solidFill>
+                  <a:latin typeface="Tahoma" panose="020B0604030504040204" pitchFamily="34" charset="0"/>
+                  <a:ea typeface="ＭＳ Ｐゴシック" panose="020B0600070205080204" pitchFamily="34" charset="-128"/>
+                </a:defRPr>
+              </a:lvl6pPr>
+              <a:lvl7pPr marL="2971800" indent="-228600" eaLnBrk="0" fontAlgn="base" hangingPunct="0">
+                <a:spcBef>
+                  <a:spcPct val="0"/>
+                </a:spcBef>
+                <a:spcAft>
+                  <a:spcPct val="0"/>
+                </a:spcAft>
+                <a:defRPr sz="3200">
+                  <a:solidFill>
+                    <a:schemeClr val="tx1"/>
+                  </a:solidFill>
+                  <a:latin typeface="Tahoma" panose="020B0604030504040204" pitchFamily="34" charset="0"/>
+                  <a:ea typeface="ＭＳ Ｐゴシック" panose="020B0600070205080204" pitchFamily="34" charset="-128"/>
+                </a:defRPr>
+              </a:lvl7pPr>
+              <a:lvl8pPr marL="3429000" indent="-228600" eaLnBrk="0" fontAlgn="base" hangingPunct="0">
+                <a:spcBef>
+                  <a:spcPct val="0"/>
+                </a:spcBef>
+                <a:spcAft>
+                  <a:spcPct val="0"/>
+                </a:spcAft>
+                <a:defRPr sz="3200">
+                  <a:solidFill>
+                    <a:schemeClr val="tx1"/>
+                  </a:solidFill>
+                  <a:latin typeface="Tahoma" panose="020B0604030504040204" pitchFamily="34" charset="0"/>
+                  <a:ea typeface="ＭＳ Ｐゴシック" panose="020B0600070205080204" pitchFamily="34" charset="-128"/>
+                </a:defRPr>
+              </a:lvl8pPr>
+              <a:lvl9pPr marL="3886200" indent="-228600" eaLnBrk="0" fontAlgn="base" hangingPunct="0">
+                <a:spcBef>
+                  <a:spcPct val="0"/>
+                </a:spcBef>
+                <a:spcAft>
+                  <a:spcPct val="0"/>
+                </a:spcAft>
+                <a:defRPr sz="3200">
+                  <a:solidFill>
+                    <a:schemeClr val="tx1"/>
+                  </a:solidFill>
+                  <a:latin typeface="Tahoma" panose="020B0604030504040204" pitchFamily="34" charset="0"/>
+                  <a:ea typeface="ＭＳ Ｐゴシック" panose="020B0600070205080204" pitchFamily="34" charset="-128"/>
+                </a:defRPr>
+              </a:lvl9pPr>
+            </a:lstStyle>
+            <a:p>
+              <a:endParaRPr lang="en-US" altLang="en-US"/>
+            </a:p>
+          </p:txBody>
+        </p:sp>
+        <p:sp>
+          <p:nvSpPr>
+            <p:cNvPr id="42" name="AutoShape 9">
+              <a:extLst>
+                <a:ext uri="{FF2B5EF4-FFF2-40B4-BE49-F238E27FC236}">
+                  <a16:creationId xmlns:a16="http://schemas.microsoft.com/office/drawing/2014/main" id="{27872CD9-A50F-EAE0-D07B-BE48956EEA1F}"/>
+                </a:ext>
+              </a:extLst>
+            </p:cNvPr>
+            <p:cNvSpPr>
+              <a:spLocks noChangeArrowheads="1"/>
+            </p:cNvSpPr>
+            <p:nvPr/>
+          </p:nvSpPr>
+          <p:spPr bwMode="auto">
+            <a:xfrm>
+              <a:off x="3420" y="1185"/>
+              <a:ext cx="528" cy="528"/>
+            </a:xfrm>
+            <a:prstGeom prst="flowChartDocument">
+              <a:avLst/>
+            </a:prstGeom>
+            <a:solidFill>
+              <a:schemeClr val="accent1"/>
+            </a:solidFill>
+            <a:ln w="19050">
+              <a:solidFill>
+                <a:schemeClr val="tx1"/>
+              </a:solidFill>
+              <a:miter lim="800000"/>
+              <a:headEnd/>
+              <a:tailEnd/>
+            </a:ln>
+          </p:spPr>
+          <p:txBody>
+            <a:bodyPr wrap="none" anchor="ctr"/>
+            <a:lstStyle>
+              <a:lvl1pPr>
+                <a:defRPr sz="3200">
+                  <a:solidFill>
+                    <a:schemeClr val="tx1"/>
+                  </a:solidFill>
+                  <a:latin typeface="Tahoma" panose="020B0604030504040204" pitchFamily="34" charset="0"/>
+                  <a:ea typeface="ＭＳ Ｐゴシック" panose="020B0600070205080204" pitchFamily="34" charset="-128"/>
+                </a:defRPr>
+              </a:lvl1pPr>
+              <a:lvl2pPr marL="742950" indent="-285750">
+                <a:defRPr sz="3200">
+                  <a:solidFill>
+                    <a:schemeClr val="tx1"/>
+                  </a:solidFill>
+                  <a:latin typeface="Tahoma" panose="020B0604030504040204" pitchFamily="34" charset="0"/>
+                  <a:ea typeface="ＭＳ Ｐゴシック" panose="020B0600070205080204" pitchFamily="34" charset="-128"/>
+                </a:defRPr>
+              </a:lvl2pPr>
+              <a:lvl3pPr marL="1143000" indent="-228600">
+                <a:defRPr sz="3200">
+                  <a:solidFill>
+                    <a:schemeClr val="tx1"/>
+                  </a:solidFill>
+                  <a:latin typeface="Tahoma" panose="020B0604030504040204" pitchFamily="34" charset="0"/>
+                  <a:ea typeface="ＭＳ Ｐゴシック" panose="020B0600070205080204" pitchFamily="34" charset="-128"/>
+                </a:defRPr>
+              </a:lvl3pPr>
+              <a:lvl4pPr marL="1600200" indent="-228600">
+                <a:defRPr sz="3200">
+                  <a:solidFill>
+                    <a:schemeClr val="tx1"/>
+                  </a:solidFill>
+                  <a:latin typeface="Tahoma" panose="020B0604030504040204" pitchFamily="34" charset="0"/>
+                  <a:ea typeface="ＭＳ Ｐゴシック" panose="020B0600070205080204" pitchFamily="34" charset="-128"/>
+                </a:defRPr>
+              </a:lvl4pPr>
+              <a:lvl5pPr marL="2057400" indent="-228600">
+                <a:defRPr sz="3200">
+                  <a:solidFill>
+                    <a:schemeClr val="tx1"/>
+                  </a:solidFill>
+                  <a:latin typeface="Tahoma" panose="020B0604030504040204" pitchFamily="34" charset="0"/>
+                  <a:ea typeface="ＭＳ Ｐゴシック" panose="020B0600070205080204" pitchFamily="34" charset="-128"/>
+                </a:defRPr>
+              </a:lvl5pPr>
+              <a:lvl6pPr marL="2514600" indent="-228600" eaLnBrk="0" fontAlgn="base" hangingPunct="0">
+                <a:spcBef>
+                  <a:spcPct val="0"/>
+                </a:spcBef>
+                <a:spcAft>
+                  <a:spcPct val="0"/>
+                </a:spcAft>
+                <a:defRPr sz="3200">
+                  <a:solidFill>
+                    <a:schemeClr val="tx1"/>
+                  </a:solidFill>
+                  <a:latin typeface="Tahoma" panose="020B0604030504040204" pitchFamily="34" charset="0"/>
+                  <a:ea typeface="ＭＳ Ｐゴシック" panose="020B0600070205080204" pitchFamily="34" charset="-128"/>
+                </a:defRPr>
+              </a:lvl6pPr>
+              <a:lvl7pPr marL="2971800" indent="-228600" eaLnBrk="0" fontAlgn="base" hangingPunct="0">
+                <a:spcBef>
+                  <a:spcPct val="0"/>
+                </a:spcBef>
+                <a:spcAft>
+                  <a:spcPct val="0"/>
+                </a:spcAft>
+                <a:defRPr sz="3200">
+                  <a:solidFill>
+                    <a:schemeClr val="tx1"/>
+                  </a:solidFill>
+                  <a:latin typeface="Tahoma" panose="020B0604030504040204" pitchFamily="34" charset="0"/>
+                  <a:ea typeface="ＭＳ Ｐゴシック" panose="020B0600070205080204" pitchFamily="34" charset="-128"/>
+                </a:defRPr>
+              </a:lvl7pPr>
+              <a:lvl8pPr marL="3429000" indent="-228600" eaLnBrk="0" fontAlgn="base" hangingPunct="0">
+                <a:spcBef>
+                  <a:spcPct val="0"/>
+                </a:spcBef>
+                <a:spcAft>
+                  <a:spcPct val="0"/>
+                </a:spcAft>
+                <a:defRPr sz="3200">
+                  <a:solidFill>
+                    <a:schemeClr val="tx1"/>
+                  </a:solidFill>
+                  <a:latin typeface="Tahoma" panose="020B0604030504040204" pitchFamily="34" charset="0"/>
+                  <a:ea typeface="ＭＳ Ｐゴシック" panose="020B0600070205080204" pitchFamily="34" charset="-128"/>
+                </a:defRPr>
+              </a:lvl8pPr>
+              <a:lvl9pPr marL="3886200" indent="-228600" eaLnBrk="0" fontAlgn="base" hangingPunct="0">
+                <a:spcBef>
+                  <a:spcPct val="0"/>
+                </a:spcBef>
+                <a:spcAft>
+                  <a:spcPct val="0"/>
+                </a:spcAft>
+                <a:defRPr sz="3200">
+                  <a:solidFill>
+                    <a:schemeClr val="tx1"/>
+                  </a:solidFill>
+                  <a:latin typeface="Tahoma" panose="020B0604030504040204" pitchFamily="34" charset="0"/>
+                  <a:ea typeface="ＭＳ Ｐゴシック" panose="020B0600070205080204" pitchFamily="34" charset="-128"/>
+                </a:defRPr>
+              </a:lvl9pPr>
+            </a:lstStyle>
+            <a:p>
+              <a:endParaRPr lang="en-US" altLang="en-US"/>
+            </a:p>
+          </p:txBody>
+        </p:sp>
+        <p:sp>
+          <p:nvSpPr>
+            <p:cNvPr id="45" name="Text Box 12">
+              <a:extLst>
+                <a:ext uri="{FF2B5EF4-FFF2-40B4-BE49-F238E27FC236}">
+                  <a16:creationId xmlns:a16="http://schemas.microsoft.com/office/drawing/2014/main" id="{981048A5-2813-2189-3E64-91D13C0BA5C8}"/>
+                </a:ext>
+              </a:extLst>
+            </p:cNvPr>
+            <p:cNvSpPr txBox="1">
+              <a:spLocks noChangeArrowheads="1"/>
+            </p:cNvSpPr>
+            <p:nvPr/>
+          </p:nvSpPr>
+          <p:spPr bwMode="auto">
+            <a:xfrm>
+              <a:off x="768" y="1200"/>
+              <a:ext cx="720" cy="321"/>
+            </a:xfrm>
+            <a:prstGeom prst="rect">
+              <a:avLst/>
+            </a:prstGeom>
+            <a:noFill/>
+            <a:ln>
+              <a:noFill/>
+            </a:ln>
+            <a:extLst>
+              <a:ext uri="{909E8E84-426E-40DD-AFC4-6F175D3DCCD1}">
+                <a14:hiddenFill xmlns:a14="http://schemas.microsoft.com/office/drawing/2010/main">
+                  <a:solidFill>
+                    <a:srgbClr val="FFFFFF"/>
+                  </a:solidFill>
+                </a14:hiddenFill>
+              </a:ext>
+              <a:ext uri="{91240B29-F687-4F45-9708-019B960494DF}">
+                <a14:hiddenLine xmlns:a14="http://schemas.microsoft.com/office/drawing/2010/main" w="9525">
+                  <a:solidFill>
+                    <a:srgbClr val="000000"/>
+                  </a:solidFill>
+                  <a:miter lim="800000"/>
+                  <a:headEnd/>
+                  <a:tailEnd/>
+                </a14:hiddenLine>
+              </a:ext>
+            </a:extLst>
+          </p:spPr>
+          <p:txBody>
+            <a:bodyPr wrap="square">
+              <a:spAutoFit/>
+            </a:bodyPr>
+            <a:lstStyle>
+              <a:lvl1pPr>
+                <a:defRPr sz="3200">
+                  <a:solidFill>
+                    <a:schemeClr val="tx1"/>
+                  </a:solidFill>
+                  <a:latin typeface="Tahoma" panose="020B0604030504040204" pitchFamily="34" charset="0"/>
+                  <a:ea typeface="ＭＳ Ｐゴシック" panose="020B0600070205080204" pitchFamily="34" charset="-128"/>
+                </a:defRPr>
+              </a:lvl1pPr>
+              <a:lvl2pPr marL="742950" indent="-285750">
+                <a:defRPr sz="3200">
+                  <a:solidFill>
+                    <a:schemeClr val="tx1"/>
+                  </a:solidFill>
+                  <a:latin typeface="Tahoma" panose="020B0604030504040204" pitchFamily="34" charset="0"/>
+                  <a:ea typeface="ＭＳ Ｐゴシック" panose="020B0600070205080204" pitchFamily="34" charset="-128"/>
+                </a:defRPr>
+              </a:lvl2pPr>
+              <a:lvl3pPr marL="1143000" indent="-228600">
+                <a:defRPr sz="3200">
+                  <a:solidFill>
+                    <a:schemeClr val="tx1"/>
+                  </a:solidFill>
+                  <a:latin typeface="Tahoma" panose="020B0604030504040204" pitchFamily="34" charset="0"/>
+                  <a:ea typeface="ＭＳ Ｐゴシック" panose="020B0600070205080204" pitchFamily="34" charset="-128"/>
+                </a:defRPr>
+              </a:lvl3pPr>
+              <a:lvl4pPr marL="1600200" indent="-228600">
+                <a:defRPr sz="3200">
+                  <a:solidFill>
+                    <a:schemeClr val="tx1"/>
+                  </a:solidFill>
+                  <a:latin typeface="Tahoma" panose="020B0604030504040204" pitchFamily="34" charset="0"/>
+                  <a:ea typeface="ＭＳ Ｐゴシック" panose="020B0600070205080204" pitchFamily="34" charset="-128"/>
+                </a:defRPr>
+              </a:lvl4pPr>
+              <a:lvl5pPr marL="2057400" indent="-228600">
+                <a:defRPr sz="3200">
+                  <a:solidFill>
+                    <a:schemeClr val="tx1"/>
+                  </a:solidFill>
+                  <a:latin typeface="Tahoma" panose="020B0604030504040204" pitchFamily="34" charset="0"/>
+                  <a:ea typeface="ＭＳ Ｐゴシック" panose="020B0600070205080204" pitchFamily="34" charset="-128"/>
+                </a:defRPr>
+              </a:lvl5pPr>
+              <a:lvl6pPr marL="2514600" indent="-228600" eaLnBrk="0" fontAlgn="base" hangingPunct="0">
+                <a:spcBef>
+                  <a:spcPct val="0"/>
+                </a:spcBef>
+                <a:spcAft>
+                  <a:spcPct val="0"/>
+                </a:spcAft>
+                <a:defRPr sz="3200">
+                  <a:solidFill>
+                    <a:schemeClr val="tx1"/>
+                  </a:solidFill>
+                  <a:latin typeface="Tahoma" panose="020B0604030504040204" pitchFamily="34" charset="0"/>
+                  <a:ea typeface="ＭＳ Ｐゴシック" panose="020B0600070205080204" pitchFamily="34" charset="-128"/>
+                </a:defRPr>
+              </a:lvl6pPr>
+              <a:lvl7pPr marL="2971800" indent="-228600" eaLnBrk="0" fontAlgn="base" hangingPunct="0">
+                <a:spcBef>
+                  <a:spcPct val="0"/>
+                </a:spcBef>
+                <a:spcAft>
+                  <a:spcPct val="0"/>
+                </a:spcAft>
+                <a:defRPr sz="3200">
+                  <a:solidFill>
+                    <a:schemeClr val="tx1"/>
+                  </a:solidFill>
+                  <a:latin typeface="Tahoma" panose="020B0604030504040204" pitchFamily="34" charset="0"/>
+                  <a:ea typeface="ＭＳ Ｐゴシック" panose="020B0600070205080204" pitchFamily="34" charset="-128"/>
+                </a:defRPr>
+              </a:lvl7pPr>
+              <a:lvl8pPr marL="3429000" indent="-228600" eaLnBrk="0" fontAlgn="base" hangingPunct="0">
+                <a:spcBef>
+                  <a:spcPct val="0"/>
+                </a:spcBef>
+                <a:spcAft>
+                  <a:spcPct val="0"/>
+                </a:spcAft>
+                <a:defRPr sz="3200">
+                  <a:solidFill>
+                    <a:schemeClr val="tx1"/>
+                  </a:solidFill>
+                  <a:latin typeface="Tahoma" panose="020B0604030504040204" pitchFamily="34" charset="0"/>
+                  <a:ea typeface="ＭＳ Ｐゴシック" panose="020B0600070205080204" pitchFamily="34" charset="-128"/>
+                </a:defRPr>
+              </a:lvl8pPr>
+              <a:lvl9pPr marL="3886200" indent="-228600" eaLnBrk="0" fontAlgn="base" hangingPunct="0">
+                <a:spcBef>
+                  <a:spcPct val="0"/>
+                </a:spcBef>
+                <a:spcAft>
+                  <a:spcPct val="0"/>
+                </a:spcAft>
+                <a:defRPr sz="3200">
+                  <a:solidFill>
+                    <a:schemeClr val="tx1"/>
+                  </a:solidFill>
+                  <a:latin typeface="Tahoma" panose="020B0604030504040204" pitchFamily="34" charset="0"/>
+                  <a:ea typeface="ＭＳ Ｐゴシック" panose="020B0600070205080204" pitchFamily="34" charset="-128"/>
+                </a:defRPr>
+              </a:lvl9pPr>
+            </a:lstStyle>
+            <a:p>
+              <a:pPr>
+                <a:spcBef>
+                  <a:spcPct val="50000"/>
+                </a:spcBef>
+              </a:pPr>
+              <a:r>
+                <a:rPr lang="en-US" altLang="en-US" sz="2000" dirty="0">
+                  <a:latin typeface="Trebuchet MS" panose="020B0703020202090204" pitchFamily="34" charset="0"/>
+                </a:rPr>
+                <a:t>File</a:t>
+              </a:r>
+            </a:p>
+          </p:txBody>
+        </p:sp>
+        <p:sp>
+          <p:nvSpPr>
+            <p:cNvPr id="46" name="Text Box 13">
+              <a:extLst>
+                <a:ext uri="{FF2B5EF4-FFF2-40B4-BE49-F238E27FC236}">
+                  <a16:creationId xmlns:a16="http://schemas.microsoft.com/office/drawing/2014/main" id="{F04885EA-CA29-7B01-702C-3D4A6C0C7381}"/>
+                </a:ext>
+              </a:extLst>
+            </p:cNvPr>
+            <p:cNvSpPr txBox="1">
+              <a:spLocks noChangeArrowheads="1"/>
+            </p:cNvSpPr>
+            <p:nvPr/>
+          </p:nvSpPr>
+          <p:spPr bwMode="auto">
+            <a:xfrm>
+              <a:off x="3415" y="1210"/>
+              <a:ext cx="528" cy="272"/>
+            </a:xfrm>
+            <a:prstGeom prst="rect">
+              <a:avLst/>
+            </a:prstGeom>
+            <a:noFill/>
+            <a:ln>
+              <a:noFill/>
+            </a:ln>
+            <a:extLst>
+              <a:ext uri="{909E8E84-426E-40DD-AFC4-6F175D3DCCD1}">
+                <a14:hiddenFill xmlns:a14="http://schemas.microsoft.com/office/drawing/2010/main">
+                  <a:solidFill>
+                    <a:srgbClr val="FFFFFF"/>
+                  </a:solidFill>
+                </a14:hiddenFill>
+              </a:ext>
+              <a:ext uri="{91240B29-F687-4F45-9708-019B960494DF}">
+                <a14:hiddenLine xmlns:a14="http://schemas.microsoft.com/office/drawing/2010/main" w="9525">
+                  <a:solidFill>
+                    <a:srgbClr val="000000"/>
+                  </a:solidFill>
+                  <a:miter lim="800000"/>
+                  <a:headEnd/>
+                  <a:tailEnd/>
+                </a14:hiddenLine>
+              </a:ext>
+            </a:extLst>
+          </p:spPr>
+          <p:txBody>
+            <a:bodyPr wrap="square">
+              <a:spAutoFit/>
+            </a:bodyPr>
+            <a:lstStyle>
+              <a:lvl1pPr>
+                <a:defRPr sz="3200">
+                  <a:solidFill>
+                    <a:schemeClr val="tx1"/>
+                  </a:solidFill>
+                  <a:latin typeface="Tahoma" panose="020B0604030504040204" pitchFamily="34" charset="0"/>
+                  <a:ea typeface="ＭＳ Ｐゴシック" panose="020B0600070205080204" pitchFamily="34" charset="-128"/>
+                </a:defRPr>
+              </a:lvl1pPr>
+              <a:lvl2pPr marL="742950" indent="-285750">
+                <a:defRPr sz="3200">
+                  <a:solidFill>
+                    <a:schemeClr val="tx1"/>
+                  </a:solidFill>
+                  <a:latin typeface="Tahoma" panose="020B0604030504040204" pitchFamily="34" charset="0"/>
+                  <a:ea typeface="ＭＳ Ｐゴシック" panose="020B0600070205080204" pitchFamily="34" charset="-128"/>
+                </a:defRPr>
+              </a:lvl2pPr>
+              <a:lvl3pPr marL="1143000" indent="-228600">
+                <a:defRPr sz="3200">
+                  <a:solidFill>
+                    <a:schemeClr val="tx1"/>
+                  </a:solidFill>
+                  <a:latin typeface="Tahoma" panose="020B0604030504040204" pitchFamily="34" charset="0"/>
+                  <a:ea typeface="ＭＳ Ｐゴシック" panose="020B0600070205080204" pitchFamily="34" charset="-128"/>
+                </a:defRPr>
+              </a:lvl3pPr>
+              <a:lvl4pPr marL="1600200" indent="-228600">
+                <a:defRPr sz="3200">
+                  <a:solidFill>
+                    <a:schemeClr val="tx1"/>
+                  </a:solidFill>
+                  <a:latin typeface="Tahoma" panose="020B0604030504040204" pitchFamily="34" charset="0"/>
+                  <a:ea typeface="ＭＳ Ｐゴシック" panose="020B0600070205080204" pitchFamily="34" charset="-128"/>
+                </a:defRPr>
+              </a:lvl4pPr>
+              <a:lvl5pPr marL="2057400" indent="-228600">
+                <a:defRPr sz="3200">
+                  <a:solidFill>
+                    <a:schemeClr val="tx1"/>
+                  </a:solidFill>
+                  <a:latin typeface="Tahoma" panose="020B0604030504040204" pitchFamily="34" charset="0"/>
+                  <a:ea typeface="ＭＳ Ｐゴシック" panose="020B0600070205080204" pitchFamily="34" charset="-128"/>
+                </a:defRPr>
+              </a:lvl5pPr>
+              <a:lvl6pPr marL="2514600" indent="-228600" eaLnBrk="0" fontAlgn="base" hangingPunct="0">
+                <a:spcBef>
+                  <a:spcPct val="0"/>
+                </a:spcBef>
+                <a:spcAft>
+                  <a:spcPct val="0"/>
+                </a:spcAft>
+                <a:defRPr sz="3200">
+                  <a:solidFill>
+                    <a:schemeClr val="tx1"/>
+                  </a:solidFill>
+                  <a:latin typeface="Tahoma" panose="020B0604030504040204" pitchFamily="34" charset="0"/>
+                  <a:ea typeface="ＭＳ Ｐゴシック" panose="020B0600070205080204" pitchFamily="34" charset="-128"/>
+                </a:defRPr>
+              </a:lvl6pPr>
+              <a:lvl7pPr marL="2971800" indent="-228600" eaLnBrk="0" fontAlgn="base" hangingPunct="0">
+                <a:spcBef>
+                  <a:spcPct val="0"/>
+                </a:spcBef>
+                <a:spcAft>
+                  <a:spcPct val="0"/>
+                </a:spcAft>
+                <a:defRPr sz="3200">
+                  <a:solidFill>
+                    <a:schemeClr val="tx1"/>
+                  </a:solidFill>
+                  <a:latin typeface="Tahoma" panose="020B0604030504040204" pitchFamily="34" charset="0"/>
+                  <a:ea typeface="ＭＳ Ｐゴシック" panose="020B0600070205080204" pitchFamily="34" charset="-128"/>
+                </a:defRPr>
+              </a:lvl7pPr>
+              <a:lvl8pPr marL="3429000" indent="-228600" eaLnBrk="0" fontAlgn="base" hangingPunct="0">
+                <a:spcBef>
+                  <a:spcPct val="0"/>
+                </a:spcBef>
+                <a:spcAft>
+                  <a:spcPct val="0"/>
+                </a:spcAft>
+                <a:defRPr sz="3200">
+                  <a:solidFill>
+                    <a:schemeClr val="tx1"/>
+                  </a:solidFill>
+                  <a:latin typeface="Tahoma" panose="020B0604030504040204" pitchFamily="34" charset="0"/>
+                  <a:ea typeface="ＭＳ Ｐゴシック" panose="020B0600070205080204" pitchFamily="34" charset="-128"/>
+                </a:defRPr>
+              </a:lvl8pPr>
+              <a:lvl9pPr marL="3886200" indent="-228600" eaLnBrk="0" fontAlgn="base" hangingPunct="0">
+                <a:spcBef>
+                  <a:spcPct val="0"/>
+                </a:spcBef>
+                <a:spcAft>
+                  <a:spcPct val="0"/>
+                </a:spcAft>
+                <a:defRPr sz="3200">
+                  <a:solidFill>
+                    <a:schemeClr val="tx1"/>
+                  </a:solidFill>
+                  <a:latin typeface="Tahoma" panose="020B0604030504040204" pitchFamily="34" charset="0"/>
+                  <a:ea typeface="ＭＳ Ｐゴシック" panose="020B0600070205080204" pitchFamily="34" charset="-128"/>
+                </a:defRPr>
+              </a:lvl9pPr>
+            </a:lstStyle>
+            <a:p>
+              <a:pPr>
+                <a:spcBef>
+                  <a:spcPct val="50000"/>
+                </a:spcBef>
+              </a:pPr>
+              <a:r>
+                <a:rPr lang="en-US" altLang="en-US" sz="1600" dirty="0">
+                  <a:latin typeface="Trebuchet MS" panose="020B0703020202090204" pitchFamily="34" charset="0"/>
+                </a:rPr>
+                <a:t>File</a:t>
+              </a:r>
+            </a:p>
+          </p:txBody>
+        </p:sp>
+      </p:grpSp>
+      <p:grpSp>
+        <p:nvGrpSpPr>
+          <p:cNvPr id="49" name="Group 16">
+            <a:extLst>
+              <a:ext uri="{FF2B5EF4-FFF2-40B4-BE49-F238E27FC236}">
+                <a16:creationId xmlns:a16="http://schemas.microsoft.com/office/drawing/2014/main" id="{E4C582DF-1A8B-6211-2D23-5B1E70A0EAF8}"/>
+              </a:ext>
+            </a:extLst>
+          </p:cNvPr>
+          <p:cNvGrpSpPr>
+            <a:grpSpLocks/>
+          </p:cNvGrpSpPr>
+          <p:nvPr/>
+        </p:nvGrpSpPr>
+        <p:grpSpPr bwMode="auto">
+          <a:xfrm>
+            <a:off x="990621" y="2960120"/>
+            <a:ext cx="2665902" cy="2071166"/>
+            <a:chOff x="937" y="1465"/>
+            <a:chExt cx="2135" cy="1751"/>
+          </a:xfrm>
+        </p:grpSpPr>
+        <p:sp>
+          <p:nvSpPr>
+            <p:cNvPr id="50" name="AutoShape 17">
+              <a:extLst>
+                <a:ext uri="{FF2B5EF4-FFF2-40B4-BE49-F238E27FC236}">
+                  <a16:creationId xmlns:a16="http://schemas.microsoft.com/office/drawing/2014/main" id="{5BAA1418-F8FF-9D09-7472-E07EEF07FED5}"/>
+                </a:ext>
+              </a:extLst>
+            </p:cNvPr>
+            <p:cNvSpPr>
+              <a:spLocks noChangeArrowheads="1"/>
+            </p:cNvSpPr>
+            <p:nvPr/>
+          </p:nvSpPr>
+          <p:spPr bwMode="auto">
+            <a:xfrm>
+              <a:off x="937" y="1475"/>
+              <a:ext cx="2135" cy="1741"/>
+            </a:xfrm>
+            <a:prstGeom prst="flowChartAlternateProcess">
+              <a:avLst/>
+            </a:prstGeom>
+            <a:solidFill>
+              <a:srgbClr val="FFCCCC"/>
+            </a:solidFill>
+            <a:ln w="19050">
+              <a:solidFill>
+                <a:schemeClr val="tx1"/>
+              </a:solidFill>
+              <a:miter lim="800000"/>
+              <a:headEnd/>
+              <a:tailEnd/>
+            </a:ln>
+          </p:spPr>
+          <p:txBody>
+            <a:bodyPr wrap="square" anchor="ctr">
+              <a:spAutoFit/>
+            </a:bodyPr>
+            <a:lstStyle>
+              <a:lvl1pPr>
+                <a:defRPr sz="3200">
+                  <a:solidFill>
+                    <a:schemeClr val="tx1"/>
+                  </a:solidFill>
+                  <a:latin typeface="Tahoma" panose="020B0604030504040204" pitchFamily="34" charset="0"/>
+                  <a:ea typeface="ＭＳ Ｐゴシック" panose="020B0600070205080204" pitchFamily="34" charset="-128"/>
+                </a:defRPr>
+              </a:lvl1pPr>
+              <a:lvl2pPr marL="742950" indent="-285750">
+                <a:defRPr sz="3200">
+                  <a:solidFill>
+                    <a:schemeClr val="tx1"/>
+                  </a:solidFill>
+                  <a:latin typeface="Tahoma" panose="020B0604030504040204" pitchFamily="34" charset="0"/>
+                  <a:ea typeface="ＭＳ Ｐゴシック" panose="020B0600070205080204" pitchFamily="34" charset="-128"/>
+                </a:defRPr>
+              </a:lvl2pPr>
+              <a:lvl3pPr marL="1143000" indent="-228600">
+                <a:defRPr sz="3200">
+                  <a:solidFill>
+                    <a:schemeClr val="tx1"/>
+                  </a:solidFill>
+                  <a:latin typeface="Tahoma" panose="020B0604030504040204" pitchFamily="34" charset="0"/>
+                  <a:ea typeface="ＭＳ Ｐゴシック" panose="020B0600070205080204" pitchFamily="34" charset="-128"/>
+                </a:defRPr>
+              </a:lvl3pPr>
+              <a:lvl4pPr marL="1600200" indent="-228600">
+                <a:defRPr sz="3200">
+                  <a:solidFill>
+                    <a:schemeClr val="tx1"/>
+                  </a:solidFill>
+                  <a:latin typeface="Tahoma" panose="020B0604030504040204" pitchFamily="34" charset="0"/>
+                  <a:ea typeface="ＭＳ Ｐゴシック" panose="020B0600070205080204" pitchFamily="34" charset="-128"/>
+                </a:defRPr>
+              </a:lvl4pPr>
+              <a:lvl5pPr marL="2057400" indent="-228600">
+                <a:defRPr sz="3200">
+                  <a:solidFill>
+                    <a:schemeClr val="tx1"/>
+                  </a:solidFill>
+                  <a:latin typeface="Tahoma" panose="020B0604030504040204" pitchFamily="34" charset="0"/>
+                  <a:ea typeface="ＭＳ Ｐゴシック" panose="020B0600070205080204" pitchFamily="34" charset="-128"/>
+                </a:defRPr>
+              </a:lvl5pPr>
+              <a:lvl6pPr marL="2514600" indent="-228600" eaLnBrk="0" fontAlgn="base" hangingPunct="0">
+                <a:spcBef>
+                  <a:spcPct val="0"/>
+                </a:spcBef>
+                <a:spcAft>
+                  <a:spcPct val="0"/>
+                </a:spcAft>
+                <a:defRPr sz="3200">
+                  <a:solidFill>
+                    <a:schemeClr val="tx1"/>
+                  </a:solidFill>
+                  <a:latin typeface="Tahoma" panose="020B0604030504040204" pitchFamily="34" charset="0"/>
+                  <a:ea typeface="ＭＳ Ｐゴシック" panose="020B0600070205080204" pitchFamily="34" charset="-128"/>
+                </a:defRPr>
+              </a:lvl6pPr>
+              <a:lvl7pPr marL="2971800" indent="-228600" eaLnBrk="0" fontAlgn="base" hangingPunct="0">
+                <a:spcBef>
+                  <a:spcPct val="0"/>
+                </a:spcBef>
+                <a:spcAft>
+                  <a:spcPct val="0"/>
+                </a:spcAft>
+                <a:defRPr sz="3200">
+                  <a:solidFill>
+                    <a:schemeClr val="tx1"/>
+                  </a:solidFill>
+                  <a:latin typeface="Tahoma" panose="020B0604030504040204" pitchFamily="34" charset="0"/>
+                  <a:ea typeface="ＭＳ Ｐゴシック" panose="020B0600070205080204" pitchFamily="34" charset="-128"/>
+                </a:defRPr>
+              </a:lvl7pPr>
+              <a:lvl8pPr marL="3429000" indent="-228600" eaLnBrk="0" fontAlgn="base" hangingPunct="0">
+                <a:spcBef>
+                  <a:spcPct val="0"/>
+                </a:spcBef>
+                <a:spcAft>
+                  <a:spcPct val="0"/>
+                </a:spcAft>
+                <a:defRPr sz="3200">
+                  <a:solidFill>
+                    <a:schemeClr val="tx1"/>
+                  </a:solidFill>
+                  <a:latin typeface="Tahoma" panose="020B0604030504040204" pitchFamily="34" charset="0"/>
+                  <a:ea typeface="ＭＳ Ｐゴシック" panose="020B0600070205080204" pitchFamily="34" charset="-128"/>
+                </a:defRPr>
+              </a:lvl8pPr>
+              <a:lvl9pPr marL="3886200" indent="-228600" eaLnBrk="0" fontAlgn="base" hangingPunct="0">
+                <a:spcBef>
+                  <a:spcPct val="0"/>
+                </a:spcBef>
+                <a:spcAft>
+                  <a:spcPct val="0"/>
+                </a:spcAft>
+                <a:defRPr sz="3200">
+                  <a:solidFill>
+                    <a:schemeClr val="tx1"/>
+                  </a:solidFill>
+                  <a:latin typeface="Tahoma" panose="020B0604030504040204" pitchFamily="34" charset="0"/>
+                  <a:ea typeface="ＭＳ Ｐゴシック" panose="020B0600070205080204" pitchFamily="34" charset="-128"/>
+                </a:defRPr>
+              </a:lvl9pPr>
+            </a:lstStyle>
+            <a:p>
+              <a:endParaRPr lang="en-US" altLang="en-US"/>
+            </a:p>
+          </p:txBody>
+        </p:sp>
+        <p:sp>
+          <p:nvSpPr>
+            <p:cNvPr id="51" name="Text Box 18">
+              <a:extLst>
+                <a:ext uri="{FF2B5EF4-FFF2-40B4-BE49-F238E27FC236}">
+                  <a16:creationId xmlns:a16="http://schemas.microsoft.com/office/drawing/2014/main" id="{8669B928-4C7E-D29C-0426-252F2155BB19}"/>
+                </a:ext>
+              </a:extLst>
+            </p:cNvPr>
+            <p:cNvSpPr txBox="1">
+              <a:spLocks noChangeArrowheads="1"/>
+            </p:cNvSpPr>
+            <p:nvPr/>
+          </p:nvSpPr>
+          <p:spPr bwMode="auto">
+            <a:xfrm>
+              <a:off x="996" y="1465"/>
+              <a:ext cx="777" cy="338"/>
+            </a:xfrm>
+            <a:prstGeom prst="rect">
+              <a:avLst/>
+            </a:prstGeom>
+            <a:noFill/>
+            <a:ln>
+              <a:noFill/>
+            </a:ln>
+            <a:extLst>
+              <a:ext uri="{909E8E84-426E-40DD-AFC4-6F175D3DCCD1}">
+                <a14:hiddenFill xmlns:a14="http://schemas.microsoft.com/office/drawing/2010/main">
+                  <a:solidFill>
+                    <a:srgbClr val="FFFFFF"/>
+                  </a:solidFill>
+                </a14:hiddenFill>
+              </a:ext>
+              <a:ext uri="{91240B29-F687-4F45-9708-019B960494DF}">
+                <a14:hiddenLine xmlns:a14="http://schemas.microsoft.com/office/drawing/2010/main" w="9525">
+                  <a:solidFill>
+                    <a:srgbClr val="000000"/>
+                  </a:solidFill>
+                  <a:miter lim="800000"/>
+                  <a:headEnd/>
+                  <a:tailEnd/>
+                </a14:hiddenLine>
+              </a:ext>
+            </a:extLst>
+          </p:spPr>
+          <p:txBody>
+            <a:bodyPr wrap="square">
+              <a:spAutoFit/>
+            </a:bodyPr>
+            <a:lstStyle>
+              <a:lvl1pPr>
+                <a:defRPr sz="3200">
+                  <a:solidFill>
+                    <a:schemeClr val="tx1"/>
+                  </a:solidFill>
+                  <a:latin typeface="Tahoma" panose="020B0604030504040204" pitchFamily="34" charset="0"/>
+                  <a:ea typeface="ＭＳ Ｐゴシック" panose="020B0600070205080204" pitchFamily="34" charset="-128"/>
+                </a:defRPr>
+              </a:lvl1pPr>
+              <a:lvl2pPr marL="742950" indent="-285750">
+                <a:defRPr sz="3200">
+                  <a:solidFill>
+                    <a:schemeClr val="tx1"/>
+                  </a:solidFill>
+                  <a:latin typeface="Tahoma" panose="020B0604030504040204" pitchFamily="34" charset="0"/>
+                  <a:ea typeface="ＭＳ Ｐゴシック" panose="020B0600070205080204" pitchFamily="34" charset="-128"/>
+                </a:defRPr>
+              </a:lvl2pPr>
+              <a:lvl3pPr marL="1143000" indent="-228600">
+                <a:defRPr sz="3200">
+                  <a:solidFill>
+                    <a:schemeClr val="tx1"/>
+                  </a:solidFill>
+                  <a:latin typeface="Tahoma" panose="020B0604030504040204" pitchFamily="34" charset="0"/>
+                  <a:ea typeface="ＭＳ Ｐゴシック" panose="020B0600070205080204" pitchFamily="34" charset="-128"/>
+                </a:defRPr>
+              </a:lvl3pPr>
+              <a:lvl4pPr marL="1600200" indent="-228600">
+                <a:defRPr sz="3200">
+                  <a:solidFill>
+                    <a:schemeClr val="tx1"/>
+                  </a:solidFill>
+                  <a:latin typeface="Tahoma" panose="020B0604030504040204" pitchFamily="34" charset="0"/>
+                  <a:ea typeface="ＭＳ Ｐゴシック" panose="020B0600070205080204" pitchFamily="34" charset="-128"/>
+                </a:defRPr>
+              </a:lvl4pPr>
+              <a:lvl5pPr marL="2057400" indent="-228600">
+                <a:defRPr sz="3200">
+                  <a:solidFill>
+                    <a:schemeClr val="tx1"/>
+                  </a:solidFill>
+                  <a:latin typeface="Tahoma" panose="020B0604030504040204" pitchFamily="34" charset="0"/>
+                  <a:ea typeface="ＭＳ Ｐゴシック" panose="020B0600070205080204" pitchFamily="34" charset="-128"/>
+                </a:defRPr>
+              </a:lvl5pPr>
+              <a:lvl6pPr marL="2514600" indent="-228600" eaLnBrk="0" fontAlgn="base" hangingPunct="0">
+                <a:spcBef>
+                  <a:spcPct val="0"/>
+                </a:spcBef>
+                <a:spcAft>
+                  <a:spcPct val="0"/>
+                </a:spcAft>
+                <a:defRPr sz="3200">
+                  <a:solidFill>
+                    <a:schemeClr val="tx1"/>
+                  </a:solidFill>
+                  <a:latin typeface="Tahoma" panose="020B0604030504040204" pitchFamily="34" charset="0"/>
+                  <a:ea typeface="ＭＳ Ｐゴシック" panose="020B0600070205080204" pitchFamily="34" charset="-128"/>
+                </a:defRPr>
+              </a:lvl6pPr>
+              <a:lvl7pPr marL="2971800" indent="-228600" eaLnBrk="0" fontAlgn="base" hangingPunct="0">
+                <a:spcBef>
+                  <a:spcPct val="0"/>
+                </a:spcBef>
+                <a:spcAft>
+                  <a:spcPct val="0"/>
+                </a:spcAft>
+                <a:defRPr sz="3200">
+                  <a:solidFill>
+                    <a:schemeClr val="tx1"/>
+                  </a:solidFill>
+                  <a:latin typeface="Tahoma" panose="020B0604030504040204" pitchFamily="34" charset="0"/>
+                  <a:ea typeface="ＭＳ Ｐゴシック" panose="020B0600070205080204" pitchFamily="34" charset="-128"/>
+                </a:defRPr>
+              </a:lvl7pPr>
+              <a:lvl8pPr marL="3429000" indent="-228600" eaLnBrk="0" fontAlgn="base" hangingPunct="0">
+                <a:spcBef>
+                  <a:spcPct val="0"/>
+                </a:spcBef>
+                <a:spcAft>
+                  <a:spcPct val="0"/>
+                </a:spcAft>
+                <a:defRPr sz="3200">
+                  <a:solidFill>
+                    <a:schemeClr val="tx1"/>
+                  </a:solidFill>
+                  <a:latin typeface="Tahoma" panose="020B0604030504040204" pitchFamily="34" charset="0"/>
+                  <a:ea typeface="ＭＳ Ｐゴシック" panose="020B0600070205080204" pitchFamily="34" charset="-128"/>
+                </a:defRPr>
+              </a:lvl8pPr>
+              <a:lvl9pPr marL="3886200" indent="-228600" eaLnBrk="0" fontAlgn="base" hangingPunct="0">
+                <a:spcBef>
+                  <a:spcPct val="0"/>
+                </a:spcBef>
+                <a:spcAft>
+                  <a:spcPct val="0"/>
+                </a:spcAft>
+                <a:defRPr sz="3200">
+                  <a:solidFill>
+                    <a:schemeClr val="tx1"/>
+                  </a:solidFill>
+                  <a:latin typeface="Tahoma" panose="020B0604030504040204" pitchFamily="34" charset="0"/>
+                  <a:ea typeface="ＭＳ Ｐゴシック" panose="020B0600070205080204" pitchFamily="34" charset="-128"/>
+                </a:defRPr>
+              </a:lvl9pPr>
+            </a:lstStyle>
+            <a:p>
+              <a:pPr>
+                <a:spcBef>
+                  <a:spcPct val="50000"/>
+                </a:spcBef>
+              </a:pPr>
+              <a:r>
+                <a:rPr lang="en-US" altLang="en-US" sz="2000" dirty="0">
+                  <a:latin typeface="Trebuchet MS" panose="020B0703020202090204" pitchFamily="34" charset="0"/>
+                </a:rPr>
+                <a:t>Class</a:t>
+              </a:r>
+            </a:p>
+          </p:txBody>
+        </p:sp>
+      </p:grpSp>
+      <p:grpSp>
+        <p:nvGrpSpPr>
+          <p:cNvPr id="52" name="Group 19">
+            <a:extLst>
+              <a:ext uri="{FF2B5EF4-FFF2-40B4-BE49-F238E27FC236}">
+                <a16:creationId xmlns:a16="http://schemas.microsoft.com/office/drawing/2014/main" id="{C72619DB-3BBA-8810-0897-EBE408340A64}"/>
+              </a:ext>
+            </a:extLst>
+          </p:cNvPr>
+          <p:cNvGrpSpPr>
+            <a:grpSpLocks/>
+          </p:cNvGrpSpPr>
+          <p:nvPr/>
+        </p:nvGrpSpPr>
+        <p:grpSpPr bwMode="auto">
+          <a:xfrm>
+            <a:off x="1321504" y="3374269"/>
+            <a:ext cx="2031296" cy="320107"/>
+            <a:chOff x="1056" y="1584"/>
+            <a:chExt cx="1872" cy="192"/>
+          </a:xfrm>
+        </p:grpSpPr>
+        <p:sp>
+          <p:nvSpPr>
+            <p:cNvPr id="53" name="AutoShape 20">
+              <a:extLst>
+                <a:ext uri="{FF2B5EF4-FFF2-40B4-BE49-F238E27FC236}">
+                  <a16:creationId xmlns:a16="http://schemas.microsoft.com/office/drawing/2014/main" id="{0CD430E0-753B-AB8B-79FC-53A1932DC8AE}"/>
+                </a:ext>
+              </a:extLst>
+            </p:cNvPr>
+            <p:cNvSpPr>
+              <a:spLocks noChangeArrowheads="1"/>
+            </p:cNvSpPr>
+            <p:nvPr/>
+          </p:nvSpPr>
+          <p:spPr bwMode="auto">
+            <a:xfrm>
+              <a:off x="1056" y="1584"/>
+              <a:ext cx="1872" cy="192"/>
+            </a:xfrm>
+            <a:prstGeom prst="flowChartProcess">
+              <a:avLst/>
+            </a:prstGeom>
+            <a:solidFill>
+              <a:srgbClr val="FFFF00"/>
+            </a:solidFill>
+            <a:ln w="19050">
+              <a:solidFill>
+                <a:schemeClr val="tx1"/>
+              </a:solidFill>
+              <a:miter lim="800000"/>
+              <a:headEnd/>
+              <a:tailEnd/>
+            </a:ln>
+          </p:spPr>
+          <p:txBody>
+            <a:bodyPr anchor="ctr">
+              <a:spAutoFit/>
+            </a:bodyPr>
+            <a:lstStyle>
+              <a:lvl1pPr>
+                <a:defRPr sz="3200">
+                  <a:solidFill>
+                    <a:schemeClr val="tx1"/>
+                  </a:solidFill>
+                  <a:latin typeface="Tahoma" panose="020B0604030504040204" pitchFamily="34" charset="0"/>
+                  <a:ea typeface="ＭＳ Ｐゴシック" panose="020B0600070205080204" pitchFamily="34" charset="-128"/>
+                </a:defRPr>
+              </a:lvl1pPr>
+              <a:lvl2pPr marL="742950" indent="-285750">
+                <a:defRPr sz="3200">
+                  <a:solidFill>
+                    <a:schemeClr val="tx1"/>
+                  </a:solidFill>
+                  <a:latin typeface="Tahoma" panose="020B0604030504040204" pitchFamily="34" charset="0"/>
+                  <a:ea typeface="ＭＳ Ｐゴシック" panose="020B0600070205080204" pitchFamily="34" charset="-128"/>
+                </a:defRPr>
+              </a:lvl2pPr>
+              <a:lvl3pPr marL="1143000" indent="-228600">
+                <a:defRPr sz="3200">
+                  <a:solidFill>
+                    <a:schemeClr val="tx1"/>
+                  </a:solidFill>
+                  <a:latin typeface="Tahoma" panose="020B0604030504040204" pitchFamily="34" charset="0"/>
+                  <a:ea typeface="ＭＳ Ｐゴシック" panose="020B0600070205080204" pitchFamily="34" charset="-128"/>
+                </a:defRPr>
+              </a:lvl3pPr>
+              <a:lvl4pPr marL="1600200" indent="-228600">
+                <a:defRPr sz="3200">
+                  <a:solidFill>
+                    <a:schemeClr val="tx1"/>
+                  </a:solidFill>
+                  <a:latin typeface="Tahoma" panose="020B0604030504040204" pitchFamily="34" charset="0"/>
+                  <a:ea typeface="ＭＳ Ｐゴシック" panose="020B0600070205080204" pitchFamily="34" charset="-128"/>
+                </a:defRPr>
+              </a:lvl4pPr>
+              <a:lvl5pPr marL="2057400" indent="-228600">
+                <a:defRPr sz="3200">
+                  <a:solidFill>
+                    <a:schemeClr val="tx1"/>
+                  </a:solidFill>
+                  <a:latin typeface="Tahoma" panose="020B0604030504040204" pitchFamily="34" charset="0"/>
+                  <a:ea typeface="ＭＳ Ｐゴシック" panose="020B0600070205080204" pitchFamily="34" charset="-128"/>
+                </a:defRPr>
+              </a:lvl5pPr>
+              <a:lvl6pPr marL="2514600" indent="-228600" eaLnBrk="0" fontAlgn="base" hangingPunct="0">
+                <a:spcBef>
+                  <a:spcPct val="0"/>
+                </a:spcBef>
+                <a:spcAft>
+                  <a:spcPct val="0"/>
+                </a:spcAft>
+                <a:defRPr sz="3200">
+                  <a:solidFill>
+                    <a:schemeClr val="tx1"/>
+                  </a:solidFill>
+                  <a:latin typeface="Tahoma" panose="020B0604030504040204" pitchFamily="34" charset="0"/>
+                  <a:ea typeface="ＭＳ Ｐゴシック" panose="020B0600070205080204" pitchFamily="34" charset="-128"/>
+                </a:defRPr>
+              </a:lvl6pPr>
+              <a:lvl7pPr marL="2971800" indent="-228600" eaLnBrk="0" fontAlgn="base" hangingPunct="0">
+                <a:spcBef>
+                  <a:spcPct val="0"/>
+                </a:spcBef>
+                <a:spcAft>
+                  <a:spcPct val="0"/>
+                </a:spcAft>
+                <a:defRPr sz="3200">
+                  <a:solidFill>
+                    <a:schemeClr val="tx1"/>
+                  </a:solidFill>
+                  <a:latin typeface="Tahoma" panose="020B0604030504040204" pitchFamily="34" charset="0"/>
+                  <a:ea typeface="ＭＳ Ｐゴシック" panose="020B0600070205080204" pitchFamily="34" charset="-128"/>
+                </a:defRPr>
+              </a:lvl7pPr>
+              <a:lvl8pPr marL="3429000" indent="-228600" eaLnBrk="0" fontAlgn="base" hangingPunct="0">
+                <a:spcBef>
+                  <a:spcPct val="0"/>
+                </a:spcBef>
+                <a:spcAft>
+                  <a:spcPct val="0"/>
+                </a:spcAft>
+                <a:defRPr sz="3200">
+                  <a:solidFill>
+                    <a:schemeClr val="tx1"/>
+                  </a:solidFill>
+                  <a:latin typeface="Tahoma" panose="020B0604030504040204" pitchFamily="34" charset="0"/>
+                  <a:ea typeface="ＭＳ Ｐゴシック" panose="020B0600070205080204" pitchFamily="34" charset="-128"/>
+                </a:defRPr>
+              </a:lvl8pPr>
+              <a:lvl9pPr marL="3886200" indent="-228600" eaLnBrk="0" fontAlgn="base" hangingPunct="0">
+                <a:spcBef>
+                  <a:spcPct val="0"/>
+                </a:spcBef>
+                <a:spcAft>
+                  <a:spcPct val="0"/>
+                </a:spcAft>
+                <a:defRPr sz="3200">
+                  <a:solidFill>
+                    <a:schemeClr val="tx1"/>
+                  </a:solidFill>
+                  <a:latin typeface="Tahoma" panose="020B0604030504040204" pitchFamily="34" charset="0"/>
+                  <a:ea typeface="ＭＳ Ｐゴシック" panose="020B0600070205080204" pitchFamily="34" charset="-128"/>
+                </a:defRPr>
+              </a:lvl9pPr>
+            </a:lstStyle>
+            <a:p>
+              <a:endParaRPr lang="en-US" altLang="en-US"/>
+            </a:p>
+          </p:txBody>
+        </p:sp>
+        <p:sp>
+          <p:nvSpPr>
+            <p:cNvPr id="54" name="Text Box 21">
+              <a:extLst>
+                <a:ext uri="{FF2B5EF4-FFF2-40B4-BE49-F238E27FC236}">
+                  <a16:creationId xmlns:a16="http://schemas.microsoft.com/office/drawing/2014/main" id="{B3C7B15F-D53B-E56F-7435-87A6B3670039}"/>
+                </a:ext>
+              </a:extLst>
+            </p:cNvPr>
+            <p:cNvSpPr txBox="1">
+              <a:spLocks noChangeArrowheads="1"/>
+            </p:cNvSpPr>
+            <p:nvPr/>
+          </p:nvSpPr>
+          <p:spPr bwMode="auto">
+            <a:xfrm>
+              <a:off x="1056" y="1584"/>
+              <a:ext cx="1122" cy="166"/>
+            </a:xfrm>
+            <a:prstGeom prst="rect">
+              <a:avLst/>
+            </a:prstGeom>
+            <a:noFill/>
+            <a:ln>
+              <a:noFill/>
+            </a:ln>
+            <a:extLst>
+              <a:ext uri="{909E8E84-426E-40DD-AFC4-6F175D3DCCD1}">
+                <a14:hiddenFill xmlns:a14="http://schemas.microsoft.com/office/drawing/2010/main">
+                  <a:solidFill>
+                    <a:srgbClr val="FFFFFF"/>
+                  </a:solidFill>
+                </a14:hiddenFill>
+              </a:ext>
+              <a:ext uri="{91240B29-F687-4F45-9708-019B960494DF}">
+                <a14:hiddenLine xmlns:a14="http://schemas.microsoft.com/office/drawing/2010/main" w="9525">
+                  <a:solidFill>
+                    <a:srgbClr val="000000"/>
+                  </a:solidFill>
+                  <a:miter lim="800000"/>
+                  <a:headEnd/>
+                  <a:tailEnd/>
+                </a14:hiddenLine>
+              </a:ext>
+            </a:extLst>
+          </p:spPr>
+          <p:txBody>
+            <a:bodyPr wrap="square">
+              <a:spAutoFit/>
+            </a:bodyPr>
+            <a:lstStyle>
+              <a:lvl1pPr>
+                <a:defRPr sz="3200">
+                  <a:solidFill>
+                    <a:schemeClr val="tx1"/>
+                  </a:solidFill>
+                  <a:latin typeface="Tahoma" panose="020B0604030504040204" pitchFamily="34" charset="0"/>
+                  <a:ea typeface="ＭＳ Ｐゴシック" panose="020B0600070205080204" pitchFamily="34" charset="-128"/>
+                </a:defRPr>
+              </a:lvl1pPr>
+              <a:lvl2pPr marL="742950" indent="-285750">
+                <a:defRPr sz="3200">
+                  <a:solidFill>
+                    <a:schemeClr val="tx1"/>
+                  </a:solidFill>
+                  <a:latin typeface="Tahoma" panose="020B0604030504040204" pitchFamily="34" charset="0"/>
+                  <a:ea typeface="ＭＳ Ｐゴシック" panose="020B0600070205080204" pitchFamily="34" charset="-128"/>
+                </a:defRPr>
+              </a:lvl2pPr>
+              <a:lvl3pPr marL="1143000" indent="-228600">
+                <a:defRPr sz="3200">
+                  <a:solidFill>
+                    <a:schemeClr val="tx1"/>
+                  </a:solidFill>
+                  <a:latin typeface="Tahoma" panose="020B0604030504040204" pitchFamily="34" charset="0"/>
+                  <a:ea typeface="ＭＳ Ｐゴシック" panose="020B0600070205080204" pitchFamily="34" charset="-128"/>
+                </a:defRPr>
+              </a:lvl3pPr>
+              <a:lvl4pPr marL="1600200" indent="-228600">
+                <a:defRPr sz="3200">
+                  <a:solidFill>
+                    <a:schemeClr val="tx1"/>
+                  </a:solidFill>
+                  <a:latin typeface="Tahoma" panose="020B0604030504040204" pitchFamily="34" charset="0"/>
+                  <a:ea typeface="ＭＳ Ｐゴシック" panose="020B0600070205080204" pitchFamily="34" charset="-128"/>
+                </a:defRPr>
+              </a:lvl4pPr>
+              <a:lvl5pPr marL="2057400" indent="-228600">
+                <a:defRPr sz="3200">
+                  <a:solidFill>
+                    <a:schemeClr val="tx1"/>
+                  </a:solidFill>
+                  <a:latin typeface="Tahoma" panose="020B0604030504040204" pitchFamily="34" charset="0"/>
+                  <a:ea typeface="ＭＳ Ｐゴシック" panose="020B0600070205080204" pitchFamily="34" charset="-128"/>
+                </a:defRPr>
+              </a:lvl5pPr>
+              <a:lvl6pPr marL="2514600" indent="-228600" eaLnBrk="0" fontAlgn="base" hangingPunct="0">
+                <a:spcBef>
+                  <a:spcPct val="0"/>
+                </a:spcBef>
+                <a:spcAft>
+                  <a:spcPct val="0"/>
+                </a:spcAft>
+                <a:defRPr sz="3200">
+                  <a:solidFill>
+                    <a:schemeClr val="tx1"/>
+                  </a:solidFill>
+                  <a:latin typeface="Tahoma" panose="020B0604030504040204" pitchFamily="34" charset="0"/>
+                  <a:ea typeface="ＭＳ Ｐゴシック" panose="020B0600070205080204" pitchFamily="34" charset="-128"/>
+                </a:defRPr>
+              </a:lvl6pPr>
+              <a:lvl7pPr marL="2971800" indent="-228600" eaLnBrk="0" fontAlgn="base" hangingPunct="0">
+                <a:spcBef>
+                  <a:spcPct val="0"/>
+                </a:spcBef>
+                <a:spcAft>
+                  <a:spcPct val="0"/>
+                </a:spcAft>
+                <a:defRPr sz="3200">
+                  <a:solidFill>
+                    <a:schemeClr val="tx1"/>
+                  </a:solidFill>
+                  <a:latin typeface="Tahoma" panose="020B0604030504040204" pitchFamily="34" charset="0"/>
+                  <a:ea typeface="ＭＳ Ｐゴシック" panose="020B0600070205080204" pitchFamily="34" charset="-128"/>
+                </a:defRPr>
+              </a:lvl7pPr>
+              <a:lvl8pPr marL="3429000" indent="-228600" eaLnBrk="0" fontAlgn="base" hangingPunct="0">
+                <a:spcBef>
+                  <a:spcPct val="0"/>
+                </a:spcBef>
+                <a:spcAft>
+                  <a:spcPct val="0"/>
+                </a:spcAft>
+                <a:defRPr sz="3200">
+                  <a:solidFill>
+                    <a:schemeClr val="tx1"/>
+                  </a:solidFill>
+                  <a:latin typeface="Tahoma" panose="020B0604030504040204" pitchFamily="34" charset="0"/>
+                  <a:ea typeface="ＭＳ Ｐゴシック" panose="020B0600070205080204" pitchFamily="34" charset="-128"/>
+                </a:defRPr>
+              </a:lvl8pPr>
+              <a:lvl9pPr marL="3886200" indent="-228600" eaLnBrk="0" fontAlgn="base" hangingPunct="0">
+                <a:spcBef>
+                  <a:spcPct val="0"/>
+                </a:spcBef>
+                <a:spcAft>
+                  <a:spcPct val="0"/>
+                </a:spcAft>
+                <a:defRPr sz="3200">
+                  <a:solidFill>
+                    <a:schemeClr val="tx1"/>
+                  </a:solidFill>
+                  <a:latin typeface="Tahoma" panose="020B0604030504040204" pitchFamily="34" charset="0"/>
+                  <a:ea typeface="ＭＳ Ｐゴシック" panose="020B0600070205080204" pitchFamily="34" charset="-128"/>
+                </a:defRPr>
+              </a:lvl9pPr>
+            </a:lstStyle>
+            <a:p>
+              <a:pPr>
+                <a:spcBef>
+                  <a:spcPct val="50000"/>
+                </a:spcBef>
+              </a:pPr>
+              <a:r>
+                <a:rPr lang="en-US" altLang="en-US" sz="1200" dirty="0">
+                  <a:latin typeface="Trebuchet MS" panose="020B0703020202090204" pitchFamily="34" charset="0"/>
+                </a:rPr>
+                <a:t>Variables</a:t>
+              </a:r>
+            </a:p>
+          </p:txBody>
+        </p:sp>
+      </p:grpSp>
+      <p:grpSp>
+        <p:nvGrpSpPr>
+          <p:cNvPr id="55" name="Group 22">
+            <a:extLst>
+              <a:ext uri="{FF2B5EF4-FFF2-40B4-BE49-F238E27FC236}">
+                <a16:creationId xmlns:a16="http://schemas.microsoft.com/office/drawing/2014/main" id="{3D0DEBFF-1D82-9472-3210-1C3B6F5E6B1D}"/>
+              </a:ext>
+            </a:extLst>
+          </p:cNvPr>
+          <p:cNvGrpSpPr>
+            <a:grpSpLocks/>
+          </p:cNvGrpSpPr>
+          <p:nvPr/>
+        </p:nvGrpSpPr>
+        <p:grpSpPr bwMode="auto">
+          <a:xfrm>
+            <a:off x="1303708" y="3824219"/>
+            <a:ext cx="2031296" cy="348478"/>
+            <a:chOff x="1056" y="1872"/>
+            <a:chExt cx="1872" cy="480"/>
+          </a:xfrm>
+        </p:grpSpPr>
+        <p:sp>
+          <p:nvSpPr>
+            <p:cNvPr id="56" name="AutoShape 23">
+              <a:extLst>
+                <a:ext uri="{FF2B5EF4-FFF2-40B4-BE49-F238E27FC236}">
+                  <a16:creationId xmlns:a16="http://schemas.microsoft.com/office/drawing/2014/main" id="{6CEABCB9-0684-047E-B7C2-A870A8268784}"/>
+                </a:ext>
+              </a:extLst>
+            </p:cNvPr>
+            <p:cNvSpPr>
+              <a:spLocks noChangeArrowheads="1"/>
+            </p:cNvSpPr>
+            <p:nvPr/>
+          </p:nvSpPr>
+          <p:spPr bwMode="auto">
+            <a:xfrm>
+              <a:off x="1056" y="1872"/>
+              <a:ext cx="1872" cy="480"/>
+            </a:xfrm>
+            <a:prstGeom prst="flowChartProcess">
+              <a:avLst/>
+            </a:prstGeom>
+            <a:solidFill>
+              <a:srgbClr val="CCCCFF"/>
+            </a:solidFill>
+            <a:ln w="19050">
+              <a:solidFill>
+                <a:schemeClr val="tx1"/>
+              </a:solidFill>
+              <a:miter lim="800000"/>
+              <a:headEnd/>
+              <a:tailEnd/>
+            </a:ln>
+          </p:spPr>
+          <p:txBody>
+            <a:bodyPr anchor="ctr">
+              <a:spAutoFit/>
+            </a:bodyPr>
+            <a:lstStyle>
+              <a:lvl1pPr>
+                <a:defRPr sz="3200">
+                  <a:solidFill>
+                    <a:schemeClr val="tx1"/>
+                  </a:solidFill>
+                  <a:latin typeface="Tahoma" panose="020B0604030504040204" pitchFamily="34" charset="0"/>
+                  <a:ea typeface="ＭＳ Ｐゴシック" panose="020B0600070205080204" pitchFamily="34" charset="-128"/>
+                </a:defRPr>
+              </a:lvl1pPr>
+              <a:lvl2pPr marL="742950" indent="-285750">
+                <a:defRPr sz="3200">
+                  <a:solidFill>
+                    <a:schemeClr val="tx1"/>
+                  </a:solidFill>
+                  <a:latin typeface="Tahoma" panose="020B0604030504040204" pitchFamily="34" charset="0"/>
+                  <a:ea typeface="ＭＳ Ｐゴシック" panose="020B0600070205080204" pitchFamily="34" charset="-128"/>
+                </a:defRPr>
+              </a:lvl2pPr>
+              <a:lvl3pPr marL="1143000" indent="-228600">
+                <a:defRPr sz="3200">
+                  <a:solidFill>
+                    <a:schemeClr val="tx1"/>
+                  </a:solidFill>
+                  <a:latin typeface="Tahoma" panose="020B0604030504040204" pitchFamily="34" charset="0"/>
+                  <a:ea typeface="ＭＳ Ｐゴシック" panose="020B0600070205080204" pitchFamily="34" charset="-128"/>
+                </a:defRPr>
+              </a:lvl3pPr>
+              <a:lvl4pPr marL="1600200" indent="-228600">
+                <a:defRPr sz="3200">
+                  <a:solidFill>
+                    <a:schemeClr val="tx1"/>
+                  </a:solidFill>
+                  <a:latin typeface="Tahoma" panose="020B0604030504040204" pitchFamily="34" charset="0"/>
+                  <a:ea typeface="ＭＳ Ｐゴシック" panose="020B0600070205080204" pitchFamily="34" charset="-128"/>
+                </a:defRPr>
+              </a:lvl4pPr>
+              <a:lvl5pPr marL="2057400" indent="-228600">
+                <a:defRPr sz="3200">
+                  <a:solidFill>
+                    <a:schemeClr val="tx1"/>
+                  </a:solidFill>
+                  <a:latin typeface="Tahoma" panose="020B0604030504040204" pitchFamily="34" charset="0"/>
+                  <a:ea typeface="ＭＳ Ｐゴシック" panose="020B0600070205080204" pitchFamily="34" charset="-128"/>
+                </a:defRPr>
+              </a:lvl5pPr>
+              <a:lvl6pPr marL="2514600" indent="-228600" eaLnBrk="0" fontAlgn="base" hangingPunct="0">
+                <a:spcBef>
+                  <a:spcPct val="0"/>
+                </a:spcBef>
+                <a:spcAft>
+                  <a:spcPct val="0"/>
+                </a:spcAft>
+                <a:defRPr sz="3200">
+                  <a:solidFill>
+                    <a:schemeClr val="tx1"/>
+                  </a:solidFill>
+                  <a:latin typeface="Tahoma" panose="020B0604030504040204" pitchFamily="34" charset="0"/>
+                  <a:ea typeface="ＭＳ Ｐゴシック" panose="020B0600070205080204" pitchFamily="34" charset="-128"/>
+                </a:defRPr>
+              </a:lvl6pPr>
+              <a:lvl7pPr marL="2971800" indent="-228600" eaLnBrk="0" fontAlgn="base" hangingPunct="0">
+                <a:spcBef>
+                  <a:spcPct val="0"/>
+                </a:spcBef>
+                <a:spcAft>
+                  <a:spcPct val="0"/>
+                </a:spcAft>
+                <a:defRPr sz="3200">
+                  <a:solidFill>
+                    <a:schemeClr val="tx1"/>
+                  </a:solidFill>
+                  <a:latin typeface="Tahoma" panose="020B0604030504040204" pitchFamily="34" charset="0"/>
+                  <a:ea typeface="ＭＳ Ｐゴシック" panose="020B0600070205080204" pitchFamily="34" charset="-128"/>
+                </a:defRPr>
+              </a:lvl7pPr>
+              <a:lvl8pPr marL="3429000" indent="-228600" eaLnBrk="0" fontAlgn="base" hangingPunct="0">
+                <a:spcBef>
+                  <a:spcPct val="0"/>
+                </a:spcBef>
+                <a:spcAft>
+                  <a:spcPct val="0"/>
+                </a:spcAft>
+                <a:defRPr sz="3200">
+                  <a:solidFill>
+                    <a:schemeClr val="tx1"/>
+                  </a:solidFill>
+                  <a:latin typeface="Tahoma" panose="020B0604030504040204" pitchFamily="34" charset="0"/>
+                  <a:ea typeface="ＭＳ Ｐゴシック" panose="020B0600070205080204" pitchFamily="34" charset="-128"/>
+                </a:defRPr>
+              </a:lvl8pPr>
+              <a:lvl9pPr marL="3886200" indent="-228600" eaLnBrk="0" fontAlgn="base" hangingPunct="0">
+                <a:spcBef>
+                  <a:spcPct val="0"/>
+                </a:spcBef>
+                <a:spcAft>
+                  <a:spcPct val="0"/>
+                </a:spcAft>
+                <a:defRPr sz="3200">
+                  <a:solidFill>
+                    <a:schemeClr val="tx1"/>
+                  </a:solidFill>
+                  <a:latin typeface="Tahoma" panose="020B0604030504040204" pitchFamily="34" charset="0"/>
+                  <a:ea typeface="ＭＳ Ｐゴシック" panose="020B0600070205080204" pitchFamily="34" charset="-128"/>
+                </a:defRPr>
+              </a:lvl9pPr>
+            </a:lstStyle>
+            <a:p>
+              <a:endParaRPr lang="en-US" altLang="en-US"/>
+            </a:p>
+          </p:txBody>
+        </p:sp>
+        <p:sp>
+          <p:nvSpPr>
+            <p:cNvPr id="57" name="Text Box 24">
+              <a:extLst>
+                <a:ext uri="{FF2B5EF4-FFF2-40B4-BE49-F238E27FC236}">
+                  <a16:creationId xmlns:a16="http://schemas.microsoft.com/office/drawing/2014/main" id="{B22BAA6C-941E-6278-89B2-FF59A3B47FBC}"/>
+                </a:ext>
+              </a:extLst>
+            </p:cNvPr>
+            <p:cNvSpPr txBox="1">
+              <a:spLocks noChangeArrowheads="1"/>
+            </p:cNvSpPr>
+            <p:nvPr/>
+          </p:nvSpPr>
+          <p:spPr bwMode="auto">
+            <a:xfrm>
+              <a:off x="1056" y="1872"/>
+              <a:ext cx="1397" cy="382"/>
+            </a:xfrm>
+            <a:prstGeom prst="rect">
+              <a:avLst/>
+            </a:prstGeom>
+            <a:noFill/>
+            <a:ln>
+              <a:noFill/>
+            </a:ln>
+            <a:extLst>
+              <a:ext uri="{909E8E84-426E-40DD-AFC4-6F175D3DCCD1}">
+                <a14:hiddenFill xmlns:a14="http://schemas.microsoft.com/office/drawing/2010/main">
+                  <a:solidFill>
+                    <a:srgbClr val="FFFFFF"/>
+                  </a:solidFill>
+                </a14:hiddenFill>
+              </a:ext>
+              <a:ext uri="{91240B29-F687-4F45-9708-019B960494DF}">
+                <a14:hiddenLine xmlns:a14="http://schemas.microsoft.com/office/drawing/2010/main" w="9525">
+                  <a:solidFill>
+                    <a:srgbClr val="000000"/>
+                  </a:solidFill>
+                  <a:miter lim="800000"/>
+                  <a:headEnd/>
+                  <a:tailEnd/>
+                </a14:hiddenLine>
+              </a:ext>
+            </a:extLst>
+          </p:spPr>
+          <p:txBody>
+            <a:bodyPr wrap="square">
+              <a:spAutoFit/>
+            </a:bodyPr>
+            <a:lstStyle>
+              <a:lvl1pPr>
+                <a:defRPr sz="3200">
+                  <a:solidFill>
+                    <a:schemeClr val="tx1"/>
+                  </a:solidFill>
+                  <a:latin typeface="Tahoma" panose="020B0604030504040204" pitchFamily="34" charset="0"/>
+                  <a:ea typeface="ＭＳ Ｐゴシック" panose="020B0600070205080204" pitchFamily="34" charset="-128"/>
+                </a:defRPr>
+              </a:lvl1pPr>
+              <a:lvl2pPr marL="742950" indent="-285750">
+                <a:defRPr sz="3200">
+                  <a:solidFill>
+                    <a:schemeClr val="tx1"/>
+                  </a:solidFill>
+                  <a:latin typeface="Tahoma" panose="020B0604030504040204" pitchFamily="34" charset="0"/>
+                  <a:ea typeface="ＭＳ Ｐゴシック" panose="020B0600070205080204" pitchFamily="34" charset="-128"/>
+                </a:defRPr>
+              </a:lvl2pPr>
+              <a:lvl3pPr marL="1143000" indent="-228600">
+                <a:defRPr sz="3200">
+                  <a:solidFill>
+                    <a:schemeClr val="tx1"/>
+                  </a:solidFill>
+                  <a:latin typeface="Tahoma" panose="020B0604030504040204" pitchFamily="34" charset="0"/>
+                  <a:ea typeface="ＭＳ Ｐゴシック" panose="020B0600070205080204" pitchFamily="34" charset="-128"/>
+                </a:defRPr>
+              </a:lvl3pPr>
+              <a:lvl4pPr marL="1600200" indent="-228600">
+                <a:defRPr sz="3200">
+                  <a:solidFill>
+                    <a:schemeClr val="tx1"/>
+                  </a:solidFill>
+                  <a:latin typeface="Tahoma" panose="020B0604030504040204" pitchFamily="34" charset="0"/>
+                  <a:ea typeface="ＭＳ Ｐゴシック" panose="020B0600070205080204" pitchFamily="34" charset="-128"/>
+                </a:defRPr>
+              </a:lvl4pPr>
+              <a:lvl5pPr marL="2057400" indent="-228600">
+                <a:defRPr sz="3200">
+                  <a:solidFill>
+                    <a:schemeClr val="tx1"/>
+                  </a:solidFill>
+                  <a:latin typeface="Tahoma" panose="020B0604030504040204" pitchFamily="34" charset="0"/>
+                  <a:ea typeface="ＭＳ Ｐゴシック" panose="020B0600070205080204" pitchFamily="34" charset="-128"/>
+                </a:defRPr>
+              </a:lvl5pPr>
+              <a:lvl6pPr marL="2514600" indent="-228600" eaLnBrk="0" fontAlgn="base" hangingPunct="0">
+                <a:spcBef>
+                  <a:spcPct val="0"/>
+                </a:spcBef>
+                <a:spcAft>
+                  <a:spcPct val="0"/>
+                </a:spcAft>
+                <a:defRPr sz="3200">
+                  <a:solidFill>
+                    <a:schemeClr val="tx1"/>
+                  </a:solidFill>
+                  <a:latin typeface="Tahoma" panose="020B0604030504040204" pitchFamily="34" charset="0"/>
+                  <a:ea typeface="ＭＳ Ｐゴシック" panose="020B0600070205080204" pitchFamily="34" charset="-128"/>
+                </a:defRPr>
+              </a:lvl6pPr>
+              <a:lvl7pPr marL="2971800" indent="-228600" eaLnBrk="0" fontAlgn="base" hangingPunct="0">
+                <a:spcBef>
+                  <a:spcPct val="0"/>
+                </a:spcBef>
+                <a:spcAft>
+                  <a:spcPct val="0"/>
+                </a:spcAft>
+                <a:defRPr sz="3200">
+                  <a:solidFill>
+                    <a:schemeClr val="tx1"/>
+                  </a:solidFill>
+                  <a:latin typeface="Tahoma" panose="020B0604030504040204" pitchFamily="34" charset="0"/>
+                  <a:ea typeface="ＭＳ Ｐゴシック" panose="020B0600070205080204" pitchFamily="34" charset="-128"/>
+                </a:defRPr>
+              </a:lvl7pPr>
+              <a:lvl8pPr marL="3429000" indent="-228600" eaLnBrk="0" fontAlgn="base" hangingPunct="0">
+                <a:spcBef>
+                  <a:spcPct val="0"/>
+                </a:spcBef>
+                <a:spcAft>
+                  <a:spcPct val="0"/>
+                </a:spcAft>
+                <a:defRPr sz="3200">
+                  <a:solidFill>
+                    <a:schemeClr val="tx1"/>
+                  </a:solidFill>
+                  <a:latin typeface="Tahoma" panose="020B0604030504040204" pitchFamily="34" charset="0"/>
+                  <a:ea typeface="ＭＳ Ｐゴシック" panose="020B0600070205080204" pitchFamily="34" charset="-128"/>
+                </a:defRPr>
+              </a:lvl8pPr>
+              <a:lvl9pPr marL="3886200" indent="-228600" eaLnBrk="0" fontAlgn="base" hangingPunct="0">
+                <a:spcBef>
+                  <a:spcPct val="0"/>
+                </a:spcBef>
+                <a:spcAft>
+                  <a:spcPct val="0"/>
+                </a:spcAft>
+                <a:defRPr sz="3200">
+                  <a:solidFill>
+                    <a:schemeClr val="tx1"/>
+                  </a:solidFill>
+                  <a:latin typeface="Tahoma" panose="020B0604030504040204" pitchFamily="34" charset="0"/>
+                  <a:ea typeface="ＭＳ Ｐゴシック" panose="020B0600070205080204" pitchFamily="34" charset="-128"/>
+                </a:defRPr>
+              </a:lvl9pPr>
+            </a:lstStyle>
+            <a:p>
+              <a:pPr>
+                <a:spcBef>
+                  <a:spcPct val="50000"/>
+                </a:spcBef>
+              </a:pPr>
+              <a:r>
+                <a:rPr lang="en-US" altLang="en-US" sz="1200" dirty="0">
+                  <a:latin typeface="Trebuchet MS" panose="020B0703020202090204" pitchFamily="34" charset="0"/>
+                </a:rPr>
+                <a:t>Constructors</a:t>
+              </a:r>
+            </a:p>
+          </p:txBody>
+        </p:sp>
+      </p:grpSp>
+      <p:grpSp>
+        <p:nvGrpSpPr>
+          <p:cNvPr id="58" name="Group 25">
+            <a:extLst>
+              <a:ext uri="{FF2B5EF4-FFF2-40B4-BE49-F238E27FC236}">
+                <a16:creationId xmlns:a16="http://schemas.microsoft.com/office/drawing/2014/main" id="{AC223954-85DA-017E-217F-401242FB2D9A}"/>
+              </a:ext>
+            </a:extLst>
+          </p:cNvPr>
+          <p:cNvGrpSpPr>
+            <a:grpSpLocks/>
+          </p:cNvGrpSpPr>
+          <p:nvPr/>
+        </p:nvGrpSpPr>
+        <p:grpSpPr bwMode="auto">
+          <a:xfrm>
+            <a:off x="1321505" y="4578762"/>
+            <a:ext cx="2031296" cy="321112"/>
+            <a:chOff x="1056" y="2448"/>
+            <a:chExt cx="1872" cy="528"/>
+          </a:xfrm>
+        </p:grpSpPr>
+        <p:sp>
+          <p:nvSpPr>
+            <p:cNvPr id="59" name="AutoShape 26">
+              <a:extLst>
+                <a:ext uri="{FF2B5EF4-FFF2-40B4-BE49-F238E27FC236}">
+                  <a16:creationId xmlns:a16="http://schemas.microsoft.com/office/drawing/2014/main" id="{5A4A2BCF-C546-F2BD-DE91-CA582EB8B444}"/>
+                </a:ext>
+              </a:extLst>
+            </p:cNvPr>
+            <p:cNvSpPr>
+              <a:spLocks noChangeArrowheads="1"/>
+            </p:cNvSpPr>
+            <p:nvPr/>
+          </p:nvSpPr>
+          <p:spPr bwMode="auto">
+            <a:xfrm>
+              <a:off x="1056" y="2448"/>
+              <a:ext cx="1872" cy="528"/>
+            </a:xfrm>
+            <a:prstGeom prst="flowChartProcess">
+              <a:avLst/>
+            </a:prstGeom>
+            <a:solidFill>
+              <a:srgbClr val="CCFFCC"/>
+            </a:solidFill>
+            <a:ln w="19050">
+              <a:solidFill>
+                <a:schemeClr val="tx1"/>
+              </a:solidFill>
+              <a:miter lim="800000"/>
+              <a:headEnd/>
+              <a:tailEnd/>
+            </a:ln>
+          </p:spPr>
+          <p:txBody>
+            <a:bodyPr anchor="ctr">
+              <a:spAutoFit/>
+            </a:bodyPr>
+            <a:lstStyle>
+              <a:lvl1pPr>
+                <a:defRPr sz="3200">
+                  <a:solidFill>
+                    <a:schemeClr val="tx1"/>
+                  </a:solidFill>
+                  <a:latin typeface="Tahoma" panose="020B0604030504040204" pitchFamily="34" charset="0"/>
+                  <a:ea typeface="ＭＳ Ｐゴシック" panose="020B0600070205080204" pitchFamily="34" charset="-128"/>
+                </a:defRPr>
+              </a:lvl1pPr>
+              <a:lvl2pPr marL="742950" indent="-285750">
+                <a:defRPr sz="3200">
+                  <a:solidFill>
+                    <a:schemeClr val="tx1"/>
+                  </a:solidFill>
+                  <a:latin typeface="Tahoma" panose="020B0604030504040204" pitchFamily="34" charset="0"/>
+                  <a:ea typeface="ＭＳ Ｐゴシック" panose="020B0600070205080204" pitchFamily="34" charset="-128"/>
+                </a:defRPr>
+              </a:lvl2pPr>
+              <a:lvl3pPr marL="1143000" indent="-228600">
+                <a:defRPr sz="3200">
+                  <a:solidFill>
+                    <a:schemeClr val="tx1"/>
+                  </a:solidFill>
+                  <a:latin typeface="Tahoma" panose="020B0604030504040204" pitchFamily="34" charset="0"/>
+                  <a:ea typeface="ＭＳ Ｐゴシック" panose="020B0600070205080204" pitchFamily="34" charset="-128"/>
+                </a:defRPr>
+              </a:lvl3pPr>
+              <a:lvl4pPr marL="1600200" indent="-228600">
+                <a:defRPr sz="3200">
+                  <a:solidFill>
+                    <a:schemeClr val="tx1"/>
+                  </a:solidFill>
+                  <a:latin typeface="Tahoma" panose="020B0604030504040204" pitchFamily="34" charset="0"/>
+                  <a:ea typeface="ＭＳ Ｐゴシック" panose="020B0600070205080204" pitchFamily="34" charset="-128"/>
+                </a:defRPr>
+              </a:lvl4pPr>
+              <a:lvl5pPr marL="2057400" indent="-228600">
+                <a:defRPr sz="3200">
+                  <a:solidFill>
+                    <a:schemeClr val="tx1"/>
+                  </a:solidFill>
+                  <a:latin typeface="Tahoma" panose="020B0604030504040204" pitchFamily="34" charset="0"/>
+                  <a:ea typeface="ＭＳ Ｐゴシック" panose="020B0600070205080204" pitchFamily="34" charset="-128"/>
+                </a:defRPr>
+              </a:lvl5pPr>
+              <a:lvl6pPr marL="2514600" indent="-228600" eaLnBrk="0" fontAlgn="base" hangingPunct="0">
+                <a:spcBef>
+                  <a:spcPct val="0"/>
+                </a:spcBef>
+                <a:spcAft>
+                  <a:spcPct val="0"/>
+                </a:spcAft>
+                <a:defRPr sz="3200">
+                  <a:solidFill>
+                    <a:schemeClr val="tx1"/>
+                  </a:solidFill>
+                  <a:latin typeface="Tahoma" panose="020B0604030504040204" pitchFamily="34" charset="0"/>
+                  <a:ea typeface="ＭＳ Ｐゴシック" panose="020B0600070205080204" pitchFamily="34" charset="-128"/>
+                </a:defRPr>
+              </a:lvl6pPr>
+              <a:lvl7pPr marL="2971800" indent="-228600" eaLnBrk="0" fontAlgn="base" hangingPunct="0">
+                <a:spcBef>
+                  <a:spcPct val="0"/>
+                </a:spcBef>
+                <a:spcAft>
+                  <a:spcPct val="0"/>
+                </a:spcAft>
+                <a:defRPr sz="3200">
+                  <a:solidFill>
+                    <a:schemeClr val="tx1"/>
+                  </a:solidFill>
+                  <a:latin typeface="Tahoma" panose="020B0604030504040204" pitchFamily="34" charset="0"/>
+                  <a:ea typeface="ＭＳ Ｐゴシック" panose="020B0600070205080204" pitchFamily="34" charset="-128"/>
+                </a:defRPr>
+              </a:lvl7pPr>
+              <a:lvl8pPr marL="3429000" indent="-228600" eaLnBrk="0" fontAlgn="base" hangingPunct="0">
+                <a:spcBef>
+                  <a:spcPct val="0"/>
+                </a:spcBef>
+                <a:spcAft>
+                  <a:spcPct val="0"/>
+                </a:spcAft>
+                <a:defRPr sz="3200">
+                  <a:solidFill>
+                    <a:schemeClr val="tx1"/>
+                  </a:solidFill>
+                  <a:latin typeface="Tahoma" panose="020B0604030504040204" pitchFamily="34" charset="0"/>
+                  <a:ea typeface="ＭＳ Ｐゴシック" panose="020B0600070205080204" pitchFamily="34" charset="-128"/>
+                </a:defRPr>
+              </a:lvl8pPr>
+              <a:lvl9pPr marL="3886200" indent="-228600" eaLnBrk="0" fontAlgn="base" hangingPunct="0">
+                <a:spcBef>
+                  <a:spcPct val="0"/>
+                </a:spcBef>
+                <a:spcAft>
+                  <a:spcPct val="0"/>
+                </a:spcAft>
+                <a:defRPr sz="3200">
+                  <a:solidFill>
+                    <a:schemeClr val="tx1"/>
+                  </a:solidFill>
+                  <a:latin typeface="Tahoma" panose="020B0604030504040204" pitchFamily="34" charset="0"/>
+                  <a:ea typeface="ＭＳ Ｐゴシック" panose="020B0600070205080204" pitchFamily="34" charset="-128"/>
+                </a:defRPr>
+              </a:lvl9pPr>
+            </a:lstStyle>
+            <a:p>
+              <a:endParaRPr lang="en-US" altLang="en-US"/>
+            </a:p>
+          </p:txBody>
+        </p:sp>
+        <p:sp>
+          <p:nvSpPr>
+            <p:cNvPr id="60" name="Text Box 27">
+              <a:extLst>
+                <a:ext uri="{FF2B5EF4-FFF2-40B4-BE49-F238E27FC236}">
+                  <a16:creationId xmlns:a16="http://schemas.microsoft.com/office/drawing/2014/main" id="{4E91DB76-0A0A-86BA-24BD-97D88A8B47C4}"/>
+                </a:ext>
+              </a:extLst>
+            </p:cNvPr>
+            <p:cNvSpPr txBox="1">
+              <a:spLocks noChangeArrowheads="1"/>
+            </p:cNvSpPr>
+            <p:nvPr/>
+          </p:nvSpPr>
+          <p:spPr bwMode="auto">
+            <a:xfrm>
+              <a:off x="1056" y="2448"/>
+              <a:ext cx="800" cy="430"/>
+            </a:xfrm>
+            <a:prstGeom prst="rect">
+              <a:avLst/>
+            </a:prstGeom>
+            <a:noFill/>
+            <a:ln>
+              <a:noFill/>
+            </a:ln>
+            <a:extLst>
+              <a:ext uri="{909E8E84-426E-40DD-AFC4-6F175D3DCCD1}">
+                <a14:hiddenFill xmlns:a14="http://schemas.microsoft.com/office/drawing/2010/main">
+                  <a:solidFill>
+                    <a:srgbClr val="FFFFFF"/>
+                  </a:solidFill>
+                </a14:hiddenFill>
+              </a:ext>
+              <a:ext uri="{91240B29-F687-4F45-9708-019B960494DF}">
+                <a14:hiddenLine xmlns:a14="http://schemas.microsoft.com/office/drawing/2010/main" w="9525">
+                  <a:solidFill>
+                    <a:srgbClr val="000000"/>
+                  </a:solidFill>
+                  <a:miter lim="800000"/>
+                  <a:headEnd/>
+                  <a:tailEnd/>
+                </a14:hiddenLine>
+              </a:ext>
+            </a:extLst>
+          </p:spPr>
+          <p:txBody>
+            <a:bodyPr wrap="square">
+              <a:spAutoFit/>
+            </a:bodyPr>
+            <a:lstStyle>
+              <a:lvl1pPr>
+                <a:defRPr sz="3200">
+                  <a:solidFill>
+                    <a:schemeClr val="tx1"/>
+                  </a:solidFill>
+                  <a:latin typeface="Tahoma" panose="020B0604030504040204" pitchFamily="34" charset="0"/>
+                  <a:ea typeface="ＭＳ Ｐゴシック" panose="020B0600070205080204" pitchFamily="34" charset="-128"/>
+                </a:defRPr>
+              </a:lvl1pPr>
+              <a:lvl2pPr marL="742950" indent="-285750">
+                <a:defRPr sz="3200">
+                  <a:solidFill>
+                    <a:schemeClr val="tx1"/>
+                  </a:solidFill>
+                  <a:latin typeface="Tahoma" panose="020B0604030504040204" pitchFamily="34" charset="0"/>
+                  <a:ea typeface="ＭＳ Ｐゴシック" panose="020B0600070205080204" pitchFamily="34" charset="-128"/>
+                </a:defRPr>
+              </a:lvl2pPr>
+              <a:lvl3pPr marL="1143000" indent="-228600">
+                <a:defRPr sz="3200">
+                  <a:solidFill>
+                    <a:schemeClr val="tx1"/>
+                  </a:solidFill>
+                  <a:latin typeface="Tahoma" panose="020B0604030504040204" pitchFamily="34" charset="0"/>
+                  <a:ea typeface="ＭＳ Ｐゴシック" panose="020B0600070205080204" pitchFamily="34" charset="-128"/>
+                </a:defRPr>
+              </a:lvl3pPr>
+              <a:lvl4pPr marL="1600200" indent="-228600">
+                <a:defRPr sz="3200">
+                  <a:solidFill>
+                    <a:schemeClr val="tx1"/>
+                  </a:solidFill>
+                  <a:latin typeface="Tahoma" panose="020B0604030504040204" pitchFamily="34" charset="0"/>
+                  <a:ea typeface="ＭＳ Ｐゴシック" panose="020B0600070205080204" pitchFamily="34" charset="-128"/>
+                </a:defRPr>
+              </a:lvl4pPr>
+              <a:lvl5pPr marL="2057400" indent="-228600">
+                <a:defRPr sz="3200">
+                  <a:solidFill>
+                    <a:schemeClr val="tx1"/>
+                  </a:solidFill>
+                  <a:latin typeface="Tahoma" panose="020B0604030504040204" pitchFamily="34" charset="0"/>
+                  <a:ea typeface="ＭＳ Ｐゴシック" panose="020B0600070205080204" pitchFamily="34" charset="-128"/>
+                </a:defRPr>
+              </a:lvl5pPr>
+              <a:lvl6pPr marL="2514600" indent="-228600" eaLnBrk="0" fontAlgn="base" hangingPunct="0">
+                <a:spcBef>
+                  <a:spcPct val="0"/>
+                </a:spcBef>
+                <a:spcAft>
+                  <a:spcPct val="0"/>
+                </a:spcAft>
+                <a:defRPr sz="3200">
+                  <a:solidFill>
+                    <a:schemeClr val="tx1"/>
+                  </a:solidFill>
+                  <a:latin typeface="Tahoma" panose="020B0604030504040204" pitchFamily="34" charset="0"/>
+                  <a:ea typeface="ＭＳ Ｐゴシック" panose="020B0600070205080204" pitchFamily="34" charset="-128"/>
+                </a:defRPr>
+              </a:lvl6pPr>
+              <a:lvl7pPr marL="2971800" indent="-228600" eaLnBrk="0" fontAlgn="base" hangingPunct="0">
+                <a:spcBef>
+                  <a:spcPct val="0"/>
+                </a:spcBef>
+                <a:spcAft>
+                  <a:spcPct val="0"/>
+                </a:spcAft>
+                <a:defRPr sz="3200">
+                  <a:solidFill>
+                    <a:schemeClr val="tx1"/>
+                  </a:solidFill>
+                  <a:latin typeface="Tahoma" panose="020B0604030504040204" pitchFamily="34" charset="0"/>
+                  <a:ea typeface="ＭＳ Ｐゴシック" panose="020B0600070205080204" pitchFamily="34" charset="-128"/>
+                </a:defRPr>
+              </a:lvl7pPr>
+              <a:lvl8pPr marL="3429000" indent="-228600" eaLnBrk="0" fontAlgn="base" hangingPunct="0">
+                <a:spcBef>
+                  <a:spcPct val="0"/>
+                </a:spcBef>
+                <a:spcAft>
+                  <a:spcPct val="0"/>
+                </a:spcAft>
+                <a:defRPr sz="3200">
+                  <a:solidFill>
+                    <a:schemeClr val="tx1"/>
+                  </a:solidFill>
+                  <a:latin typeface="Tahoma" panose="020B0604030504040204" pitchFamily="34" charset="0"/>
+                  <a:ea typeface="ＭＳ Ｐゴシック" panose="020B0600070205080204" pitchFamily="34" charset="-128"/>
+                </a:defRPr>
+              </a:lvl8pPr>
+              <a:lvl9pPr marL="3886200" indent="-228600" eaLnBrk="0" fontAlgn="base" hangingPunct="0">
+                <a:spcBef>
+                  <a:spcPct val="0"/>
+                </a:spcBef>
+                <a:spcAft>
+                  <a:spcPct val="0"/>
+                </a:spcAft>
+                <a:defRPr sz="3200">
+                  <a:solidFill>
+                    <a:schemeClr val="tx1"/>
+                  </a:solidFill>
+                  <a:latin typeface="Tahoma" panose="020B0604030504040204" pitchFamily="34" charset="0"/>
+                  <a:ea typeface="ＭＳ Ｐゴシック" panose="020B0600070205080204" pitchFamily="34" charset="-128"/>
+                </a:defRPr>
+              </a:lvl9pPr>
+            </a:lstStyle>
+            <a:p>
+              <a:pPr>
+                <a:spcBef>
+                  <a:spcPct val="50000"/>
+                </a:spcBef>
+              </a:pPr>
+              <a:r>
+                <a:rPr lang="en-US" altLang="en-US" sz="1100" dirty="0">
+                  <a:latin typeface="Trebuchet MS" panose="020B0703020202090204" pitchFamily="34" charset="0"/>
+                </a:rPr>
+                <a:t>Methods</a:t>
+              </a:r>
+            </a:p>
+          </p:txBody>
+        </p:sp>
+      </p:grpSp>
+      <p:grpSp>
+        <p:nvGrpSpPr>
+          <p:cNvPr id="61" name="Group 28">
+            <a:extLst>
+              <a:ext uri="{FF2B5EF4-FFF2-40B4-BE49-F238E27FC236}">
+                <a16:creationId xmlns:a16="http://schemas.microsoft.com/office/drawing/2014/main" id="{70897F30-30AB-9834-7002-EC7E3C30B198}"/>
+              </a:ext>
+            </a:extLst>
+          </p:cNvPr>
+          <p:cNvGrpSpPr>
+            <a:grpSpLocks/>
+          </p:cNvGrpSpPr>
+          <p:nvPr/>
+        </p:nvGrpSpPr>
+        <p:grpSpPr bwMode="auto">
+          <a:xfrm>
+            <a:off x="2373775" y="3867773"/>
+            <a:ext cx="1248067" cy="1064580"/>
+            <a:chOff x="1920" y="1920"/>
+            <a:chExt cx="677" cy="829"/>
+          </a:xfrm>
+        </p:grpSpPr>
+        <p:sp>
+          <p:nvSpPr>
+            <p:cNvPr id="62" name="AutoShape 29">
+              <a:extLst>
+                <a:ext uri="{FF2B5EF4-FFF2-40B4-BE49-F238E27FC236}">
+                  <a16:creationId xmlns:a16="http://schemas.microsoft.com/office/drawing/2014/main" id="{3400F84A-4435-0675-CE38-B918D4F1C07A}"/>
+                </a:ext>
+              </a:extLst>
+            </p:cNvPr>
+            <p:cNvSpPr>
+              <a:spLocks noChangeArrowheads="1"/>
+            </p:cNvSpPr>
+            <p:nvPr/>
+          </p:nvSpPr>
+          <p:spPr bwMode="auto">
+            <a:xfrm>
+              <a:off x="1920" y="1920"/>
+              <a:ext cx="431" cy="182"/>
+            </a:xfrm>
+            <a:prstGeom prst="flowChartProcess">
+              <a:avLst/>
+            </a:prstGeom>
+            <a:solidFill>
+              <a:srgbClr val="FFFF00"/>
+            </a:solidFill>
+            <a:ln w="19050">
+              <a:solidFill>
+                <a:schemeClr val="tx1"/>
+              </a:solidFill>
+              <a:miter lim="800000"/>
+              <a:headEnd/>
+              <a:tailEnd/>
+            </a:ln>
+          </p:spPr>
+          <p:txBody>
+            <a:bodyPr wrap="square" anchor="ctr">
+              <a:spAutoFit/>
+            </a:bodyPr>
+            <a:lstStyle>
+              <a:lvl1pPr>
+                <a:defRPr sz="3200">
+                  <a:solidFill>
+                    <a:schemeClr val="tx1"/>
+                  </a:solidFill>
+                  <a:latin typeface="Tahoma" panose="020B0604030504040204" pitchFamily="34" charset="0"/>
+                  <a:ea typeface="ＭＳ Ｐゴシック" panose="020B0600070205080204" pitchFamily="34" charset="-128"/>
+                </a:defRPr>
+              </a:lvl1pPr>
+              <a:lvl2pPr marL="742950" indent="-285750">
+                <a:defRPr sz="3200">
+                  <a:solidFill>
+                    <a:schemeClr val="tx1"/>
+                  </a:solidFill>
+                  <a:latin typeface="Tahoma" panose="020B0604030504040204" pitchFamily="34" charset="0"/>
+                  <a:ea typeface="ＭＳ Ｐゴシック" panose="020B0600070205080204" pitchFamily="34" charset="-128"/>
+                </a:defRPr>
+              </a:lvl2pPr>
+              <a:lvl3pPr marL="1143000" indent="-228600">
+                <a:defRPr sz="3200">
+                  <a:solidFill>
+                    <a:schemeClr val="tx1"/>
+                  </a:solidFill>
+                  <a:latin typeface="Tahoma" panose="020B0604030504040204" pitchFamily="34" charset="0"/>
+                  <a:ea typeface="ＭＳ Ｐゴシック" panose="020B0600070205080204" pitchFamily="34" charset="-128"/>
+                </a:defRPr>
+              </a:lvl3pPr>
+              <a:lvl4pPr marL="1600200" indent="-228600">
+                <a:defRPr sz="3200">
+                  <a:solidFill>
+                    <a:schemeClr val="tx1"/>
+                  </a:solidFill>
+                  <a:latin typeface="Tahoma" panose="020B0604030504040204" pitchFamily="34" charset="0"/>
+                  <a:ea typeface="ＭＳ Ｐゴシック" panose="020B0600070205080204" pitchFamily="34" charset="-128"/>
+                </a:defRPr>
+              </a:lvl4pPr>
+              <a:lvl5pPr marL="2057400" indent="-228600">
+                <a:defRPr sz="3200">
+                  <a:solidFill>
+                    <a:schemeClr val="tx1"/>
+                  </a:solidFill>
+                  <a:latin typeface="Tahoma" panose="020B0604030504040204" pitchFamily="34" charset="0"/>
+                  <a:ea typeface="ＭＳ Ｐゴシック" panose="020B0600070205080204" pitchFamily="34" charset="-128"/>
+                </a:defRPr>
+              </a:lvl5pPr>
+              <a:lvl6pPr marL="2514600" indent="-228600" eaLnBrk="0" fontAlgn="base" hangingPunct="0">
+                <a:spcBef>
+                  <a:spcPct val="0"/>
+                </a:spcBef>
+                <a:spcAft>
+                  <a:spcPct val="0"/>
+                </a:spcAft>
+                <a:defRPr sz="3200">
+                  <a:solidFill>
+                    <a:schemeClr val="tx1"/>
+                  </a:solidFill>
+                  <a:latin typeface="Tahoma" panose="020B0604030504040204" pitchFamily="34" charset="0"/>
+                  <a:ea typeface="ＭＳ Ｐゴシック" panose="020B0600070205080204" pitchFamily="34" charset="-128"/>
+                </a:defRPr>
+              </a:lvl6pPr>
+              <a:lvl7pPr marL="2971800" indent="-228600" eaLnBrk="0" fontAlgn="base" hangingPunct="0">
+                <a:spcBef>
+                  <a:spcPct val="0"/>
+                </a:spcBef>
+                <a:spcAft>
+                  <a:spcPct val="0"/>
+                </a:spcAft>
+                <a:defRPr sz="3200">
+                  <a:solidFill>
+                    <a:schemeClr val="tx1"/>
+                  </a:solidFill>
+                  <a:latin typeface="Tahoma" panose="020B0604030504040204" pitchFamily="34" charset="0"/>
+                  <a:ea typeface="ＭＳ Ｐゴシック" panose="020B0600070205080204" pitchFamily="34" charset="-128"/>
+                </a:defRPr>
+              </a:lvl7pPr>
+              <a:lvl8pPr marL="3429000" indent="-228600" eaLnBrk="0" fontAlgn="base" hangingPunct="0">
+                <a:spcBef>
+                  <a:spcPct val="0"/>
+                </a:spcBef>
+                <a:spcAft>
+                  <a:spcPct val="0"/>
+                </a:spcAft>
+                <a:defRPr sz="3200">
+                  <a:solidFill>
+                    <a:schemeClr val="tx1"/>
+                  </a:solidFill>
+                  <a:latin typeface="Tahoma" panose="020B0604030504040204" pitchFamily="34" charset="0"/>
+                  <a:ea typeface="ＭＳ Ｐゴシック" panose="020B0600070205080204" pitchFamily="34" charset="-128"/>
+                </a:defRPr>
+              </a:lvl8pPr>
+              <a:lvl9pPr marL="3886200" indent="-228600" eaLnBrk="0" fontAlgn="base" hangingPunct="0">
+                <a:spcBef>
+                  <a:spcPct val="0"/>
+                </a:spcBef>
+                <a:spcAft>
+                  <a:spcPct val="0"/>
+                </a:spcAft>
+                <a:defRPr sz="3200">
+                  <a:solidFill>
+                    <a:schemeClr val="tx1"/>
+                  </a:solidFill>
+                  <a:latin typeface="Tahoma" panose="020B0604030504040204" pitchFamily="34" charset="0"/>
+                  <a:ea typeface="ＭＳ Ｐゴシック" panose="020B0600070205080204" pitchFamily="34" charset="-128"/>
+                </a:defRPr>
+              </a:lvl9pPr>
+            </a:lstStyle>
+            <a:p>
+              <a:endParaRPr lang="en-US" altLang="en-US"/>
+            </a:p>
+          </p:txBody>
+        </p:sp>
+        <p:sp>
+          <p:nvSpPr>
+            <p:cNvPr id="63" name="Text Box 30">
+              <a:extLst>
+                <a:ext uri="{FF2B5EF4-FFF2-40B4-BE49-F238E27FC236}">
+                  <a16:creationId xmlns:a16="http://schemas.microsoft.com/office/drawing/2014/main" id="{B900819C-E7F1-2DCD-5E91-8CA23A77F8C6}"/>
+                </a:ext>
+              </a:extLst>
+            </p:cNvPr>
+            <p:cNvSpPr txBox="1">
+              <a:spLocks noChangeArrowheads="1"/>
+            </p:cNvSpPr>
+            <p:nvPr/>
+          </p:nvSpPr>
+          <p:spPr bwMode="auto">
+            <a:xfrm>
+              <a:off x="1920" y="1940"/>
+              <a:ext cx="672" cy="182"/>
+            </a:xfrm>
+            <a:prstGeom prst="rect">
+              <a:avLst/>
+            </a:prstGeom>
+            <a:noFill/>
+            <a:ln>
+              <a:noFill/>
+            </a:ln>
+            <a:extLst>
+              <a:ext uri="{909E8E84-426E-40DD-AFC4-6F175D3DCCD1}">
+                <a14:hiddenFill xmlns:a14="http://schemas.microsoft.com/office/drawing/2010/main">
+                  <a:solidFill>
+                    <a:srgbClr val="FFFFFF"/>
+                  </a:solidFill>
+                </a14:hiddenFill>
+              </a:ext>
+              <a:ext uri="{91240B29-F687-4F45-9708-019B960494DF}">
+                <a14:hiddenLine xmlns:a14="http://schemas.microsoft.com/office/drawing/2010/main" w="9525">
+                  <a:solidFill>
+                    <a:srgbClr val="000000"/>
+                  </a:solidFill>
+                  <a:miter lim="800000"/>
+                  <a:headEnd/>
+                  <a:tailEnd/>
+                </a14:hiddenLine>
+              </a:ext>
+            </a:extLst>
+          </p:spPr>
+          <p:txBody>
+            <a:bodyPr>
+              <a:spAutoFit/>
+            </a:bodyPr>
+            <a:lstStyle>
+              <a:lvl1pPr>
+                <a:defRPr sz="3200">
+                  <a:solidFill>
+                    <a:schemeClr val="tx1"/>
+                  </a:solidFill>
+                  <a:latin typeface="Tahoma" panose="020B0604030504040204" pitchFamily="34" charset="0"/>
+                  <a:ea typeface="ＭＳ Ｐゴシック" panose="020B0600070205080204" pitchFamily="34" charset="-128"/>
+                </a:defRPr>
+              </a:lvl1pPr>
+              <a:lvl2pPr marL="742950" indent="-285750">
+                <a:defRPr sz="3200">
+                  <a:solidFill>
+                    <a:schemeClr val="tx1"/>
+                  </a:solidFill>
+                  <a:latin typeface="Tahoma" panose="020B0604030504040204" pitchFamily="34" charset="0"/>
+                  <a:ea typeface="ＭＳ Ｐゴシック" panose="020B0600070205080204" pitchFamily="34" charset="-128"/>
+                </a:defRPr>
+              </a:lvl2pPr>
+              <a:lvl3pPr marL="1143000" indent="-228600">
+                <a:defRPr sz="3200">
+                  <a:solidFill>
+                    <a:schemeClr val="tx1"/>
+                  </a:solidFill>
+                  <a:latin typeface="Tahoma" panose="020B0604030504040204" pitchFamily="34" charset="0"/>
+                  <a:ea typeface="ＭＳ Ｐゴシック" panose="020B0600070205080204" pitchFamily="34" charset="-128"/>
+                </a:defRPr>
+              </a:lvl3pPr>
+              <a:lvl4pPr marL="1600200" indent="-228600">
+                <a:defRPr sz="3200">
+                  <a:solidFill>
+                    <a:schemeClr val="tx1"/>
+                  </a:solidFill>
+                  <a:latin typeface="Tahoma" panose="020B0604030504040204" pitchFamily="34" charset="0"/>
+                  <a:ea typeface="ＭＳ Ｐゴシック" panose="020B0600070205080204" pitchFamily="34" charset="-128"/>
+                </a:defRPr>
+              </a:lvl4pPr>
+              <a:lvl5pPr marL="2057400" indent="-228600">
+                <a:defRPr sz="3200">
+                  <a:solidFill>
+                    <a:schemeClr val="tx1"/>
+                  </a:solidFill>
+                  <a:latin typeface="Tahoma" panose="020B0604030504040204" pitchFamily="34" charset="0"/>
+                  <a:ea typeface="ＭＳ Ｐゴシック" panose="020B0600070205080204" pitchFamily="34" charset="-128"/>
+                </a:defRPr>
+              </a:lvl5pPr>
+              <a:lvl6pPr marL="2514600" indent="-228600" eaLnBrk="0" fontAlgn="base" hangingPunct="0">
+                <a:spcBef>
+                  <a:spcPct val="0"/>
+                </a:spcBef>
+                <a:spcAft>
+                  <a:spcPct val="0"/>
+                </a:spcAft>
+                <a:defRPr sz="3200">
+                  <a:solidFill>
+                    <a:schemeClr val="tx1"/>
+                  </a:solidFill>
+                  <a:latin typeface="Tahoma" panose="020B0604030504040204" pitchFamily="34" charset="0"/>
+                  <a:ea typeface="ＭＳ Ｐゴシック" panose="020B0600070205080204" pitchFamily="34" charset="-128"/>
+                </a:defRPr>
+              </a:lvl6pPr>
+              <a:lvl7pPr marL="2971800" indent="-228600" eaLnBrk="0" fontAlgn="base" hangingPunct="0">
+                <a:spcBef>
+                  <a:spcPct val="0"/>
+                </a:spcBef>
+                <a:spcAft>
+                  <a:spcPct val="0"/>
+                </a:spcAft>
+                <a:defRPr sz="3200">
+                  <a:solidFill>
+                    <a:schemeClr val="tx1"/>
+                  </a:solidFill>
+                  <a:latin typeface="Tahoma" panose="020B0604030504040204" pitchFamily="34" charset="0"/>
+                  <a:ea typeface="ＭＳ Ｐゴシック" panose="020B0600070205080204" pitchFamily="34" charset="-128"/>
+                </a:defRPr>
+              </a:lvl7pPr>
+              <a:lvl8pPr marL="3429000" indent="-228600" eaLnBrk="0" fontAlgn="base" hangingPunct="0">
+                <a:spcBef>
+                  <a:spcPct val="0"/>
+                </a:spcBef>
+                <a:spcAft>
+                  <a:spcPct val="0"/>
+                </a:spcAft>
+                <a:defRPr sz="3200">
+                  <a:solidFill>
+                    <a:schemeClr val="tx1"/>
+                  </a:solidFill>
+                  <a:latin typeface="Tahoma" panose="020B0604030504040204" pitchFamily="34" charset="0"/>
+                  <a:ea typeface="ＭＳ Ｐゴシック" panose="020B0600070205080204" pitchFamily="34" charset="-128"/>
+                </a:defRPr>
+              </a:lvl8pPr>
+              <a:lvl9pPr marL="3886200" indent="-228600" eaLnBrk="0" fontAlgn="base" hangingPunct="0">
+                <a:spcBef>
+                  <a:spcPct val="0"/>
+                </a:spcBef>
+                <a:spcAft>
+                  <a:spcPct val="0"/>
+                </a:spcAft>
+                <a:defRPr sz="3200">
+                  <a:solidFill>
+                    <a:schemeClr val="tx1"/>
+                  </a:solidFill>
+                  <a:latin typeface="Tahoma" panose="020B0604030504040204" pitchFamily="34" charset="0"/>
+                  <a:ea typeface="ＭＳ Ｐゴシック" panose="020B0600070205080204" pitchFamily="34" charset="-128"/>
+                </a:defRPr>
+              </a:lvl9pPr>
+            </a:lstStyle>
+            <a:p>
+              <a:pPr>
+                <a:spcBef>
+                  <a:spcPct val="50000"/>
+                </a:spcBef>
+              </a:pPr>
+              <a:r>
+                <a:rPr lang="en-US" altLang="en-US" sz="1200" dirty="0">
+                  <a:latin typeface="Trebuchet MS" panose="020B0703020202090204" pitchFamily="34" charset="0"/>
+                </a:rPr>
+                <a:t>Variables</a:t>
+              </a:r>
+            </a:p>
+          </p:txBody>
+        </p:sp>
+        <p:sp>
+          <p:nvSpPr>
+            <p:cNvPr id="33792" name="AutoShape 31">
+              <a:extLst>
+                <a:ext uri="{FF2B5EF4-FFF2-40B4-BE49-F238E27FC236}">
+                  <a16:creationId xmlns:a16="http://schemas.microsoft.com/office/drawing/2014/main" id="{34A6A1B8-7379-9F7E-0E3F-BCB7DAC21731}"/>
+                </a:ext>
+              </a:extLst>
+            </p:cNvPr>
+            <p:cNvSpPr>
+              <a:spLocks noChangeArrowheads="1"/>
+            </p:cNvSpPr>
+            <p:nvPr/>
+          </p:nvSpPr>
+          <p:spPr bwMode="auto">
+            <a:xfrm>
+              <a:off x="1920" y="2524"/>
+              <a:ext cx="431" cy="182"/>
+            </a:xfrm>
+            <a:prstGeom prst="flowChartProcess">
+              <a:avLst/>
+            </a:prstGeom>
+            <a:solidFill>
+              <a:srgbClr val="FFFF00"/>
+            </a:solidFill>
+            <a:ln w="19050">
+              <a:solidFill>
+                <a:schemeClr val="tx1"/>
+              </a:solidFill>
+              <a:miter lim="800000"/>
+              <a:headEnd/>
+              <a:tailEnd/>
+            </a:ln>
+          </p:spPr>
+          <p:txBody>
+            <a:bodyPr wrap="square" anchor="ctr">
+              <a:spAutoFit/>
+            </a:bodyPr>
+            <a:lstStyle>
+              <a:lvl1pPr>
+                <a:defRPr sz="3200">
+                  <a:solidFill>
+                    <a:schemeClr val="tx1"/>
+                  </a:solidFill>
+                  <a:latin typeface="Tahoma" panose="020B0604030504040204" pitchFamily="34" charset="0"/>
+                  <a:ea typeface="ＭＳ Ｐゴシック" panose="020B0600070205080204" pitchFamily="34" charset="-128"/>
+                </a:defRPr>
+              </a:lvl1pPr>
+              <a:lvl2pPr marL="742950" indent="-285750">
+                <a:defRPr sz="3200">
+                  <a:solidFill>
+                    <a:schemeClr val="tx1"/>
+                  </a:solidFill>
+                  <a:latin typeface="Tahoma" panose="020B0604030504040204" pitchFamily="34" charset="0"/>
+                  <a:ea typeface="ＭＳ Ｐゴシック" panose="020B0600070205080204" pitchFamily="34" charset="-128"/>
+                </a:defRPr>
+              </a:lvl2pPr>
+              <a:lvl3pPr marL="1143000" indent="-228600">
+                <a:defRPr sz="3200">
+                  <a:solidFill>
+                    <a:schemeClr val="tx1"/>
+                  </a:solidFill>
+                  <a:latin typeface="Tahoma" panose="020B0604030504040204" pitchFamily="34" charset="0"/>
+                  <a:ea typeface="ＭＳ Ｐゴシック" panose="020B0600070205080204" pitchFamily="34" charset="-128"/>
+                </a:defRPr>
+              </a:lvl3pPr>
+              <a:lvl4pPr marL="1600200" indent="-228600">
+                <a:defRPr sz="3200">
+                  <a:solidFill>
+                    <a:schemeClr val="tx1"/>
+                  </a:solidFill>
+                  <a:latin typeface="Tahoma" panose="020B0604030504040204" pitchFamily="34" charset="0"/>
+                  <a:ea typeface="ＭＳ Ｐゴシック" panose="020B0600070205080204" pitchFamily="34" charset="-128"/>
+                </a:defRPr>
+              </a:lvl4pPr>
+              <a:lvl5pPr marL="2057400" indent="-228600">
+                <a:defRPr sz="3200">
+                  <a:solidFill>
+                    <a:schemeClr val="tx1"/>
+                  </a:solidFill>
+                  <a:latin typeface="Tahoma" panose="020B0604030504040204" pitchFamily="34" charset="0"/>
+                  <a:ea typeface="ＭＳ Ｐゴシック" panose="020B0600070205080204" pitchFamily="34" charset="-128"/>
+                </a:defRPr>
+              </a:lvl5pPr>
+              <a:lvl6pPr marL="2514600" indent="-228600" eaLnBrk="0" fontAlgn="base" hangingPunct="0">
+                <a:spcBef>
+                  <a:spcPct val="0"/>
+                </a:spcBef>
+                <a:spcAft>
+                  <a:spcPct val="0"/>
+                </a:spcAft>
+                <a:defRPr sz="3200">
+                  <a:solidFill>
+                    <a:schemeClr val="tx1"/>
+                  </a:solidFill>
+                  <a:latin typeface="Tahoma" panose="020B0604030504040204" pitchFamily="34" charset="0"/>
+                  <a:ea typeface="ＭＳ Ｐゴシック" panose="020B0600070205080204" pitchFamily="34" charset="-128"/>
+                </a:defRPr>
+              </a:lvl6pPr>
+              <a:lvl7pPr marL="2971800" indent="-228600" eaLnBrk="0" fontAlgn="base" hangingPunct="0">
+                <a:spcBef>
+                  <a:spcPct val="0"/>
+                </a:spcBef>
+                <a:spcAft>
+                  <a:spcPct val="0"/>
+                </a:spcAft>
+                <a:defRPr sz="3200">
+                  <a:solidFill>
+                    <a:schemeClr val="tx1"/>
+                  </a:solidFill>
+                  <a:latin typeface="Tahoma" panose="020B0604030504040204" pitchFamily="34" charset="0"/>
+                  <a:ea typeface="ＭＳ Ｐゴシック" panose="020B0600070205080204" pitchFamily="34" charset="-128"/>
+                </a:defRPr>
+              </a:lvl7pPr>
+              <a:lvl8pPr marL="3429000" indent="-228600" eaLnBrk="0" fontAlgn="base" hangingPunct="0">
+                <a:spcBef>
+                  <a:spcPct val="0"/>
+                </a:spcBef>
+                <a:spcAft>
+                  <a:spcPct val="0"/>
+                </a:spcAft>
+                <a:defRPr sz="3200">
+                  <a:solidFill>
+                    <a:schemeClr val="tx1"/>
+                  </a:solidFill>
+                  <a:latin typeface="Tahoma" panose="020B0604030504040204" pitchFamily="34" charset="0"/>
+                  <a:ea typeface="ＭＳ Ｐゴシック" panose="020B0600070205080204" pitchFamily="34" charset="-128"/>
+                </a:defRPr>
+              </a:lvl8pPr>
+              <a:lvl9pPr marL="3886200" indent="-228600" eaLnBrk="0" fontAlgn="base" hangingPunct="0">
+                <a:spcBef>
+                  <a:spcPct val="0"/>
+                </a:spcBef>
+                <a:spcAft>
+                  <a:spcPct val="0"/>
+                </a:spcAft>
+                <a:defRPr sz="3200">
+                  <a:solidFill>
+                    <a:schemeClr val="tx1"/>
+                  </a:solidFill>
+                  <a:latin typeface="Tahoma" panose="020B0604030504040204" pitchFamily="34" charset="0"/>
+                  <a:ea typeface="ＭＳ Ｐゴシック" panose="020B0600070205080204" pitchFamily="34" charset="-128"/>
+                </a:defRPr>
+              </a:lvl9pPr>
+            </a:lstStyle>
+            <a:p>
+              <a:endParaRPr lang="en-US" altLang="en-US"/>
+            </a:p>
+          </p:txBody>
+        </p:sp>
+        <p:sp>
+          <p:nvSpPr>
+            <p:cNvPr id="33793" name="Text Box 32">
+              <a:extLst>
+                <a:ext uri="{FF2B5EF4-FFF2-40B4-BE49-F238E27FC236}">
+                  <a16:creationId xmlns:a16="http://schemas.microsoft.com/office/drawing/2014/main" id="{C8E8CFA7-1DCC-22C8-7866-E4A33A245A76}"/>
+                </a:ext>
+              </a:extLst>
+            </p:cNvPr>
+            <p:cNvSpPr txBox="1">
+              <a:spLocks noChangeArrowheads="1"/>
+            </p:cNvSpPr>
+            <p:nvPr/>
+          </p:nvSpPr>
+          <p:spPr bwMode="auto">
+            <a:xfrm>
+              <a:off x="1925" y="2533"/>
+              <a:ext cx="672" cy="216"/>
+            </a:xfrm>
+            <a:prstGeom prst="rect">
+              <a:avLst/>
+            </a:prstGeom>
+            <a:noFill/>
+            <a:ln>
+              <a:noFill/>
+            </a:ln>
+            <a:extLst>
+              <a:ext uri="{909E8E84-426E-40DD-AFC4-6F175D3DCCD1}">
+                <a14:hiddenFill xmlns:a14="http://schemas.microsoft.com/office/drawing/2010/main">
+                  <a:solidFill>
+                    <a:srgbClr val="FFFFFF"/>
+                  </a:solidFill>
+                </a14:hiddenFill>
+              </a:ext>
+              <a:ext uri="{91240B29-F687-4F45-9708-019B960494DF}">
+                <a14:hiddenLine xmlns:a14="http://schemas.microsoft.com/office/drawing/2010/main" w="9525">
+                  <a:solidFill>
+                    <a:srgbClr val="000000"/>
+                  </a:solidFill>
+                  <a:miter lim="800000"/>
+                  <a:headEnd/>
+                  <a:tailEnd/>
+                </a14:hiddenLine>
+              </a:ext>
+            </a:extLst>
+          </p:spPr>
+          <p:txBody>
+            <a:bodyPr wrap="square">
+              <a:spAutoFit/>
+            </a:bodyPr>
+            <a:lstStyle>
+              <a:lvl1pPr>
+                <a:defRPr sz="3200">
+                  <a:solidFill>
+                    <a:schemeClr val="tx1"/>
+                  </a:solidFill>
+                  <a:latin typeface="Tahoma" panose="020B0604030504040204" pitchFamily="34" charset="0"/>
+                  <a:ea typeface="ＭＳ Ｐゴシック" panose="020B0600070205080204" pitchFamily="34" charset="-128"/>
+                </a:defRPr>
+              </a:lvl1pPr>
+              <a:lvl2pPr marL="742950" indent="-285750">
+                <a:defRPr sz="3200">
+                  <a:solidFill>
+                    <a:schemeClr val="tx1"/>
+                  </a:solidFill>
+                  <a:latin typeface="Tahoma" panose="020B0604030504040204" pitchFamily="34" charset="0"/>
+                  <a:ea typeface="ＭＳ Ｐゴシック" panose="020B0600070205080204" pitchFamily="34" charset="-128"/>
+                </a:defRPr>
+              </a:lvl2pPr>
+              <a:lvl3pPr marL="1143000" indent="-228600">
+                <a:defRPr sz="3200">
+                  <a:solidFill>
+                    <a:schemeClr val="tx1"/>
+                  </a:solidFill>
+                  <a:latin typeface="Tahoma" panose="020B0604030504040204" pitchFamily="34" charset="0"/>
+                  <a:ea typeface="ＭＳ Ｐゴシック" panose="020B0600070205080204" pitchFamily="34" charset="-128"/>
+                </a:defRPr>
+              </a:lvl3pPr>
+              <a:lvl4pPr marL="1600200" indent="-228600">
+                <a:defRPr sz="3200">
+                  <a:solidFill>
+                    <a:schemeClr val="tx1"/>
+                  </a:solidFill>
+                  <a:latin typeface="Tahoma" panose="020B0604030504040204" pitchFamily="34" charset="0"/>
+                  <a:ea typeface="ＭＳ Ｐゴシック" panose="020B0600070205080204" pitchFamily="34" charset="-128"/>
+                </a:defRPr>
+              </a:lvl4pPr>
+              <a:lvl5pPr marL="2057400" indent="-228600">
+                <a:defRPr sz="3200">
+                  <a:solidFill>
+                    <a:schemeClr val="tx1"/>
+                  </a:solidFill>
+                  <a:latin typeface="Tahoma" panose="020B0604030504040204" pitchFamily="34" charset="0"/>
+                  <a:ea typeface="ＭＳ Ｐゴシック" panose="020B0600070205080204" pitchFamily="34" charset="-128"/>
+                </a:defRPr>
+              </a:lvl5pPr>
+              <a:lvl6pPr marL="2514600" indent="-228600" eaLnBrk="0" fontAlgn="base" hangingPunct="0">
+                <a:spcBef>
+                  <a:spcPct val="0"/>
+                </a:spcBef>
+                <a:spcAft>
+                  <a:spcPct val="0"/>
+                </a:spcAft>
+                <a:defRPr sz="3200">
+                  <a:solidFill>
+                    <a:schemeClr val="tx1"/>
+                  </a:solidFill>
+                  <a:latin typeface="Tahoma" panose="020B0604030504040204" pitchFamily="34" charset="0"/>
+                  <a:ea typeface="ＭＳ Ｐゴシック" panose="020B0600070205080204" pitchFamily="34" charset="-128"/>
+                </a:defRPr>
+              </a:lvl6pPr>
+              <a:lvl7pPr marL="2971800" indent="-228600" eaLnBrk="0" fontAlgn="base" hangingPunct="0">
+                <a:spcBef>
+                  <a:spcPct val="0"/>
+                </a:spcBef>
+                <a:spcAft>
+                  <a:spcPct val="0"/>
+                </a:spcAft>
+                <a:defRPr sz="3200">
+                  <a:solidFill>
+                    <a:schemeClr val="tx1"/>
+                  </a:solidFill>
+                  <a:latin typeface="Tahoma" panose="020B0604030504040204" pitchFamily="34" charset="0"/>
+                  <a:ea typeface="ＭＳ Ｐゴシック" panose="020B0600070205080204" pitchFamily="34" charset="-128"/>
+                </a:defRPr>
+              </a:lvl7pPr>
+              <a:lvl8pPr marL="3429000" indent="-228600" eaLnBrk="0" fontAlgn="base" hangingPunct="0">
+                <a:spcBef>
+                  <a:spcPct val="0"/>
+                </a:spcBef>
+                <a:spcAft>
+                  <a:spcPct val="0"/>
+                </a:spcAft>
+                <a:defRPr sz="3200">
+                  <a:solidFill>
+                    <a:schemeClr val="tx1"/>
+                  </a:solidFill>
+                  <a:latin typeface="Tahoma" panose="020B0604030504040204" pitchFamily="34" charset="0"/>
+                  <a:ea typeface="ＭＳ Ｐゴシック" panose="020B0600070205080204" pitchFamily="34" charset="-128"/>
+                </a:defRPr>
+              </a:lvl8pPr>
+              <a:lvl9pPr marL="3886200" indent="-228600" eaLnBrk="0" fontAlgn="base" hangingPunct="0">
+                <a:spcBef>
+                  <a:spcPct val="0"/>
+                </a:spcBef>
+                <a:spcAft>
+                  <a:spcPct val="0"/>
+                </a:spcAft>
+                <a:defRPr sz="3200">
+                  <a:solidFill>
+                    <a:schemeClr val="tx1"/>
+                  </a:solidFill>
+                  <a:latin typeface="Tahoma" panose="020B0604030504040204" pitchFamily="34" charset="0"/>
+                  <a:ea typeface="ＭＳ Ｐゴシック" panose="020B0600070205080204" pitchFamily="34" charset="-128"/>
+                </a:defRPr>
+              </a:lvl9pPr>
+            </a:lstStyle>
+            <a:p>
+              <a:pPr>
+                <a:spcBef>
+                  <a:spcPct val="50000"/>
+                </a:spcBef>
+              </a:pPr>
+              <a:r>
+                <a:rPr lang="en-US" altLang="en-US" sz="1200" dirty="0">
+                  <a:latin typeface="Trebuchet MS" panose="020B0703020202090204" pitchFamily="34" charset="0"/>
+                </a:rPr>
+                <a:t>Variables</a:t>
+              </a:r>
+            </a:p>
+          </p:txBody>
+        </p:sp>
+      </p:grpSp>
+      <p:sp>
+        <p:nvSpPr>
+          <p:cNvPr id="33796" name="Rectangle 33">
+            <a:extLst>
+              <a:ext uri="{FF2B5EF4-FFF2-40B4-BE49-F238E27FC236}">
+                <a16:creationId xmlns:a16="http://schemas.microsoft.com/office/drawing/2014/main" id="{B6F1B2D0-9B9C-8BE4-63E7-F30693E7B02F}"/>
+              </a:ext>
+            </a:extLst>
+          </p:cNvPr>
+          <p:cNvSpPr>
+            <a:spLocks noChangeArrowheads="1"/>
+          </p:cNvSpPr>
+          <p:nvPr/>
+        </p:nvSpPr>
+        <p:spPr bwMode="auto">
+          <a:xfrm>
+            <a:off x="5490877" y="4739313"/>
+            <a:ext cx="3116401" cy="1035946"/>
+          </a:xfrm>
+          <a:prstGeom prst="rect">
+            <a:avLst/>
+          </a:prstGeom>
+        </p:spPr>
+        <p:txBody>
+          <a:bodyPr vert="horz" lIns="45720" tIns="45720" rIns="45720" bIns="45720" rtlCol="0">
+            <a:normAutofit fontScale="62500" lnSpcReduction="20000"/>
+          </a:bodyPr>
+          <a:lstStyle/>
+          <a:p>
+            <a:pPr marL="91440" indent="-91440" defTabSz="914400">
+              <a:lnSpc>
+                <a:spcPct val="90000"/>
+              </a:lnSpc>
+              <a:spcBef>
+                <a:spcPts val="1200"/>
+              </a:spcBef>
+              <a:spcAft>
+                <a:spcPts val="200"/>
+              </a:spcAft>
+              <a:buClr>
+                <a:schemeClr val="accent2"/>
+              </a:buClr>
+              <a:buSzPct val="100000"/>
+              <a:buFont typeface="Courier New" panose="02070309020205020404" pitchFamily="49" charset="0"/>
+              <a:buChar char="o"/>
+            </a:pPr>
+            <a:r>
+              <a:rPr lang="en-US" altLang="en-US" sz="2000" dirty="0">
+                <a:latin typeface="Calibri" panose="020F0502020204030204" pitchFamily="34" charset="0"/>
+              </a:rPr>
+              <a:t>A project consists of zero or more packages</a:t>
+            </a:r>
+          </a:p>
+          <a:p>
+            <a:pPr marL="91440" indent="-91440" defTabSz="914400">
+              <a:lnSpc>
+                <a:spcPct val="90000"/>
+              </a:lnSpc>
+              <a:spcBef>
+                <a:spcPts val="1200"/>
+              </a:spcBef>
+              <a:spcAft>
+                <a:spcPts val="200"/>
+              </a:spcAft>
+              <a:buClr>
+                <a:schemeClr val="accent2"/>
+              </a:buClr>
+              <a:buSzPct val="100000"/>
+              <a:buFont typeface="Courier New" panose="02070309020205020404" pitchFamily="49" charset="0"/>
+              <a:buChar char="o"/>
+            </a:pPr>
+            <a:r>
+              <a:rPr lang="en-US" altLang="en-US" sz="2000" dirty="0">
+                <a:latin typeface="Calibri" panose="020F0502020204030204" pitchFamily="34" charset="0"/>
+              </a:rPr>
+              <a:t>A package consists of one or more classes</a:t>
+            </a:r>
+          </a:p>
+          <a:p>
+            <a:pPr marL="91440" indent="-91440" defTabSz="914400">
+              <a:lnSpc>
+                <a:spcPct val="90000"/>
+              </a:lnSpc>
+              <a:spcBef>
+                <a:spcPts val="1200"/>
+              </a:spcBef>
+              <a:spcAft>
+                <a:spcPts val="200"/>
+              </a:spcAft>
+              <a:buClr>
+                <a:schemeClr val="accent2"/>
+              </a:buClr>
+              <a:buSzPct val="100000"/>
+              <a:buFont typeface="Courier New" panose="02070309020205020404" pitchFamily="49" charset="0"/>
+              <a:buChar char="o"/>
+            </a:pPr>
+            <a:r>
+              <a:rPr lang="en-US" altLang="en-US" sz="2000" dirty="0">
+                <a:latin typeface="Calibri" panose="020F0502020204030204" pitchFamily="34" charset="0"/>
+              </a:rPr>
+              <a:t>Typically, each class is in a separate .java file</a:t>
+            </a:r>
+          </a:p>
+        </p:txBody>
+      </p:sp>
+      <p:grpSp>
+        <p:nvGrpSpPr>
+          <p:cNvPr id="33797" name="Group 4">
+            <a:extLst>
+              <a:ext uri="{FF2B5EF4-FFF2-40B4-BE49-F238E27FC236}">
+                <a16:creationId xmlns:a16="http://schemas.microsoft.com/office/drawing/2014/main" id="{5484B491-8DC8-16EF-AE8E-922F27E81090}"/>
+              </a:ext>
+            </a:extLst>
+          </p:cNvPr>
+          <p:cNvGrpSpPr>
+            <a:grpSpLocks/>
+          </p:cNvGrpSpPr>
+          <p:nvPr/>
+        </p:nvGrpSpPr>
+        <p:grpSpPr bwMode="auto">
+          <a:xfrm>
+            <a:off x="722799" y="1989481"/>
+            <a:ext cx="4458801" cy="3817387"/>
+            <a:chOff x="528" y="751"/>
+            <a:chExt cx="3303" cy="2958"/>
+          </a:xfrm>
+        </p:grpSpPr>
+        <p:sp>
+          <p:nvSpPr>
+            <p:cNvPr id="33798" name="Rectangle 5">
+              <a:extLst>
+                <a:ext uri="{FF2B5EF4-FFF2-40B4-BE49-F238E27FC236}">
+                  <a16:creationId xmlns:a16="http://schemas.microsoft.com/office/drawing/2014/main" id="{A7DF946C-FF4F-B164-7298-9BAC11780B70}"/>
+                </a:ext>
+              </a:extLst>
+            </p:cNvPr>
+            <p:cNvSpPr>
+              <a:spLocks noChangeArrowheads="1"/>
+            </p:cNvSpPr>
+            <p:nvPr/>
+          </p:nvSpPr>
+          <p:spPr bwMode="auto">
+            <a:xfrm>
+              <a:off x="528" y="857"/>
+              <a:ext cx="3303" cy="2852"/>
+            </a:xfrm>
+            <a:prstGeom prst="rect">
+              <a:avLst/>
+            </a:prstGeom>
+            <a:noFill/>
+            <a:ln w="19050">
+              <a:solidFill>
+                <a:schemeClr val="tx1"/>
+              </a:solidFill>
+              <a:miter lim="800000"/>
+              <a:headEnd/>
+              <a:tailEnd/>
+            </a:ln>
+            <a:extLst>
+              <a:ext uri="{909E8E84-426E-40DD-AFC4-6F175D3DCCD1}">
+                <a14:hiddenFill xmlns:a14="http://schemas.microsoft.com/office/drawing/2010/main">
+                  <a:solidFill>
+                    <a:srgbClr val="FFFFFF"/>
+                  </a:solidFill>
+                </a14:hiddenFill>
+              </a:ext>
+            </a:extLst>
+          </p:spPr>
+          <p:txBody>
+            <a:bodyPr wrap="none" anchor="ctr"/>
+            <a:lstStyle>
+              <a:lvl1pPr>
+                <a:defRPr sz="3200">
+                  <a:solidFill>
+                    <a:schemeClr val="tx1"/>
+                  </a:solidFill>
+                  <a:latin typeface="Tahoma" panose="020B0604030504040204" pitchFamily="34" charset="0"/>
+                  <a:ea typeface="ＭＳ Ｐゴシック" panose="020B0600070205080204" pitchFamily="34" charset="-128"/>
+                </a:defRPr>
+              </a:lvl1pPr>
+              <a:lvl2pPr marL="742950" indent="-285750">
+                <a:defRPr sz="3200">
+                  <a:solidFill>
+                    <a:schemeClr val="tx1"/>
+                  </a:solidFill>
+                  <a:latin typeface="Tahoma" panose="020B0604030504040204" pitchFamily="34" charset="0"/>
+                  <a:ea typeface="ＭＳ Ｐゴシック" panose="020B0600070205080204" pitchFamily="34" charset="-128"/>
+                </a:defRPr>
+              </a:lvl2pPr>
+              <a:lvl3pPr marL="1143000" indent="-228600">
+                <a:defRPr sz="3200">
+                  <a:solidFill>
+                    <a:schemeClr val="tx1"/>
+                  </a:solidFill>
+                  <a:latin typeface="Tahoma" panose="020B0604030504040204" pitchFamily="34" charset="0"/>
+                  <a:ea typeface="ＭＳ Ｐゴシック" panose="020B0600070205080204" pitchFamily="34" charset="-128"/>
+                </a:defRPr>
+              </a:lvl3pPr>
+              <a:lvl4pPr marL="1600200" indent="-228600">
+                <a:defRPr sz="3200">
+                  <a:solidFill>
+                    <a:schemeClr val="tx1"/>
+                  </a:solidFill>
+                  <a:latin typeface="Tahoma" panose="020B0604030504040204" pitchFamily="34" charset="0"/>
+                  <a:ea typeface="ＭＳ Ｐゴシック" panose="020B0600070205080204" pitchFamily="34" charset="-128"/>
+                </a:defRPr>
+              </a:lvl4pPr>
+              <a:lvl5pPr marL="2057400" indent="-228600">
+                <a:defRPr sz="3200">
+                  <a:solidFill>
+                    <a:schemeClr val="tx1"/>
+                  </a:solidFill>
+                  <a:latin typeface="Tahoma" panose="020B0604030504040204" pitchFamily="34" charset="0"/>
+                  <a:ea typeface="ＭＳ Ｐゴシック" panose="020B0600070205080204" pitchFamily="34" charset="-128"/>
+                </a:defRPr>
+              </a:lvl5pPr>
+              <a:lvl6pPr marL="2514600" indent="-228600" eaLnBrk="0" fontAlgn="base" hangingPunct="0">
+                <a:spcBef>
+                  <a:spcPct val="0"/>
+                </a:spcBef>
+                <a:spcAft>
+                  <a:spcPct val="0"/>
+                </a:spcAft>
+                <a:defRPr sz="3200">
+                  <a:solidFill>
+                    <a:schemeClr val="tx1"/>
+                  </a:solidFill>
+                  <a:latin typeface="Tahoma" panose="020B0604030504040204" pitchFamily="34" charset="0"/>
+                  <a:ea typeface="ＭＳ Ｐゴシック" panose="020B0600070205080204" pitchFamily="34" charset="-128"/>
+                </a:defRPr>
+              </a:lvl6pPr>
+              <a:lvl7pPr marL="2971800" indent="-228600" eaLnBrk="0" fontAlgn="base" hangingPunct="0">
+                <a:spcBef>
+                  <a:spcPct val="0"/>
+                </a:spcBef>
+                <a:spcAft>
+                  <a:spcPct val="0"/>
+                </a:spcAft>
+                <a:defRPr sz="3200">
+                  <a:solidFill>
+                    <a:schemeClr val="tx1"/>
+                  </a:solidFill>
+                  <a:latin typeface="Tahoma" panose="020B0604030504040204" pitchFamily="34" charset="0"/>
+                  <a:ea typeface="ＭＳ Ｐゴシック" panose="020B0600070205080204" pitchFamily="34" charset="-128"/>
+                </a:defRPr>
+              </a:lvl7pPr>
+              <a:lvl8pPr marL="3429000" indent="-228600" eaLnBrk="0" fontAlgn="base" hangingPunct="0">
+                <a:spcBef>
+                  <a:spcPct val="0"/>
+                </a:spcBef>
+                <a:spcAft>
+                  <a:spcPct val="0"/>
+                </a:spcAft>
+                <a:defRPr sz="3200">
+                  <a:solidFill>
+                    <a:schemeClr val="tx1"/>
+                  </a:solidFill>
+                  <a:latin typeface="Tahoma" panose="020B0604030504040204" pitchFamily="34" charset="0"/>
+                  <a:ea typeface="ＭＳ Ｐゴシック" panose="020B0600070205080204" pitchFamily="34" charset="-128"/>
+                </a:defRPr>
+              </a:lvl8pPr>
+              <a:lvl9pPr marL="3886200" indent="-228600" eaLnBrk="0" fontAlgn="base" hangingPunct="0">
+                <a:spcBef>
+                  <a:spcPct val="0"/>
+                </a:spcBef>
+                <a:spcAft>
+                  <a:spcPct val="0"/>
+                </a:spcAft>
+                <a:defRPr sz="3200">
+                  <a:solidFill>
+                    <a:schemeClr val="tx1"/>
+                  </a:solidFill>
+                  <a:latin typeface="Tahoma" panose="020B0604030504040204" pitchFamily="34" charset="0"/>
+                  <a:ea typeface="ＭＳ Ｐゴシック" panose="020B0600070205080204" pitchFamily="34" charset="-128"/>
+                </a:defRPr>
+              </a:lvl9pPr>
+            </a:lstStyle>
+            <a:p>
+              <a:endParaRPr lang="en-US" altLang="en-US" dirty="0"/>
+            </a:p>
+          </p:txBody>
+        </p:sp>
+        <p:sp>
+          <p:nvSpPr>
+            <p:cNvPr id="33799" name="Text Box 6">
+              <a:extLst>
+                <a:ext uri="{FF2B5EF4-FFF2-40B4-BE49-F238E27FC236}">
+                  <a16:creationId xmlns:a16="http://schemas.microsoft.com/office/drawing/2014/main" id="{614051ED-3193-EAA9-D0D5-EF2E896D4A19}"/>
+                </a:ext>
+              </a:extLst>
+            </p:cNvPr>
+            <p:cNvSpPr txBox="1">
+              <a:spLocks noChangeArrowheads="1"/>
+            </p:cNvSpPr>
+            <p:nvPr/>
+          </p:nvSpPr>
+          <p:spPr bwMode="auto">
+            <a:xfrm>
+              <a:off x="1516" y="751"/>
+              <a:ext cx="924" cy="275"/>
+            </a:xfrm>
+            <a:prstGeom prst="rect">
+              <a:avLst/>
+            </a:prstGeom>
+            <a:solidFill>
+              <a:schemeClr val="bg1"/>
+            </a:solidFill>
+            <a:ln>
+              <a:noFill/>
+            </a:ln>
+            <a:extLst>
+              <a:ext uri="{91240B29-F687-4F45-9708-019B960494DF}">
+                <a14:hiddenLine xmlns:a14="http://schemas.microsoft.com/office/drawing/2010/main" w="9525">
+                  <a:solidFill>
+                    <a:srgbClr val="000000"/>
+                  </a:solidFill>
+                  <a:miter lim="800000"/>
+                  <a:headEnd/>
+                  <a:tailEnd/>
+                </a14:hiddenLine>
+              </a:ext>
+            </a:extLst>
+          </p:spPr>
+          <p:txBody>
+            <a:bodyPr wrap="square">
+              <a:spAutoFit/>
+            </a:bodyPr>
+            <a:lstStyle>
+              <a:lvl1pPr>
+                <a:defRPr sz="3200">
+                  <a:solidFill>
+                    <a:schemeClr val="tx1"/>
+                  </a:solidFill>
+                  <a:latin typeface="Tahoma" panose="020B0604030504040204" pitchFamily="34" charset="0"/>
+                  <a:ea typeface="ＭＳ Ｐゴシック" panose="020B0600070205080204" pitchFamily="34" charset="-128"/>
+                </a:defRPr>
+              </a:lvl1pPr>
+              <a:lvl2pPr marL="742950" indent="-285750">
+                <a:defRPr sz="3200">
+                  <a:solidFill>
+                    <a:schemeClr val="tx1"/>
+                  </a:solidFill>
+                  <a:latin typeface="Tahoma" panose="020B0604030504040204" pitchFamily="34" charset="0"/>
+                  <a:ea typeface="ＭＳ Ｐゴシック" panose="020B0600070205080204" pitchFamily="34" charset="-128"/>
+                </a:defRPr>
+              </a:lvl2pPr>
+              <a:lvl3pPr marL="1143000" indent="-228600">
+                <a:defRPr sz="3200">
+                  <a:solidFill>
+                    <a:schemeClr val="tx1"/>
+                  </a:solidFill>
+                  <a:latin typeface="Tahoma" panose="020B0604030504040204" pitchFamily="34" charset="0"/>
+                  <a:ea typeface="ＭＳ Ｐゴシック" panose="020B0600070205080204" pitchFamily="34" charset="-128"/>
+                </a:defRPr>
+              </a:lvl3pPr>
+              <a:lvl4pPr marL="1600200" indent="-228600">
+                <a:defRPr sz="3200">
+                  <a:solidFill>
+                    <a:schemeClr val="tx1"/>
+                  </a:solidFill>
+                  <a:latin typeface="Tahoma" panose="020B0604030504040204" pitchFamily="34" charset="0"/>
+                  <a:ea typeface="ＭＳ Ｐゴシック" panose="020B0600070205080204" pitchFamily="34" charset="-128"/>
+                </a:defRPr>
+              </a:lvl4pPr>
+              <a:lvl5pPr marL="2057400" indent="-228600">
+                <a:defRPr sz="3200">
+                  <a:solidFill>
+                    <a:schemeClr val="tx1"/>
+                  </a:solidFill>
+                  <a:latin typeface="Tahoma" panose="020B0604030504040204" pitchFamily="34" charset="0"/>
+                  <a:ea typeface="ＭＳ Ｐゴシック" panose="020B0600070205080204" pitchFamily="34" charset="-128"/>
+                </a:defRPr>
+              </a:lvl5pPr>
+              <a:lvl6pPr marL="2514600" indent="-228600" eaLnBrk="0" fontAlgn="base" hangingPunct="0">
+                <a:spcBef>
+                  <a:spcPct val="0"/>
+                </a:spcBef>
+                <a:spcAft>
+                  <a:spcPct val="0"/>
+                </a:spcAft>
+                <a:defRPr sz="3200">
+                  <a:solidFill>
+                    <a:schemeClr val="tx1"/>
+                  </a:solidFill>
+                  <a:latin typeface="Tahoma" panose="020B0604030504040204" pitchFamily="34" charset="0"/>
+                  <a:ea typeface="ＭＳ Ｐゴシック" panose="020B0600070205080204" pitchFamily="34" charset="-128"/>
+                </a:defRPr>
+              </a:lvl6pPr>
+              <a:lvl7pPr marL="2971800" indent="-228600" eaLnBrk="0" fontAlgn="base" hangingPunct="0">
+                <a:spcBef>
+                  <a:spcPct val="0"/>
+                </a:spcBef>
+                <a:spcAft>
+                  <a:spcPct val="0"/>
+                </a:spcAft>
+                <a:defRPr sz="3200">
+                  <a:solidFill>
+                    <a:schemeClr val="tx1"/>
+                  </a:solidFill>
+                  <a:latin typeface="Tahoma" panose="020B0604030504040204" pitchFamily="34" charset="0"/>
+                  <a:ea typeface="ＭＳ Ｐゴシック" panose="020B0600070205080204" pitchFamily="34" charset="-128"/>
+                </a:defRPr>
+              </a:lvl7pPr>
+              <a:lvl8pPr marL="3429000" indent="-228600" eaLnBrk="0" fontAlgn="base" hangingPunct="0">
+                <a:spcBef>
+                  <a:spcPct val="0"/>
+                </a:spcBef>
+                <a:spcAft>
+                  <a:spcPct val="0"/>
+                </a:spcAft>
+                <a:defRPr sz="3200">
+                  <a:solidFill>
+                    <a:schemeClr val="tx1"/>
+                  </a:solidFill>
+                  <a:latin typeface="Tahoma" panose="020B0604030504040204" pitchFamily="34" charset="0"/>
+                  <a:ea typeface="ＭＳ Ｐゴシック" panose="020B0600070205080204" pitchFamily="34" charset="-128"/>
+                </a:defRPr>
+              </a:lvl8pPr>
+              <a:lvl9pPr marL="3886200" indent="-228600" eaLnBrk="0" fontAlgn="base" hangingPunct="0">
+                <a:spcBef>
+                  <a:spcPct val="0"/>
+                </a:spcBef>
+                <a:spcAft>
+                  <a:spcPct val="0"/>
+                </a:spcAft>
+                <a:defRPr sz="3200">
+                  <a:solidFill>
+                    <a:schemeClr val="tx1"/>
+                  </a:solidFill>
+                  <a:latin typeface="Tahoma" panose="020B0604030504040204" pitchFamily="34" charset="0"/>
+                  <a:ea typeface="ＭＳ Ｐゴシック" panose="020B0600070205080204" pitchFamily="34" charset="-128"/>
+                </a:defRPr>
+              </a:lvl9pPr>
+            </a:lstStyle>
+            <a:p>
+              <a:pPr>
+                <a:spcBef>
+                  <a:spcPct val="50000"/>
+                </a:spcBef>
+              </a:pPr>
+              <a:r>
+                <a:rPr lang="en-US" altLang="en-US" sz="2000" dirty="0">
+                  <a:latin typeface="Trebuchet MS" panose="020B0703020202090204" pitchFamily="34" charset="0"/>
+                </a:rPr>
+                <a:t>Package</a:t>
+              </a:r>
+            </a:p>
+          </p:txBody>
+        </p:sp>
+      </p:grpSp>
+      <p:sp>
+        <p:nvSpPr>
+          <p:cNvPr id="33801" name="AutoShape 9">
+            <a:extLst>
+              <a:ext uri="{FF2B5EF4-FFF2-40B4-BE49-F238E27FC236}">
+                <a16:creationId xmlns:a16="http://schemas.microsoft.com/office/drawing/2014/main" id="{D977F1C6-B0E4-4818-BFA1-14E06336B216}"/>
+              </a:ext>
+            </a:extLst>
+          </p:cNvPr>
+          <p:cNvSpPr>
+            <a:spLocks noChangeArrowheads="1"/>
+          </p:cNvSpPr>
+          <p:nvPr/>
+        </p:nvSpPr>
+        <p:spPr bwMode="auto">
+          <a:xfrm>
+            <a:off x="4109182" y="3292417"/>
+            <a:ext cx="647700" cy="657113"/>
+          </a:xfrm>
+          <a:prstGeom prst="flowChartDocument">
+            <a:avLst/>
+          </a:prstGeom>
+          <a:solidFill>
+            <a:schemeClr val="accent1"/>
+          </a:solidFill>
+          <a:ln w="19050">
+            <a:solidFill>
+              <a:schemeClr val="tx1"/>
+            </a:solidFill>
+            <a:miter lim="800000"/>
+            <a:headEnd/>
+            <a:tailEnd/>
+          </a:ln>
+        </p:spPr>
+        <p:txBody>
+          <a:bodyPr wrap="none" anchor="ctr"/>
+          <a:lstStyle>
+            <a:lvl1pPr>
+              <a:defRPr sz="3200">
+                <a:solidFill>
+                  <a:schemeClr val="tx1"/>
+                </a:solidFill>
+                <a:latin typeface="Tahoma" panose="020B0604030504040204" pitchFamily="34" charset="0"/>
+                <a:ea typeface="ＭＳ Ｐゴシック" panose="020B0600070205080204" pitchFamily="34" charset="-128"/>
+              </a:defRPr>
+            </a:lvl1pPr>
+            <a:lvl2pPr marL="742950" indent="-285750">
+              <a:defRPr sz="3200">
+                <a:solidFill>
+                  <a:schemeClr val="tx1"/>
+                </a:solidFill>
+                <a:latin typeface="Tahoma" panose="020B0604030504040204" pitchFamily="34" charset="0"/>
+                <a:ea typeface="ＭＳ Ｐゴシック" panose="020B0600070205080204" pitchFamily="34" charset="-128"/>
+              </a:defRPr>
+            </a:lvl2pPr>
+            <a:lvl3pPr marL="1143000" indent="-228600">
+              <a:defRPr sz="3200">
+                <a:solidFill>
+                  <a:schemeClr val="tx1"/>
+                </a:solidFill>
+                <a:latin typeface="Tahoma" panose="020B0604030504040204" pitchFamily="34" charset="0"/>
+                <a:ea typeface="ＭＳ Ｐゴシック" panose="020B0600070205080204" pitchFamily="34" charset="-128"/>
+              </a:defRPr>
+            </a:lvl3pPr>
+            <a:lvl4pPr marL="1600200" indent="-228600">
+              <a:defRPr sz="3200">
+                <a:solidFill>
+                  <a:schemeClr val="tx1"/>
+                </a:solidFill>
+                <a:latin typeface="Tahoma" panose="020B0604030504040204" pitchFamily="34" charset="0"/>
+                <a:ea typeface="ＭＳ Ｐゴシック" panose="020B0600070205080204" pitchFamily="34" charset="-128"/>
+              </a:defRPr>
+            </a:lvl4pPr>
+            <a:lvl5pPr marL="2057400" indent="-228600">
+              <a:defRPr sz="3200">
+                <a:solidFill>
+                  <a:schemeClr val="tx1"/>
+                </a:solidFill>
+                <a:latin typeface="Tahoma" panose="020B0604030504040204" pitchFamily="34" charset="0"/>
+                <a:ea typeface="ＭＳ Ｐゴシック" panose="020B0600070205080204" pitchFamily="34" charset="-128"/>
+              </a:defRPr>
+            </a:lvl5pPr>
+            <a:lvl6pPr marL="2514600" indent="-228600" eaLnBrk="0" fontAlgn="base" hangingPunct="0">
+              <a:spcBef>
+                <a:spcPct val="0"/>
+              </a:spcBef>
+              <a:spcAft>
+                <a:spcPct val="0"/>
+              </a:spcAft>
+              <a:defRPr sz="3200">
+                <a:solidFill>
+                  <a:schemeClr val="tx1"/>
+                </a:solidFill>
+                <a:latin typeface="Tahoma" panose="020B0604030504040204" pitchFamily="34" charset="0"/>
+                <a:ea typeface="ＭＳ Ｐゴシック" panose="020B0600070205080204" pitchFamily="34" charset="-128"/>
+              </a:defRPr>
+            </a:lvl6pPr>
+            <a:lvl7pPr marL="2971800" indent="-228600" eaLnBrk="0" fontAlgn="base" hangingPunct="0">
+              <a:spcBef>
+                <a:spcPct val="0"/>
+              </a:spcBef>
+              <a:spcAft>
+                <a:spcPct val="0"/>
+              </a:spcAft>
+              <a:defRPr sz="3200">
+                <a:solidFill>
+                  <a:schemeClr val="tx1"/>
+                </a:solidFill>
+                <a:latin typeface="Tahoma" panose="020B0604030504040204" pitchFamily="34" charset="0"/>
+                <a:ea typeface="ＭＳ Ｐゴシック" panose="020B0600070205080204" pitchFamily="34" charset="-128"/>
+              </a:defRPr>
+            </a:lvl7pPr>
+            <a:lvl8pPr marL="3429000" indent="-228600" eaLnBrk="0" fontAlgn="base" hangingPunct="0">
+              <a:spcBef>
+                <a:spcPct val="0"/>
+              </a:spcBef>
+              <a:spcAft>
+                <a:spcPct val="0"/>
+              </a:spcAft>
+              <a:defRPr sz="3200">
+                <a:solidFill>
+                  <a:schemeClr val="tx1"/>
+                </a:solidFill>
+                <a:latin typeface="Tahoma" panose="020B0604030504040204" pitchFamily="34" charset="0"/>
+                <a:ea typeface="ＭＳ Ｐゴシック" panose="020B0600070205080204" pitchFamily="34" charset="-128"/>
+              </a:defRPr>
+            </a:lvl8pPr>
+            <a:lvl9pPr marL="3886200" indent="-228600" eaLnBrk="0" fontAlgn="base" hangingPunct="0">
+              <a:spcBef>
+                <a:spcPct val="0"/>
+              </a:spcBef>
+              <a:spcAft>
+                <a:spcPct val="0"/>
+              </a:spcAft>
+              <a:defRPr sz="3200">
+                <a:solidFill>
+                  <a:schemeClr val="tx1"/>
+                </a:solidFill>
+                <a:latin typeface="Tahoma" panose="020B0604030504040204" pitchFamily="34" charset="0"/>
+                <a:ea typeface="ＭＳ Ｐゴシック" panose="020B0600070205080204" pitchFamily="34" charset="-128"/>
+              </a:defRPr>
+            </a:lvl9pPr>
+          </a:lstStyle>
+          <a:p>
+            <a:endParaRPr lang="en-US" altLang="en-US"/>
+          </a:p>
+        </p:txBody>
+      </p:sp>
+      <p:sp>
+        <p:nvSpPr>
+          <p:cNvPr id="33802" name="AutoShape 9">
+            <a:extLst>
+              <a:ext uri="{FF2B5EF4-FFF2-40B4-BE49-F238E27FC236}">
+                <a16:creationId xmlns:a16="http://schemas.microsoft.com/office/drawing/2014/main" id="{A0E6F0DE-2C2A-1064-491B-BA5BCAA98EC5}"/>
+              </a:ext>
+            </a:extLst>
+          </p:cNvPr>
+          <p:cNvSpPr>
+            <a:spLocks noChangeArrowheads="1"/>
+          </p:cNvSpPr>
+          <p:nvPr/>
+        </p:nvSpPr>
+        <p:spPr bwMode="auto">
+          <a:xfrm>
+            <a:off x="4111104" y="4082200"/>
+            <a:ext cx="647700" cy="657113"/>
+          </a:xfrm>
+          <a:prstGeom prst="flowChartDocument">
+            <a:avLst/>
+          </a:prstGeom>
+          <a:solidFill>
+            <a:schemeClr val="accent1"/>
+          </a:solidFill>
+          <a:ln w="19050">
+            <a:solidFill>
+              <a:schemeClr val="tx1"/>
+            </a:solidFill>
+            <a:miter lim="800000"/>
+            <a:headEnd/>
+            <a:tailEnd/>
+          </a:ln>
+        </p:spPr>
+        <p:txBody>
+          <a:bodyPr wrap="none" anchor="ctr"/>
+          <a:lstStyle>
+            <a:lvl1pPr>
+              <a:defRPr sz="3200">
+                <a:solidFill>
+                  <a:schemeClr val="tx1"/>
+                </a:solidFill>
+                <a:latin typeface="Tahoma" panose="020B0604030504040204" pitchFamily="34" charset="0"/>
+                <a:ea typeface="ＭＳ Ｐゴシック" panose="020B0600070205080204" pitchFamily="34" charset="-128"/>
+              </a:defRPr>
+            </a:lvl1pPr>
+            <a:lvl2pPr marL="742950" indent="-285750">
+              <a:defRPr sz="3200">
+                <a:solidFill>
+                  <a:schemeClr val="tx1"/>
+                </a:solidFill>
+                <a:latin typeface="Tahoma" panose="020B0604030504040204" pitchFamily="34" charset="0"/>
+                <a:ea typeface="ＭＳ Ｐゴシック" panose="020B0600070205080204" pitchFamily="34" charset="-128"/>
+              </a:defRPr>
+            </a:lvl2pPr>
+            <a:lvl3pPr marL="1143000" indent="-228600">
+              <a:defRPr sz="3200">
+                <a:solidFill>
+                  <a:schemeClr val="tx1"/>
+                </a:solidFill>
+                <a:latin typeface="Tahoma" panose="020B0604030504040204" pitchFamily="34" charset="0"/>
+                <a:ea typeface="ＭＳ Ｐゴシック" panose="020B0600070205080204" pitchFamily="34" charset="-128"/>
+              </a:defRPr>
+            </a:lvl3pPr>
+            <a:lvl4pPr marL="1600200" indent="-228600">
+              <a:defRPr sz="3200">
+                <a:solidFill>
+                  <a:schemeClr val="tx1"/>
+                </a:solidFill>
+                <a:latin typeface="Tahoma" panose="020B0604030504040204" pitchFamily="34" charset="0"/>
+                <a:ea typeface="ＭＳ Ｐゴシック" panose="020B0600070205080204" pitchFamily="34" charset="-128"/>
+              </a:defRPr>
+            </a:lvl4pPr>
+            <a:lvl5pPr marL="2057400" indent="-228600">
+              <a:defRPr sz="3200">
+                <a:solidFill>
+                  <a:schemeClr val="tx1"/>
+                </a:solidFill>
+                <a:latin typeface="Tahoma" panose="020B0604030504040204" pitchFamily="34" charset="0"/>
+                <a:ea typeface="ＭＳ Ｐゴシック" panose="020B0600070205080204" pitchFamily="34" charset="-128"/>
+              </a:defRPr>
+            </a:lvl5pPr>
+            <a:lvl6pPr marL="2514600" indent="-228600" eaLnBrk="0" fontAlgn="base" hangingPunct="0">
+              <a:spcBef>
+                <a:spcPct val="0"/>
+              </a:spcBef>
+              <a:spcAft>
+                <a:spcPct val="0"/>
+              </a:spcAft>
+              <a:defRPr sz="3200">
+                <a:solidFill>
+                  <a:schemeClr val="tx1"/>
+                </a:solidFill>
+                <a:latin typeface="Tahoma" panose="020B0604030504040204" pitchFamily="34" charset="0"/>
+                <a:ea typeface="ＭＳ Ｐゴシック" panose="020B0600070205080204" pitchFamily="34" charset="-128"/>
+              </a:defRPr>
+            </a:lvl6pPr>
+            <a:lvl7pPr marL="2971800" indent="-228600" eaLnBrk="0" fontAlgn="base" hangingPunct="0">
+              <a:spcBef>
+                <a:spcPct val="0"/>
+              </a:spcBef>
+              <a:spcAft>
+                <a:spcPct val="0"/>
+              </a:spcAft>
+              <a:defRPr sz="3200">
+                <a:solidFill>
+                  <a:schemeClr val="tx1"/>
+                </a:solidFill>
+                <a:latin typeface="Tahoma" panose="020B0604030504040204" pitchFamily="34" charset="0"/>
+                <a:ea typeface="ＭＳ Ｐゴシック" panose="020B0600070205080204" pitchFamily="34" charset="-128"/>
+              </a:defRPr>
+            </a:lvl7pPr>
+            <a:lvl8pPr marL="3429000" indent="-228600" eaLnBrk="0" fontAlgn="base" hangingPunct="0">
+              <a:spcBef>
+                <a:spcPct val="0"/>
+              </a:spcBef>
+              <a:spcAft>
+                <a:spcPct val="0"/>
+              </a:spcAft>
+              <a:defRPr sz="3200">
+                <a:solidFill>
+                  <a:schemeClr val="tx1"/>
+                </a:solidFill>
+                <a:latin typeface="Tahoma" panose="020B0604030504040204" pitchFamily="34" charset="0"/>
+                <a:ea typeface="ＭＳ Ｐゴシック" panose="020B0600070205080204" pitchFamily="34" charset="-128"/>
+              </a:defRPr>
+            </a:lvl8pPr>
+            <a:lvl9pPr marL="3886200" indent="-228600" eaLnBrk="0" fontAlgn="base" hangingPunct="0">
+              <a:spcBef>
+                <a:spcPct val="0"/>
+              </a:spcBef>
+              <a:spcAft>
+                <a:spcPct val="0"/>
+              </a:spcAft>
+              <a:defRPr sz="3200">
+                <a:solidFill>
+                  <a:schemeClr val="tx1"/>
+                </a:solidFill>
+                <a:latin typeface="Tahoma" panose="020B0604030504040204" pitchFamily="34" charset="0"/>
+                <a:ea typeface="ＭＳ Ｐゴシック" panose="020B0600070205080204" pitchFamily="34" charset="-128"/>
+              </a:defRPr>
+            </a:lvl9pPr>
+          </a:lstStyle>
+          <a:p>
+            <a:endParaRPr lang="en-US" altLang="en-US"/>
+          </a:p>
+        </p:txBody>
+      </p:sp>
+      <p:sp>
+        <p:nvSpPr>
+          <p:cNvPr id="33803" name="Text Box 13">
+            <a:extLst>
+              <a:ext uri="{FF2B5EF4-FFF2-40B4-BE49-F238E27FC236}">
+                <a16:creationId xmlns:a16="http://schemas.microsoft.com/office/drawing/2014/main" id="{8DE68299-0D45-0CEC-9F72-F6BD3A7CFDFF}"/>
+              </a:ext>
+            </a:extLst>
+          </p:cNvPr>
+          <p:cNvSpPr txBox="1">
+            <a:spLocks noChangeArrowheads="1"/>
+          </p:cNvSpPr>
+          <p:nvPr/>
+        </p:nvSpPr>
+        <p:spPr bwMode="auto">
+          <a:xfrm>
+            <a:off x="4134149" y="3357865"/>
+            <a:ext cx="647700" cy="338513"/>
+          </a:xfrm>
+          <a:prstGeom prst="rect">
+            <a:avLst/>
+          </a:prstGeom>
+          <a:noFill/>
+          <a:ln>
+            <a:noFill/>
+          </a:ln>
+          <a:extLst>
+            <a:ext uri="{909E8E84-426E-40DD-AFC4-6F175D3DCCD1}">
+              <a14:hiddenFill xmlns:a14="http://schemas.microsoft.com/office/drawing/2010/main">
+                <a:solidFill>
+                  <a:srgbClr val="FFFFFF"/>
+                </a:solidFill>
+              </a14:hiddenFill>
+            </a:ext>
+            <a:ext uri="{91240B29-F687-4F45-9708-019B960494DF}">
+              <a14:hiddenLine xmlns:a14="http://schemas.microsoft.com/office/drawing/2010/main" w="9525">
+                <a:solidFill>
+                  <a:srgbClr val="000000"/>
+                </a:solidFill>
+                <a:miter lim="800000"/>
+                <a:headEnd/>
+                <a:tailEnd/>
+              </a14:hiddenLine>
+            </a:ext>
+          </a:extLst>
+        </p:spPr>
+        <p:txBody>
+          <a:bodyPr wrap="square">
+            <a:spAutoFit/>
+          </a:bodyPr>
+          <a:lstStyle>
+            <a:lvl1pPr>
+              <a:defRPr sz="3200">
+                <a:solidFill>
+                  <a:schemeClr val="tx1"/>
+                </a:solidFill>
+                <a:latin typeface="Tahoma" panose="020B0604030504040204" pitchFamily="34" charset="0"/>
+                <a:ea typeface="ＭＳ Ｐゴシック" panose="020B0600070205080204" pitchFamily="34" charset="-128"/>
+              </a:defRPr>
+            </a:lvl1pPr>
+            <a:lvl2pPr marL="742950" indent="-285750">
+              <a:defRPr sz="3200">
+                <a:solidFill>
+                  <a:schemeClr val="tx1"/>
+                </a:solidFill>
+                <a:latin typeface="Tahoma" panose="020B0604030504040204" pitchFamily="34" charset="0"/>
+                <a:ea typeface="ＭＳ Ｐゴシック" panose="020B0600070205080204" pitchFamily="34" charset="-128"/>
+              </a:defRPr>
+            </a:lvl2pPr>
+            <a:lvl3pPr marL="1143000" indent="-228600">
+              <a:defRPr sz="3200">
+                <a:solidFill>
+                  <a:schemeClr val="tx1"/>
+                </a:solidFill>
+                <a:latin typeface="Tahoma" panose="020B0604030504040204" pitchFamily="34" charset="0"/>
+                <a:ea typeface="ＭＳ Ｐゴシック" panose="020B0600070205080204" pitchFamily="34" charset="-128"/>
+              </a:defRPr>
+            </a:lvl3pPr>
+            <a:lvl4pPr marL="1600200" indent="-228600">
+              <a:defRPr sz="3200">
+                <a:solidFill>
+                  <a:schemeClr val="tx1"/>
+                </a:solidFill>
+                <a:latin typeface="Tahoma" panose="020B0604030504040204" pitchFamily="34" charset="0"/>
+                <a:ea typeface="ＭＳ Ｐゴシック" panose="020B0600070205080204" pitchFamily="34" charset="-128"/>
+              </a:defRPr>
+            </a:lvl4pPr>
+            <a:lvl5pPr marL="2057400" indent="-228600">
+              <a:defRPr sz="3200">
+                <a:solidFill>
+                  <a:schemeClr val="tx1"/>
+                </a:solidFill>
+                <a:latin typeface="Tahoma" panose="020B0604030504040204" pitchFamily="34" charset="0"/>
+                <a:ea typeface="ＭＳ Ｐゴシック" panose="020B0600070205080204" pitchFamily="34" charset="-128"/>
+              </a:defRPr>
+            </a:lvl5pPr>
+            <a:lvl6pPr marL="2514600" indent="-228600" eaLnBrk="0" fontAlgn="base" hangingPunct="0">
+              <a:spcBef>
+                <a:spcPct val="0"/>
+              </a:spcBef>
+              <a:spcAft>
+                <a:spcPct val="0"/>
+              </a:spcAft>
+              <a:defRPr sz="3200">
+                <a:solidFill>
+                  <a:schemeClr val="tx1"/>
+                </a:solidFill>
+                <a:latin typeface="Tahoma" panose="020B0604030504040204" pitchFamily="34" charset="0"/>
+                <a:ea typeface="ＭＳ Ｐゴシック" panose="020B0600070205080204" pitchFamily="34" charset="-128"/>
+              </a:defRPr>
+            </a:lvl6pPr>
+            <a:lvl7pPr marL="2971800" indent="-228600" eaLnBrk="0" fontAlgn="base" hangingPunct="0">
+              <a:spcBef>
+                <a:spcPct val="0"/>
+              </a:spcBef>
+              <a:spcAft>
+                <a:spcPct val="0"/>
+              </a:spcAft>
+              <a:defRPr sz="3200">
+                <a:solidFill>
+                  <a:schemeClr val="tx1"/>
+                </a:solidFill>
+                <a:latin typeface="Tahoma" panose="020B0604030504040204" pitchFamily="34" charset="0"/>
+                <a:ea typeface="ＭＳ Ｐゴシック" panose="020B0600070205080204" pitchFamily="34" charset="-128"/>
+              </a:defRPr>
+            </a:lvl7pPr>
+            <a:lvl8pPr marL="3429000" indent="-228600" eaLnBrk="0" fontAlgn="base" hangingPunct="0">
+              <a:spcBef>
+                <a:spcPct val="0"/>
+              </a:spcBef>
+              <a:spcAft>
+                <a:spcPct val="0"/>
+              </a:spcAft>
+              <a:defRPr sz="3200">
+                <a:solidFill>
+                  <a:schemeClr val="tx1"/>
+                </a:solidFill>
+                <a:latin typeface="Tahoma" panose="020B0604030504040204" pitchFamily="34" charset="0"/>
+                <a:ea typeface="ＭＳ Ｐゴシック" panose="020B0600070205080204" pitchFamily="34" charset="-128"/>
+              </a:defRPr>
+            </a:lvl8pPr>
+            <a:lvl9pPr marL="3886200" indent="-228600" eaLnBrk="0" fontAlgn="base" hangingPunct="0">
+              <a:spcBef>
+                <a:spcPct val="0"/>
+              </a:spcBef>
+              <a:spcAft>
+                <a:spcPct val="0"/>
+              </a:spcAft>
+              <a:defRPr sz="3200">
+                <a:solidFill>
+                  <a:schemeClr val="tx1"/>
+                </a:solidFill>
+                <a:latin typeface="Tahoma" panose="020B0604030504040204" pitchFamily="34" charset="0"/>
+                <a:ea typeface="ＭＳ Ｐゴシック" panose="020B0600070205080204" pitchFamily="34" charset="-128"/>
+              </a:defRPr>
+            </a:lvl9pPr>
+          </a:lstStyle>
+          <a:p>
+            <a:pPr>
+              <a:spcBef>
+                <a:spcPct val="50000"/>
+              </a:spcBef>
+            </a:pPr>
+            <a:r>
+              <a:rPr lang="en-US" altLang="en-US" sz="1600" dirty="0">
+                <a:latin typeface="Trebuchet MS" panose="020B0703020202090204" pitchFamily="34" charset="0"/>
+              </a:rPr>
+              <a:t>File</a:t>
+            </a:r>
+          </a:p>
+        </p:txBody>
+      </p:sp>
+      <p:sp>
+        <p:nvSpPr>
+          <p:cNvPr id="33804" name="Text Box 13">
+            <a:extLst>
+              <a:ext uri="{FF2B5EF4-FFF2-40B4-BE49-F238E27FC236}">
+                <a16:creationId xmlns:a16="http://schemas.microsoft.com/office/drawing/2014/main" id="{B42B2925-F0A5-DAB0-41FE-5CA3243F13C7}"/>
+              </a:ext>
+            </a:extLst>
+          </p:cNvPr>
+          <p:cNvSpPr txBox="1">
+            <a:spLocks noChangeArrowheads="1"/>
+          </p:cNvSpPr>
+          <p:nvPr/>
+        </p:nvSpPr>
+        <p:spPr bwMode="auto">
+          <a:xfrm>
+            <a:off x="4072329" y="4107777"/>
+            <a:ext cx="647700" cy="338513"/>
+          </a:xfrm>
+          <a:prstGeom prst="rect">
+            <a:avLst/>
+          </a:prstGeom>
+          <a:noFill/>
+          <a:ln>
+            <a:noFill/>
+          </a:ln>
+          <a:extLst>
+            <a:ext uri="{909E8E84-426E-40DD-AFC4-6F175D3DCCD1}">
+              <a14:hiddenFill xmlns:a14="http://schemas.microsoft.com/office/drawing/2010/main">
+                <a:solidFill>
+                  <a:srgbClr val="FFFFFF"/>
+                </a:solidFill>
+              </a14:hiddenFill>
+            </a:ext>
+            <a:ext uri="{91240B29-F687-4F45-9708-019B960494DF}">
+              <a14:hiddenLine xmlns:a14="http://schemas.microsoft.com/office/drawing/2010/main" w="9525">
+                <a:solidFill>
+                  <a:srgbClr val="000000"/>
+                </a:solidFill>
+                <a:miter lim="800000"/>
+                <a:headEnd/>
+                <a:tailEnd/>
+              </a14:hiddenLine>
+            </a:ext>
+          </a:extLst>
+        </p:spPr>
+        <p:txBody>
+          <a:bodyPr wrap="square">
+            <a:spAutoFit/>
+          </a:bodyPr>
+          <a:lstStyle>
+            <a:lvl1pPr>
+              <a:defRPr sz="3200">
+                <a:solidFill>
+                  <a:schemeClr val="tx1"/>
+                </a:solidFill>
+                <a:latin typeface="Tahoma" panose="020B0604030504040204" pitchFamily="34" charset="0"/>
+                <a:ea typeface="ＭＳ Ｐゴシック" panose="020B0600070205080204" pitchFamily="34" charset="-128"/>
+              </a:defRPr>
+            </a:lvl1pPr>
+            <a:lvl2pPr marL="742950" indent="-285750">
+              <a:defRPr sz="3200">
+                <a:solidFill>
+                  <a:schemeClr val="tx1"/>
+                </a:solidFill>
+                <a:latin typeface="Tahoma" panose="020B0604030504040204" pitchFamily="34" charset="0"/>
+                <a:ea typeface="ＭＳ Ｐゴシック" panose="020B0600070205080204" pitchFamily="34" charset="-128"/>
+              </a:defRPr>
+            </a:lvl2pPr>
+            <a:lvl3pPr marL="1143000" indent="-228600">
+              <a:defRPr sz="3200">
+                <a:solidFill>
+                  <a:schemeClr val="tx1"/>
+                </a:solidFill>
+                <a:latin typeface="Tahoma" panose="020B0604030504040204" pitchFamily="34" charset="0"/>
+                <a:ea typeface="ＭＳ Ｐゴシック" panose="020B0600070205080204" pitchFamily="34" charset="-128"/>
+              </a:defRPr>
+            </a:lvl3pPr>
+            <a:lvl4pPr marL="1600200" indent="-228600">
+              <a:defRPr sz="3200">
+                <a:solidFill>
+                  <a:schemeClr val="tx1"/>
+                </a:solidFill>
+                <a:latin typeface="Tahoma" panose="020B0604030504040204" pitchFamily="34" charset="0"/>
+                <a:ea typeface="ＭＳ Ｐゴシック" panose="020B0600070205080204" pitchFamily="34" charset="-128"/>
+              </a:defRPr>
+            </a:lvl4pPr>
+            <a:lvl5pPr marL="2057400" indent="-228600">
+              <a:defRPr sz="3200">
+                <a:solidFill>
+                  <a:schemeClr val="tx1"/>
+                </a:solidFill>
+                <a:latin typeface="Tahoma" panose="020B0604030504040204" pitchFamily="34" charset="0"/>
+                <a:ea typeface="ＭＳ Ｐゴシック" panose="020B0600070205080204" pitchFamily="34" charset="-128"/>
+              </a:defRPr>
+            </a:lvl5pPr>
+            <a:lvl6pPr marL="2514600" indent="-228600" eaLnBrk="0" fontAlgn="base" hangingPunct="0">
+              <a:spcBef>
+                <a:spcPct val="0"/>
+              </a:spcBef>
+              <a:spcAft>
+                <a:spcPct val="0"/>
+              </a:spcAft>
+              <a:defRPr sz="3200">
+                <a:solidFill>
+                  <a:schemeClr val="tx1"/>
+                </a:solidFill>
+                <a:latin typeface="Tahoma" panose="020B0604030504040204" pitchFamily="34" charset="0"/>
+                <a:ea typeface="ＭＳ Ｐゴシック" panose="020B0600070205080204" pitchFamily="34" charset="-128"/>
+              </a:defRPr>
+            </a:lvl6pPr>
+            <a:lvl7pPr marL="2971800" indent="-228600" eaLnBrk="0" fontAlgn="base" hangingPunct="0">
+              <a:spcBef>
+                <a:spcPct val="0"/>
+              </a:spcBef>
+              <a:spcAft>
+                <a:spcPct val="0"/>
+              </a:spcAft>
+              <a:defRPr sz="3200">
+                <a:solidFill>
+                  <a:schemeClr val="tx1"/>
+                </a:solidFill>
+                <a:latin typeface="Tahoma" panose="020B0604030504040204" pitchFamily="34" charset="0"/>
+                <a:ea typeface="ＭＳ Ｐゴシック" panose="020B0600070205080204" pitchFamily="34" charset="-128"/>
+              </a:defRPr>
+            </a:lvl7pPr>
+            <a:lvl8pPr marL="3429000" indent="-228600" eaLnBrk="0" fontAlgn="base" hangingPunct="0">
+              <a:spcBef>
+                <a:spcPct val="0"/>
+              </a:spcBef>
+              <a:spcAft>
+                <a:spcPct val="0"/>
+              </a:spcAft>
+              <a:defRPr sz="3200">
+                <a:solidFill>
+                  <a:schemeClr val="tx1"/>
+                </a:solidFill>
+                <a:latin typeface="Tahoma" panose="020B0604030504040204" pitchFamily="34" charset="0"/>
+                <a:ea typeface="ＭＳ Ｐゴシック" panose="020B0600070205080204" pitchFamily="34" charset="-128"/>
+              </a:defRPr>
+            </a:lvl8pPr>
+            <a:lvl9pPr marL="3886200" indent="-228600" eaLnBrk="0" fontAlgn="base" hangingPunct="0">
+              <a:spcBef>
+                <a:spcPct val="0"/>
+              </a:spcBef>
+              <a:spcAft>
+                <a:spcPct val="0"/>
+              </a:spcAft>
+              <a:defRPr sz="3200">
+                <a:solidFill>
+                  <a:schemeClr val="tx1"/>
+                </a:solidFill>
+                <a:latin typeface="Tahoma" panose="020B0604030504040204" pitchFamily="34" charset="0"/>
+                <a:ea typeface="ＭＳ Ｐゴシック" panose="020B0600070205080204" pitchFamily="34" charset="-128"/>
+              </a:defRPr>
+            </a:lvl9pPr>
+          </a:lstStyle>
+          <a:p>
+            <a:pPr>
+              <a:spcBef>
+                <a:spcPct val="50000"/>
+              </a:spcBef>
+            </a:pPr>
+            <a:r>
+              <a:rPr lang="en-US" altLang="en-US" sz="1600" dirty="0">
+                <a:latin typeface="Trebuchet MS" panose="020B0703020202090204" pitchFamily="34" charset="0"/>
+              </a:rPr>
+              <a:t>File</a:t>
+            </a:r>
+          </a:p>
+        </p:txBody>
+      </p:sp>
+      <p:grpSp>
+        <p:nvGrpSpPr>
+          <p:cNvPr id="33810" name="Group 4">
+            <a:extLst>
+              <a:ext uri="{FF2B5EF4-FFF2-40B4-BE49-F238E27FC236}">
+                <a16:creationId xmlns:a16="http://schemas.microsoft.com/office/drawing/2014/main" id="{FD3ACF89-D9A8-5877-5DC8-FA241DA637D3}"/>
+              </a:ext>
+            </a:extLst>
+          </p:cNvPr>
+          <p:cNvGrpSpPr>
+            <a:grpSpLocks/>
+          </p:cNvGrpSpPr>
+          <p:nvPr/>
+        </p:nvGrpSpPr>
+        <p:grpSpPr bwMode="auto">
+          <a:xfrm>
+            <a:off x="5334000" y="2202396"/>
+            <a:ext cx="2818244" cy="729980"/>
+            <a:chOff x="528" y="165"/>
+            <a:chExt cx="3303" cy="3544"/>
+          </a:xfrm>
+        </p:grpSpPr>
+        <p:sp>
+          <p:nvSpPr>
+            <p:cNvPr id="33811" name="Rectangle 5">
+              <a:extLst>
+                <a:ext uri="{FF2B5EF4-FFF2-40B4-BE49-F238E27FC236}">
+                  <a16:creationId xmlns:a16="http://schemas.microsoft.com/office/drawing/2014/main" id="{33948F7C-4A19-7A40-BBC6-F192F61DF86B}"/>
+                </a:ext>
+              </a:extLst>
+            </p:cNvPr>
+            <p:cNvSpPr>
+              <a:spLocks noChangeArrowheads="1"/>
+            </p:cNvSpPr>
+            <p:nvPr/>
+          </p:nvSpPr>
+          <p:spPr bwMode="auto">
+            <a:xfrm>
+              <a:off x="528" y="857"/>
+              <a:ext cx="3303" cy="2852"/>
+            </a:xfrm>
+            <a:prstGeom prst="rect">
+              <a:avLst/>
+            </a:prstGeom>
+            <a:noFill/>
+            <a:ln w="19050">
+              <a:solidFill>
+                <a:schemeClr val="tx1"/>
+              </a:solidFill>
+              <a:miter lim="800000"/>
+              <a:headEnd/>
+              <a:tailEnd/>
+            </a:ln>
+            <a:extLst>
+              <a:ext uri="{909E8E84-426E-40DD-AFC4-6F175D3DCCD1}">
+                <a14:hiddenFill xmlns:a14="http://schemas.microsoft.com/office/drawing/2010/main">
+                  <a:solidFill>
+                    <a:srgbClr val="FFFFFF"/>
+                  </a:solidFill>
+                </a14:hiddenFill>
+              </a:ext>
+            </a:extLst>
+          </p:spPr>
+          <p:txBody>
+            <a:bodyPr wrap="none" anchor="ctr"/>
+            <a:lstStyle>
+              <a:lvl1pPr>
+                <a:defRPr sz="3200">
+                  <a:solidFill>
+                    <a:schemeClr val="tx1"/>
+                  </a:solidFill>
+                  <a:latin typeface="Tahoma" panose="020B0604030504040204" pitchFamily="34" charset="0"/>
+                  <a:ea typeface="ＭＳ Ｐゴシック" panose="020B0600070205080204" pitchFamily="34" charset="-128"/>
+                </a:defRPr>
+              </a:lvl1pPr>
+              <a:lvl2pPr marL="742950" indent="-285750">
+                <a:defRPr sz="3200">
+                  <a:solidFill>
+                    <a:schemeClr val="tx1"/>
+                  </a:solidFill>
+                  <a:latin typeface="Tahoma" panose="020B0604030504040204" pitchFamily="34" charset="0"/>
+                  <a:ea typeface="ＭＳ Ｐゴシック" panose="020B0600070205080204" pitchFamily="34" charset="-128"/>
+                </a:defRPr>
+              </a:lvl2pPr>
+              <a:lvl3pPr marL="1143000" indent="-228600">
+                <a:defRPr sz="3200">
+                  <a:solidFill>
+                    <a:schemeClr val="tx1"/>
+                  </a:solidFill>
+                  <a:latin typeface="Tahoma" panose="020B0604030504040204" pitchFamily="34" charset="0"/>
+                  <a:ea typeface="ＭＳ Ｐゴシック" panose="020B0600070205080204" pitchFamily="34" charset="-128"/>
+                </a:defRPr>
+              </a:lvl3pPr>
+              <a:lvl4pPr marL="1600200" indent="-228600">
+                <a:defRPr sz="3200">
+                  <a:solidFill>
+                    <a:schemeClr val="tx1"/>
+                  </a:solidFill>
+                  <a:latin typeface="Tahoma" panose="020B0604030504040204" pitchFamily="34" charset="0"/>
+                  <a:ea typeface="ＭＳ Ｐゴシック" panose="020B0600070205080204" pitchFamily="34" charset="-128"/>
+                </a:defRPr>
+              </a:lvl4pPr>
+              <a:lvl5pPr marL="2057400" indent="-228600">
+                <a:defRPr sz="3200">
+                  <a:solidFill>
+                    <a:schemeClr val="tx1"/>
+                  </a:solidFill>
+                  <a:latin typeface="Tahoma" panose="020B0604030504040204" pitchFamily="34" charset="0"/>
+                  <a:ea typeface="ＭＳ Ｐゴシック" panose="020B0600070205080204" pitchFamily="34" charset="-128"/>
+                </a:defRPr>
+              </a:lvl5pPr>
+              <a:lvl6pPr marL="2514600" indent="-228600" eaLnBrk="0" fontAlgn="base" hangingPunct="0">
+                <a:spcBef>
+                  <a:spcPct val="0"/>
+                </a:spcBef>
+                <a:spcAft>
+                  <a:spcPct val="0"/>
+                </a:spcAft>
+                <a:defRPr sz="3200">
+                  <a:solidFill>
+                    <a:schemeClr val="tx1"/>
+                  </a:solidFill>
+                  <a:latin typeface="Tahoma" panose="020B0604030504040204" pitchFamily="34" charset="0"/>
+                  <a:ea typeface="ＭＳ Ｐゴシック" panose="020B0600070205080204" pitchFamily="34" charset="-128"/>
+                </a:defRPr>
+              </a:lvl6pPr>
+              <a:lvl7pPr marL="2971800" indent="-228600" eaLnBrk="0" fontAlgn="base" hangingPunct="0">
+                <a:spcBef>
+                  <a:spcPct val="0"/>
+                </a:spcBef>
+                <a:spcAft>
+                  <a:spcPct val="0"/>
+                </a:spcAft>
+                <a:defRPr sz="3200">
+                  <a:solidFill>
+                    <a:schemeClr val="tx1"/>
+                  </a:solidFill>
+                  <a:latin typeface="Tahoma" panose="020B0604030504040204" pitchFamily="34" charset="0"/>
+                  <a:ea typeface="ＭＳ Ｐゴシック" panose="020B0600070205080204" pitchFamily="34" charset="-128"/>
+                </a:defRPr>
+              </a:lvl7pPr>
+              <a:lvl8pPr marL="3429000" indent="-228600" eaLnBrk="0" fontAlgn="base" hangingPunct="0">
+                <a:spcBef>
+                  <a:spcPct val="0"/>
+                </a:spcBef>
+                <a:spcAft>
+                  <a:spcPct val="0"/>
+                </a:spcAft>
+                <a:defRPr sz="3200">
+                  <a:solidFill>
+                    <a:schemeClr val="tx1"/>
+                  </a:solidFill>
+                  <a:latin typeface="Tahoma" panose="020B0604030504040204" pitchFamily="34" charset="0"/>
+                  <a:ea typeface="ＭＳ Ｐゴシック" panose="020B0600070205080204" pitchFamily="34" charset="-128"/>
+                </a:defRPr>
+              </a:lvl8pPr>
+              <a:lvl9pPr marL="3886200" indent="-228600" eaLnBrk="0" fontAlgn="base" hangingPunct="0">
+                <a:spcBef>
+                  <a:spcPct val="0"/>
+                </a:spcBef>
+                <a:spcAft>
+                  <a:spcPct val="0"/>
+                </a:spcAft>
+                <a:defRPr sz="3200">
+                  <a:solidFill>
+                    <a:schemeClr val="tx1"/>
+                  </a:solidFill>
+                  <a:latin typeface="Tahoma" panose="020B0604030504040204" pitchFamily="34" charset="0"/>
+                  <a:ea typeface="ＭＳ Ｐゴシック" panose="020B0600070205080204" pitchFamily="34" charset="-128"/>
+                </a:defRPr>
+              </a:lvl9pPr>
+            </a:lstStyle>
+            <a:p>
+              <a:endParaRPr lang="en-US" altLang="en-US" dirty="0"/>
+            </a:p>
+          </p:txBody>
+        </p:sp>
+        <p:sp>
+          <p:nvSpPr>
+            <p:cNvPr id="33812" name="Text Box 6">
+              <a:extLst>
+                <a:ext uri="{FF2B5EF4-FFF2-40B4-BE49-F238E27FC236}">
+                  <a16:creationId xmlns:a16="http://schemas.microsoft.com/office/drawing/2014/main" id="{84C0CCEF-3E0B-CC73-2963-4EECF4801D62}"/>
+                </a:ext>
+              </a:extLst>
+            </p:cNvPr>
+            <p:cNvSpPr txBox="1">
+              <a:spLocks noChangeArrowheads="1"/>
+            </p:cNvSpPr>
+            <p:nvPr/>
+          </p:nvSpPr>
+          <p:spPr bwMode="auto">
+            <a:xfrm>
+              <a:off x="1695" y="165"/>
+              <a:ext cx="1127" cy="1494"/>
+            </a:xfrm>
+            <a:prstGeom prst="rect">
+              <a:avLst/>
+            </a:prstGeom>
+            <a:solidFill>
+              <a:schemeClr val="bg1"/>
+            </a:solidFill>
+            <a:ln>
+              <a:noFill/>
+            </a:ln>
+            <a:extLst>
+              <a:ext uri="{91240B29-F687-4F45-9708-019B960494DF}">
+                <a14:hiddenLine xmlns:a14="http://schemas.microsoft.com/office/drawing/2010/main" w="9525">
+                  <a:solidFill>
+                    <a:srgbClr val="000000"/>
+                  </a:solidFill>
+                  <a:miter lim="800000"/>
+                  <a:headEnd/>
+                  <a:tailEnd/>
+                </a14:hiddenLine>
+              </a:ext>
+            </a:extLst>
+          </p:spPr>
+          <p:txBody>
+            <a:bodyPr wrap="square">
+              <a:spAutoFit/>
+            </a:bodyPr>
+            <a:lstStyle>
+              <a:lvl1pPr>
+                <a:defRPr sz="3200">
+                  <a:solidFill>
+                    <a:schemeClr val="tx1"/>
+                  </a:solidFill>
+                  <a:latin typeface="Tahoma" panose="020B0604030504040204" pitchFamily="34" charset="0"/>
+                  <a:ea typeface="ＭＳ Ｐゴシック" panose="020B0600070205080204" pitchFamily="34" charset="-128"/>
+                </a:defRPr>
+              </a:lvl1pPr>
+              <a:lvl2pPr marL="742950" indent="-285750">
+                <a:defRPr sz="3200">
+                  <a:solidFill>
+                    <a:schemeClr val="tx1"/>
+                  </a:solidFill>
+                  <a:latin typeface="Tahoma" panose="020B0604030504040204" pitchFamily="34" charset="0"/>
+                  <a:ea typeface="ＭＳ Ｐゴシック" panose="020B0600070205080204" pitchFamily="34" charset="-128"/>
+                </a:defRPr>
+              </a:lvl2pPr>
+              <a:lvl3pPr marL="1143000" indent="-228600">
+                <a:defRPr sz="3200">
+                  <a:solidFill>
+                    <a:schemeClr val="tx1"/>
+                  </a:solidFill>
+                  <a:latin typeface="Tahoma" panose="020B0604030504040204" pitchFamily="34" charset="0"/>
+                  <a:ea typeface="ＭＳ Ｐゴシック" panose="020B0600070205080204" pitchFamily="34" charset="-128"/>
+                </a:defRPr>
+              </a:lvl3pPr>
+              <a:lvl4pPr marL="1600200" indent="-228600">
+                <a:defRPr sz="3200">
+                  <a:solidFill>
+                    <a:schemeClr val="tx1"/>
+                  </a:solidFill>
+                  <a:latin typeface="Tahoma" panose="020B0604030504040204" pitchFamily="34" charset="0"/>
+                  <a:ea typeface="ＭＳ Ｐゴシック" panose="020B0600070205080204" pitchFamily="34" charset="-128"/>
+                </a:defRPr>
+              </a:lvl4pPr>
+              <a:lvl5pPr marL="2057400" indent="-228600">
+                <a:defRPr sz="3200">
+                  <a:solidFill>
+                    <a:schemeClr val="tx1"/>
+                  </a:solidFill>
+                  <a:latin typeface="Tahoma" panose="020B0604030504040204" pitchFamily="34" charset="0"/>
+                  <a:ea typeface="ＭＳ Ｐゴシック" panose="020B0600070205080204" pitchFamily="34" charset="-128"/>
+                </a:defRPr>
+              </a:lvl5pPr>
+              <a:lvl6pPr marL="2514600" indent="-228600" eaLnBrk="0" fontAlgn="base" hangingPunct="0">
+                <a:spcBef>
+                  <a:spcPct val="0"/>
+                </a:spcBef>
+                <a:spcAft>
+                  <a:spcPct val="0"/>
+                </a:spcAft>
+                <a:defRPr sz="3200">
+                  <a:solidFill>
+                    <a:schemeClr val="tx1"/>
+                  </a:solidFill>
+                  <a:latin typeface="Tahoma" panose="020B0604030504040204" pitchFamily="34" charset="0"/>
+                  <a:ea typeface="ＭＳ Ｐゴシック" panose="020B0600070205080204" pitchFamily="34" charset="-128"/>
+                </a:defRPr>
+              </a:lvl6pPr>
+              <a:lvl7pPr marL="2971800" indent="-228600" eaLnBrk="0" fontAlgn="base" hangingPunct="0">
+                <a:spcBef>
+                  <a:spcPct val="0"/>
+                </a:spcBef>
+                <a:spcAft>
+                  <a:spcPct val="0"/>
+                </a:spcAft>
+                <a:defRPr sz="3200">
+                  <a:solidFill>
+                    <a:schemeClr val="tx1"/>
+                  </a:solidFill>
+                  <a:latin typeface="Tahoma" panose="020B0604030504040204" pitchFamily="34" charset="0"/>
+                  <a:ea typeface="ＭＳ Ｐゴシック" panose="020B0600070205080204" pitchFamily="34" charset="-128"/>
+                </a:defRPr>
+              </a:lvl7pPr>
+              <a:lvl8pPr marL="3429000" indent="-228600" eaLnBrk="0" fontAlgn="base" hangingPunct="0">
+                <a:spcBef>
+                  <a:spcPct val="0"/>
+                </a:spcBef>
+                <a:spcAft>
+                  <a:spcPct val="0"/>
+                </a:spcAft>
+                <a:defRPr sz="3200">
+                  <a:solidFill>
+                    <a:schemeClr val="tx1"/>
+                  </a:solidFill>
+                  <a:latin typeface="Tahoma" panose="020B0604030504040204" pitchFamily="34" charset="0"/>
+                  <a:ea typeface="ＭＳ Ｐゴシック" panose="020B0600070205080204" pitchFamily="34" charset="-128"/>
+                </a:defRPr>
+              </a:lvl8pPr>
+              <a:lvl9pPr marL="3886200" indent="-228600" eaLnBrk="0" fontAlgn="base" hangingPunct="0">
+                <a:spcBef>
+                  <a:spcPct val="0"/>
+                </a:spcBef>
+                <a:spcAft>
+                  <a:spcPct val="0"/>
+                </a:spcAft>
+                <a:defRPr sz="3200">
+                  <a:solidFill>
+                    <a:schemeClr val="tx1"/>
+                  </a:solidFill>
+                  <a:latin typeface="Tahoma" panose="020B0604030504040204" pitchFamily="34" charset="0"/>
+                  <a:ea typeface="ＭＳ Ｐゴシック" panose="020B0600070205080204" pitchFamily="34" charset="-128"/>
+                </a:defRPr>
+              </a:lvl9pPr>
+            </a:lstStyle>
+            <a:p>
+              <a:pPr>
+                <a:spcBef>
+                  <a:spcPct val="50000"/>
+                </a:spcBef>
+              </a:pPr>
+              <a:r>
+                <a:rPr lang="en-US" altLang="en-US" sz="1400" dirty="0">
+                  <a:latin typeface="Trebuchet MS" panose="020B0703020202090204" pitchFamily="34" charset="0"/>
+                </a:rPr>
+                <a:t>Package</a:t>
+              </a:r>
+            </a:p>
+          </p:txBody>
+        </p:sp>
+      </p:grpSp>
+      <p:grpSp>
+        <p:nvGrpSpPr>
+          <p:cNvPr id="33813" name="Group 4">
+            <a:extLst>
+              <a:ext uri="{FF2B5EF4-FFF2-40B4-BE49-F238E27FC236}">
+                <a16:creationId xmlns:a16="http://schemas.microsoft.com/office/drawing/2014/main" id="{351FA34F-25C0-2AAF-DD3C-781F2AFB6381}"/>
+              </a:ext>
+            </a:extLst>
+          </p:cNvPr>
+          <p:cNvGrpSpPr>
+            <a:grpSpLocks/>
+          </p:cNvGrpSpPr>
+          <p:nvPr/>
+        </p:nvGrpSpPr>
+        <p:grpSpPr bwMode="auto">
+          <a:xfrm>
+            <a:off x="5486400" y="2507196"/>
+            <a:ext cx="2818244" cy="729980"/>
+            <a:chOff x="528" y="165"/>
+            <a:chExt cx="3303" cy="3544"/>
+          </a:xfrm>
+        </p:grpSpPr>
+        <p:sp>
+          <p:nvSpPr>
+            <p:cNvPr id="33814" name="Rectangle 5">
+              <a:extLst>
+                <a:ext uri="{FF2B5EF4-FFF2-40B4-BE49-F238E27FC236}">
+                  <a16:creationId xmlns:a16="http://schemas.microsoft.com/office/drawing/2014/main" id="{A1F049EE-5608-BFDC-8C6F-3DD38B2DAA47}"/>
+                </a:ext>
+              </a:extLst>
+            </p:cNvPr>
+            <p:cNvSpPr>
+              <a:spLocks noChangeArrowheads="1"/>
+            </p:cNvSpPr>
+            <p:nvPr/>
+          </p:nvSpPr>
+          <p:spPr bwMode="auto">
+            <a:xfrm>
+              <a:off x="528" y="857"/>
+              <a:ext cx="3303" cy="2852"/>
+            </a:xfrm>
+            <a:prstGeom prst="rect">
+              <a:avLst/>
+            </a:prstGeom>
+            <a:noFill/>
+            <a:ln w="19050">
+              <a:solidFill>
+                <a:schemeClr val="tx1"/>
+              </a:solidFill>
+              <a:miter lim="800000"/>
+              <a:headEnd/>
+              <a:tailEnd/>
+            </a:ln>
+            <a:extLst>
+              <a:ext uri="{909E8E84-426E-40DD-AFC4-6F175D3DCCD1}">
+                <a14:hiddenFill xmlns:a14="http://schemas.microsoft.com/office/drawing/2010/main">
+                  <a:solidFill>
+                    <a:srgbClr val="FFFFFF"/>
+                  </a:solidFill>
+                </a14:hiddenFill>
+              </a:ext>
+            </a:extLst>
+          </p:spPr>
+          <p:txBody>
+            <a:bodyPr wrap="none" anchor="ctr"/>
+            <a:lstStyle>
+              <a:lvl1pPr>
+                <a:defRPr sz="3200">
+                  <a:solidFill>
+                    <a:schemeClr val="tx1"/>
+                  </a:solidFill>
+                  <a:latin typeface="Tahoma" panose="020B0604030504040204" pitchFamily="34" charset="0"/>
+                  <a:ea typeface="ＭＳ Ｐゴシック" panose="020B0600070205080204" pitchFamily="34" charset="-128"/>
+                </a:defRPr>
+              </a:lvl1pPr>
+              <a:lvl2pPr marL="742950" indent="-285750">
+                <a:defRPr sz="3200">
+                  <a:solidFill>
+                    <a:schemeClr val="tx1"/>
+                  </a:solidFill>
+                  <a:latin typeface="Tahoma" panose="020B0604030504040204" pitchFamily="34" charset="0"/>
+                  <a:ea typeface="ＭＳ Ｐゴシック" panose="020B0600070205080204" pitchFamily="34" charset="-128"/>
+                </a:defRPr>
+              </a:lvl2pPr>
+              <a:lvl3pPr marL="1143000" indent="-228600">
+                <a:defRPr sz="3200">
+                  <a:solidFill>
+                    <a:schemeClr val="tx1"/>
+                  </a:solidFill>
+                  <a:latin typeface="Tahoma" panose="020B0604030504040204" pitchFamily="34" charset="0"/>
+                  <a:ea typeface="ＭＳ Ｐゴシック" panose="020B0600070205080204" pitchFamily="34" charset="-128"/>
+                </a:defRPr>
+              </a:lvl3pPr>
+              <a:lvl4pPr marL="1600200" indent="-228600">
+                <a:defRPr sz="3200">
+                  <a:solidFill>
+                    <a:schemeClr val="tx1"/>
+                  </a:solidFill>
+                  <a:latin typeface="Tahoma" panose="020B0604030504040204" pitchFamily="34" charset="0"/>
+                  <a:ea typeface="ＭＳ Ｐゴシック" panose="020B0600070205080204" pitchFamily="34" charset="-128"/>
+                </a:defRPr>
+              </a:lvl4pPr>
+              <a:lvl5pPr marL="2057400" indent="-228600">
+                <a:defRPr sz="3200">
+                  <a:solidFill>
+                    <a:schemeClr val="tx1"/>
+                  </a:solidFill>
+                  <a:latin typeface="Tahoma" panose="020B0604030504040204" pitchFamily="34" charset="0"/>
+                  <a:ea typeface="ＭＳ Ｐゴシック" panose="020B0600070205080204" pitchFamily="34" charset="-128"/>
+                </a:defRPr>
+              </a:lvl5pPr>
+              <a:lvl6pPr marL="2514600" indent="-228600" eaLnBrk="0" fontAlgn="base" hangingPunct="0">
+                <a:spcBef>
+                  <a:spcPct val="0"/>
+                </a:spcBef>
+                <a:spcAft>
+                  <a:spcPct val="0"/>
+                </a:spcAft>
+                <a:defRPr sz="3200">
+                  <a:solidFill>
+                    <a:schemeClr val="tx1"/>
+                  </a:solidFill>
+                  <a:latin typeface="Tahoma" panose="020B0604030504040204" pitchFamily="34" charset="0"/>
+                  <a:ea typeface="ＭＳ Ｐゴシック" panose="020B0600070205080204" pitchFamily="34" charset="-128"/>
+                </a:defRPr>
+              </a:lvl6pPr>
+              <a:lvl7pPr marL="2971800" indent="-228600" eaLnBrk="0" fontAlgn="base" hangingPunct="0">
+                <a:spcBef>
+                  <a:spcPct val="0"/>
+                </a:spcBef>
+                <a:spcAft>
+                  <a:spcPct val="0"/>
+                </a:spcAft>
+                <a:defRPr sz="3200">
+                  <a:solidFill>
+                    <a:schemeClr val="tx1"/>
+                  </a:solidFill>
+                  <a:latin typeface="Tahoma" panose="020B0604030504040204" pitchFamily="34" charset="0"/>
+                  <a:ea typeface="ＭＳ Ｐゴシック" panose="020B0600070205080204" pitchFamily="34" charset="-128"/>
+                </a:defRPr>
+              </a:lvl7pPr>
+              <a:lvl8pPr marL="3429000" indent="-228600" eaLnBrk="0" fontAlgn="base" hangingPunct="0">
+                <a:spcBef>
+                  <a:spcPct val="0"/>
+                </a:spcBef>
+                <a:spcAft>
+                  <a:spcPct val="0"/>
+                </a:spcAft>
+                <a:defRPr sz="3200">
+                  <a:solidFill>
+                    <a:schemeClr val="tx1"/>
+                  </a:solidFill>
+                  <a:latin typeface="Tahoma" panose="020B0604030504040204" pitchFamily="34" charset="0"/>
+                  <a:ea typeface="ＭＳ Ｐゴシック" panose="020B0600070205080204" pitchFamily="34" charset="-128"/>
+                </a:defRPr>
+              </a:lvl8pPr>
+              <a:lvl9pPr marL="3886200" indent="-228600" eaLnBrk="0" fontAlgn="base" hangingPunct="0">
+                <a:spcBef>
+                  <a:spcPct val="0"/>
+                </a:spcBef>
+                <a:spcAft>
+                  <a:spcPct val="0"/>
+                </a:spcAft>
+                <a:defRPr sz="3200">
+                  <a:solidFill>
+                    <a:schemeClr val="tx1"/>
+                  </a:solidFill>
+                  <a:latin typeface="Tahoma" panose="020B0604030504040204" pitchFamily="34" charset="0"/>
+                  <a:ea typeface="ＭＳ Ｐゴシック" panose="020B0600070205080204" pitchFamily="34" charset="-128"/>
+                </a:defRPr>
+              </a:lvl9pPr>
+            </a:lstStyle>
+            <a:p>
+              <a:endParaRPr lang="en-US" altLang="en-US" dirty="0"/>
+            </a:p>
+          </p:txBody>
+        </p:sp>
+        <p:sp>
+          <p:nvSpPr>
+            <p:cNvPr id="33815" name="Text Box 6">
+              <a:extLst>
+                <a:ext uri="{FF2B5EF4-FFF2-40B4-BE49-F238E27FC236}">
+                  <a16:creationId xmlns:a16="http://schemas.microsoft.com/office/drawing/2014/main" id="{B2A12D3D-F553-6FBC-0801-CDD686942328}"/>
+                </a:ext>
+              </a:extLst>
+            </p:cNvPr>
+            <p:cNvSpPr txBox="1">
+              <a:spLocks noChangeArrowheads="1"/>
+            </p:cNvSpPr>
+            <p:nvPr/>
+          </p:nvSpPr>
+          <p:spPr bwMode="auto">
+            <a:xfrm>
+              <a:off x="1695" y="165"/>
+              <a:ext cx="1127" cy="1494"/>
+            </a:xfrm>
+            <a:prstGeom prst="rect">
+              <a:avLst/>
+            </a:prstGeom>
+            <a:solidFill>
+              <a:schemeClr val="bg1"/>
+            </a:solidFill>
+            <a:ln>
+              <a:noFill/>
+            </a:ln>
+            <a:extLst>
+              <a:ext uri="{91240B29-F687-4F45-9708-019B960494DF}">
+                <a14:hiddenLine xmlns:a14="http://schemas.microsoft.com/office/drawing/2010/main" w="9525">
+                  <a:solidFill>
+                    <a:srgbClr val="000000"/>
+                  </a:solidFill>
+                  <a:miter lim="800000"/>
+                  <a:headEnd/>
+                  <a:tailEnd/>
+                </a14:hiddenLine>
+              </a:ext>
+            </a:extLst>
+          </p:spPr>
+          <p:txBody>
+            <a:bodyPr wrap="square">
+              <a:spAutoFit/>
+            </a:bodyPr>
+            <a:lstStyle>
+              <a:lvl1pPr>
+                <a:defRPr sz="3200">
+                  <a:solidFill>
+                    <a:schemeClr val="tx1"/>
+                  </a:solidFill>
+                  <a:latin typeface="Tahoma" panose="020B0604030504040204" pitchFamily="34" charset="0"/>
+                  <a:ea typeface="ＭＳ Ｐゴシック" panose="020B0600070205080204" pitchFamily="34" charset="-128"/>
+                </a:defRPr>
+              </a:lvl1pPr>
+              <a:lvl2pPr marL="742950" indent="-285750">
+                <a:defRPr sz="3200">
+                  <a:solidFill>
+                    <a:schemeClr val="tx1"/>
+                  </a:solidFill>
+                  <a:latin typeface="Tahoma" panose="020B0604030504040204" pitchFamily="34" charset="0"/>
+                  <a:ea typeface="ＭＳ Ｐゴシック" panose="020B0600070205080204" pitchFamily="34" charset="-128"/>
+                </a:defRPr>
+              </a:lvl2pPr>
+              <a:lvl3pPr marL="1143000" indent="-228600">
+                <a:defRPr sz="3200">
+                  <a:solidFill>
+                    <a:schemeClr val="tx1"/>
+                  </a:solidFill>
+                  <a:latin typeface="Tahoma" panose="020B0604030504040204" pitchFamily="34" charset="0"/>
+                  <a:ea typeface="ＭＳ Ｐゴシック" panose="020B0600070205080204" pitchFamily="34" charset="-128"/>
+                </a:defRPr>
+              </a:lvl3pPr>
+              <a:lvl4pPr marL="1600200" indent="-228600">
+                <a:defRPr sz="3200">
+                  <a:solidFill>
+                    <a:schemeClr val="tx1"/>
+                  </a:solidFill>
+                  <a:latin typeface="Tahoma" panose="020B0604030504040204" pitchFamily="34" charset="0"/>
+                  <a:ea typeface="ＭＳ Ｐゴシック" panose="020B0600070205080204" pitchFamily="34" charset="-128"/>
+                </a:defRPr>
+              </a:lvl4pPr>
+              <a:lvl5pPr marL="2057400" indent="-228600">
+                <a:defRPr sz="3200">
+                  <a:solidFill>
+                    <a:schemeClr val="tx1"/>
+                  </a:solidFill>
+                  <a:latin typeface="Tahoma" panose="020B0604030504040204" pitchFamily="34" charset="0"/>
+                  <a:ea typeface="ＭＳ Ｐゴシック" panose="020B0600070205080204" pitchFamily="34" charset="-128"/>
+                </a:defRPr>
+              </a:lvl5pPr>
+              <a:lvl6pPr marL="2514600" indent="-228600" eaLnBrk="0" fontAlgn="base" hangingPunct="0">
+                <a:spcBef>
+                  <a:spcPct val="0"/>
+                </a:spcBef>
+                <a:spcAft>
+                  <a:spcPct val="0"/>
+                </a:spcAft>
+                <a:defRPr sz="3200">
+                  <a:solidFill>
+                    <a:schemeClr val="tx1"/>
+                  </a:solidFill>
+                  <a:latin typeface="Tahoma" panose="020B0604030504040204" pitchFamily="34" charset="0"/>
+                  <a:ea typeface="ＭＳ Ｐゴシック" panose="020B0600070205080204" pitchFamily="34" charset="-128"/>
+                </a:defRPr>
+              </a:lvl6pPr>
+              <a:lvl7pPr marL="2971800" indent="-228600" eaLnBrk="0" fontAlgn="base" hangingPunct="0">
+                <a:spcBef>
+                  <a:spcPct val="0"/>
+                </a:spcBef>
+                <a:spcAft>
+                  <a:spcPct val="0"/>
+                </a:spcAft>
+                <a:defRPr sz="3200">
+                  <a:solidFill>
+                    <a:schemeClr val="tx1"/>
+                  </a:solidFill>
+                  <a:latin typeface="Tahoma" panose="020B0604030504040204" pitchFamily="34" charset="0"/>
+                  <a:ea typeface="ＭＳ Ｐゴシック" panose="020B0600070205080204" pitchFamily="34" charset="-128"/>
+                </a:defRPr>
+              </a:lvl7pPr>
+              <a:lvl8pPr marL="3429000" indent="-228600" eaLnBrk="0" fontAlgn="base" hangingPunct="0">
+                <a:spcBef>
+                  <a:spcPct val="0"/>
+                </a:spcBef>
+                <a:spcAft>
+                  <a:spcPct val="0"/>
+                </a:spcAft>
+                <a:defRPr sz="3200">
+                  <a:solidFill>
+                    <a:schemeClr val="tx1"/>
+                  </a:solidFill>
+                  <a:latin typeface="Tahoma" panose="020B0604030504040204" pitchFamily="34" charset="0"/>
+                  <a:ea typeface="ＭＳ Ｐゴシック" panose="020B0600070205080204" pitchFamily="34" charset="-128"/>
+                </a:defRPr>
+              </a:lvl8pPr>
+              <a:lvl9pPr marL="3886200" indent="-228600" eaLnBrk="0" fontAlgn="base" hangingPunct="0">
+                <a:spcBef>
+                  <a:spcPct val="0"/>
+                </a:spcBef>
+                <a:spcAft>
+                  <a:spcPct val="0"/>
+                </a:spcAft>
+                <a:defRPr sz="3200">
+                  <a:solidFill>
+                    <a:schemeClr val="tx1"/>
+                  </a:solidFill>
+                  <a:latin typeface="Tahoma" panose="020B0604030504040204" pitchFamily="34" charset="0"/>
+                  <a:ea typeface="ＭＳ Ｐゴシック" panose="020B0600070205080204" pitchFamily="34" charset="-128"/>
+                </a:defRPr>
+              </a:lvl9pPr>
+            </a:lstStyle>
+            <a:p>
+              <a:pPr>
+                <a:spcBef>
+                  <a:spcPct val="50000"/>
+                </a:spcBef>
+              </a:pPr>
+              <a:r>
+                <a:rPr lang="en-US" altLang="en-US" sz="1400" dirty="0">
+                  <a:latin typeface="Trebuchet MS" panose="020B0703020202090204" pitchFamily="34" charset="0"/>
+                </a:rPr>
+                <a:t>Package</a:t>
+              </a:r>
+            </a:p>
+          </p:txBody>
+        </p:sp>
+      </p:grpSp>
+      <p:grpSp>
+        <p:nvGrpSpPr>
+          <p:cNvPr id="33816" name="Group 4">
+            <a:extLst>
+              <a:ext uri="{FF2B5EF4-FFF2-40B4-BE49-F238E27FC236}">
+                <a16:creationId xmlns:a16="http://schemas.microsoft.com/office/drawing/2014/main" id="{0424BA95-FE05-8D8F-628F-6A4554F433DE}"/>
+              </a:ext>
+            </a:extLst>
+          </p:cNvPr>
+          <p:cNvGrpSpPr>
+            <a:grpSpLocks/>
+          </p:cNvGrpSpPr>
+          <p:nvPr/>
+        </p:nvGrpSpPr>
+        <p:grpSpPr bwMode="auto">
+          <a:xfrm>
+            <a:off x="5639956" y="2735796"/>
+            <a:ext cx="2818244" cy="729980"/>
+            <a:chOff x="528" y="165"/>
+            <a:chExt cx="3303" cy="3544"/>
+          </a:xfrm>
+        </p:grpSpPr>
+        <p:sp>
+          <p:nvSpPr>
+            <p:cNvPr id="33817" name="Rectangle 5">
+              <a:extLst>
+                <a:ext uri="{FF2B5EF4-FFF2-40B4-BE49-F238E27FC236}">
+                  <a16:creationId xmlns:a16="http://schemas.microsoft.com/office/drawing/2014/main" id="{6188C0E5-7644-C7CC-6801-FABA4D8515CB}"/>
+                </a:ext>
+              </a:extLst>
+            </p:cNvPr>
+            <p:cNvSpPr>
+              <a:spLocks noChangeArrowheads="1"/>
+            </p:cNvSpPr>
+            <p:nvPr/>
+          </p:nvSpPr>
+          <p:spPr bwMode="auto">
+            <a:xfrm>
+              <a:off x="528" y="857"/>
+              <a:ext cx="3303" cy="2852"/>
+            </a:xfrm>
+            <a:prstGeom prst="rect">
+              <a:avLst/>
+            </a:prstGeom>
+            <a:noFill/>
+            <a:ln w="19050">
+              <a:solidFill>
+                <a:schemeClr val="tx1"/>
+              </a:solidFill>
+              <a:miter lim="800000"/>
+              <a:headEnd/>
+              <a:tailEnd/>
+            </a:ln>
+            <a:extLst>
+              <a:ext uri="{909E8E84-426E-40DD-AFC4-6F175D3DCCD1}">
+                <a14:hiddenFill xmlns:a14="http://schemas.microsoft.com/office/drawing/2010/main">
+                  <a:solidFill>
+                    <a:srgbClr val="FFFFFF"/>
+                  </a:solidFill>
+                </a14:hiddenFill>
+              </a:ext>
+            </a:extLst>
+          </p:spPr>
+          <p:txBody>
+            <a:bodyPr wrap="none" anchor="ctr"/>
+            <a:lstStyle>
+              <a:lvl1pPr>
+                <a:defRPr sz="3200">
+                  <a:solidFill>
+                    <a:schemeClr val="tx1"/>
+                  </a:solidFill>
+                  <a:latin typeface="Tahoma" panose="020B0604030504040204" pitchFamily="34" charset="0"/>
+                  <a:ea typeface="ＭＳ Ｐゴシック" panose="020B0600070205080204" pitchFamily="34" charset="-128"/>
+                </a:defRPr>
+              </a:lvl1pPr>
+              <a:lvl2pPr marL="742950" indent="-285750">
+                <a:defRPr sz="3200">
+                  <a:solidFill>
+                    <a:schemeClr val="tx1"/>
+                  </a:solidFill>
+                  <a:latin typeface="Tahoma" panose="020B0604030504040204" pitchFamily="34" charset="0"/>
+                  <a:ea typeface="ＭＳ Ｐゴシック" panose="020B0600070205080204" pitchFamily="34" charset="-128"/>
+                </a:defRPr>
+              </a:lvl2pPr>
+              <a:lvl3pPr marL="1143000" indent="-228600">
+                <a:defRPr sz="3200">
+                  <a:solidFill>
+                    <a:schemeClr val="tx1"/>
+                  </a:solidFill>
+                  <a:latin typeface="Tahoma" panose="020B0604030504040204" pitchFamily="34" charset="0"/>
+                  <a:ea typeface="ＭＳ Ｐゴシック" panose="020B0600070205080204" pitchFamily="34" charset="-128"/>
+                </a:defRPr>
+              </a:lvl3pPr>
+              <a:lvl4pPr marL="1600200" indent="-228600">
+                <a:defRPr sz="3200">
+                  <a:solidFill>
+                    <a:schemeClr val="tx1"/>
+                  </a:solidFill>
+                  <a:latin typeface="Tahoma" panose="020B0604030504040204" pitchFamily="34" charset="0"/>
+                  <a:ea typeface="ＭＳ Ｐゴシック" panose="020B0600070205080204" pitchFamily="34" charset="-128"/>
+                </a:defRPr>
+              </a:lvl4pPr>
+              <a:lvl5pPr marL="2057400" indent="-228600">
+                <a:defRPr sz="3200">
+                  <a:solidFill>
+                    <a:schemeClr val="tx1"/>
+                  </a:solidFill>
+                  <a:latin typeface="Tahoma" panose="020B0604030504040204" pitchFamily="34" charset="0"/>
+                  <a:ea typeface="ＭＳ Ｐゴシック" panose="020B0600070205080204" pitchFamily="34" charset="-128"/>
+                </a:defRPr>
+              </a:lvl5pPr>
+              <a:lvl6pPr marL="2514600" indent="-228600" eaLnBrk="0" fontAlgn="base" hangingPunct="0">
+                <a:spcBef>
+                  <a:spcPct val="0"/>
+                </a:spcBef>
+                <a:spcAft>
+                  <a:spcPct val="0"/>
+                </a:spcAft>
+                <a:defRPr sz="3200">
+                  <a:solidFill>
+                    <a:schemeClr val="tx1"/>
+                  </a:solidFill>
+                  <a:latin typeface="Tahoma" panose="020B0604030504040204" pitchFamily="34" charset="0"/>
+                  <a:ea typeface="ＭＳ Ｐゴシック" panose="020B0600070205080204" pitchFamily="34" charset="-128"/>
+                </a:defRPr>
+              </a:lvl6pPr>
+              <a:lvl7pPr marL="2971800" indent="-228600" eaLnBrk="0" fontAlgn="base" hangingPunct="0">
+                <a:spcBef>
+                  <a:spcPct val="0"/>
+                </a:spcBef>
+                <a:spcAft>
+                  <a:spcPct val="0"/>
+                </a:spcAft>
+                <a:defRPr sz="3200">
+                  <a:solidFill>
+                    <a:schemeClr val="tx1"/>
+                  </a:solidFill>
+                  <a:latin typeface="Tahoma" panose="020B0604030504040204" pitchFamily="34" charset="0"/>
+                  <a:ea typeface="ＭＳ Ｐゴシック" panose="020B0600070205080204" pitchFamily="34" charset="-128"/>
+                </a:defRPr>
+              </a:lvl7pPr>
+              <a:lvl8pPr marL="3429000" indent="-228600" eaLnBrk="0" fontAlgn="base" hangingPunct="0">
+                <a:spcBef>
+                  <a:spcPct val="0"/>
+                </a:spcBef>
+                <a:spcAft>
+                  <a:spcPct val="0"/>
+                </a:spcAft>
+                <a:defRPr sz="3200">
+                  <a:solidFill>
+                    <a:schemeClr val="tx1"/>
+                  </a:solidFill>
+                  <a:latin typeface="Tahoma" panose="020B0604030504040204" pitchFamily="34" charset="0"/>
+                  <a:ea typeface="ＭＳ Ｐゴシック" panose="020B0600070205080204" pitchFamily="34" charset="-128"/>
+                </a:defRPr>
+              </a:lvl8pPr>
+              <a:lvl9pPr marL="3886200" indent="-228600" eaLnBrk="0" fontAlgn="base" hangingPunct="0">
+                <a:spcBef>
+                  <a:spcPct val="0"/>
+                </a:spcBef>
+                <a:spcAft>
+                  <a:spcPct val="0"/>
+                </a:spcAft>
+                <a:defRPr sz="3200">
+                  <a:solidFill>
+                    <a:schemeClr val="tx1"/>
+                  </a:solidFill>
+                  <a:latin typeface="Tahoma" panose="020B0604030504040204" pitchFamily="34" charset="0"/>
+                  <a:ea typeface="ＭＳ Ｐゴシック" panose="020B0600070205080204" pitchFamily="34" charset="-128"/>
+                </a:defRPr>
+              </a:lvl9pPr>
+            </a:lstStyle>
+            <a:p>
+              <a:endParaRPr lang="en-US" altLang="en-US" dirty="0"/>
+            </a:p>
+          </p:txBody>
+        </p:sp>
+        <p:sp>
+          <p:nvSpPr>
+            <p:cNvPr id="33818" name="Text Box 6">
+              <a:extLst>
+                <a:ext uri="{FF2B5EF4-FFF2-40B4-BE49-F238E27FC236}">
+                  <a16:creationId xmlns:a16="http://schemas.microsoft.com/office/drawing/2014/main" id="{DEC8C735-3AB2-D8D8-E59F-F553818B77BD}"/>
+                </a:ext>
+              </a:extLst>
+            </p:cNvPr>
+            <p:cNvSpPr txBox="1">
+              <a:spLocks noChangeArrowheads="1"/>
+            </p:cNvSpPr>
+            <p:nvPr/>
+          </p:nvSpPr>
+          <p:spPr bwMode="auto">
+            <a:xfrm>
+              <a:off x="1695" y="165"/>
+              <a:ext cx="1127" cy="1494"/>
+            </a:xfrm>
+            <a:prstGeom prst="rect">
+              <a:avLst/>
+            </a:prstGeom>
+            <a:solidFill>
+              <a:schemeClr val="bg1"/>
+            </a:solidFill>
+            <a:ln>
+              <a:noFill/>
+            </a:ln>
+            <a:extLst>
+              <a:ext uri="{91240B29-F687-4F45-9708-019B960494DF}">
+                <a14:hiddenLine xmlns:a14="http://schemas.microsoft.com/office/drawing/2010/main" w="9525">
+                  <a:solidFill>
+                    <a:srgbClr val="000000"/>
+                  </a:solidFill>
+                  <a:miter lim="800000"/>
+                  <a:headEnd/>
+                  <a:tailEnd/>
+                </a14:hiddenLine>
+              </a:ext>
+            </a:extLst>
+          </p:spPr>
+          <p:txBody>
+            <a:bodyPr wrap="square">
+              <a:spAutoFit/>
+            </a:bodyPr>
+            <a:lstStyle>
+              <a:lvl1pPr>
+                <a:defRPr sz="3200">
+                  <a:solidFill>
+                    <a:schemeClr val="tx1"/>
+                  </a:solidFill>
+                  <a:latin typeface="Tahoma" panose="020B0604030504040204" pitchFamily="34" charset="0"/>
+                  <a:ea typeface="ＭＳ Ｐゴシック" panose="020B0600070205080204" pitchFamily="34" charset="-128"/>
+                </a:defRPr>
+              </a:lvl1pPr>
+              <a:lvl2pPr marL="742950" indent="-285750">
+                <a:defRPr sz="3200">
+                  <a:solidFill>
+                    <a:schemeClr val="tx1"/>
+                  </a:solidFill>
+                  <a:latin typeface="Tahoma" panose="020B0604030504040204" pitchFamily="34" charset="0"/>
+                  <a:ea typeface="ＭＳ Ｐゴシック" panose="020B0600070205080204" pitchFamily="34" charset="-128"/>
+                </a:defRPr>
+              </a:lvl2pPr>
+              <a:lvl3pPr marL="1143000" indent="-228600">
+                <a:defRPr sz="3200">
+                  <a:solidFill>
+                    <a:schemeClr val="tx1"/>
+                  </a:solidFill>
+                  <a:latin typeface="Tahoma" panose="020B0604030504040204" pitchFamily="34" charset="0"/>
+                  <a:ea typeface="ＭＳ Ｐゴシック" panose="020B0600070205080204" pitchFamily="34" charset="-128"/>
+                </a:defRPr>
+              </a:lvl3pPr>
+              <a:lvl4pPr marL="1600200" indent="-228600">
+                <a:defRPr sz="3200">
+                  <a:solidFill>
+                    <a:schemeClr val="tx1"/>
+                  </a:solidFill>
+                  <a:latin typeface="Tahoma" panose="020B0604030504040204" pitchFamily="34" charset="0"/>
+                  <a:ea typeface="ＭＳ Ｐゴシック" panose="020B0600070205080204" pitchFamily="34" charset="-128"/>
+                </a:defRPr>
+              </a:lvl4pPr>
+              <a:lvl5pPr marL="2057400" indent="-228600">
+                <a:defRPr sz="3200">
+                  <a:solidFill>
+                    <a:schemeClr val="tx1"/>
+                  </a:solidFill>
+                  <a:latin typeface="Tahoma" panose="020B0604030504040204" pitchFamily="34" charset="0"/>
+                  <a:ea typeface="ＭＳ Ｐゴシック" panose="020B0600070205080204" pitchFamily="34" charset="-128"/>
+                </a:defRPr>
+              </a:lvl5pPr>
+              <a:lvl6pPr marL="2514600" indent="-228600" eaLnBrk="0" fontAlgn="base" hangingPunct="0">
+                <a:spcBef>
+                  <a:spcPct val="0"/>
+                </a:spcBef>
+                <a:spcAft>
+                  <a:spcPct val="0"/>
+                </a:spcAft>
+                <a:defRPr sz="3200">
+                  <a:solidFill>
+                    <a:schemeClr val="tx1"/>
+                  </a:solidFill>
+                  <a:latin typeface="Tahoma" panose="020B0604030504040204" pitchFamily="34" charset="0"/>
+                  <a:ea typeface="ＭＳ Ｐゴシック" panose="020B0600070205080204" pitchFamily="34" charset="-128"/>
+                </a:defRPr>
+              </a:lvl6pPr>
+              <a:lvl7pPr marL="2971800" indent="-228600" eaLnBrk="0" fontAlgn="base" hangingPunct="0">
+                <a:spcBef>
+                  <a:spcPct val="0"/>
+                </a:spcBef>
+                <a:spcAft>
+                  <a:spcPct val="0"/>
+                </a:spcAft>
+                <a:defRPr sz="3200">
+                  <a:solidFill>
+                    <a:schemeClr val="tx1"/>
+                  </a:solidFill>
+                  <a:latin typeface="Tahoma" panose="020B0604030504040204" pitchFamily="34" charset="0"/>
+                  <a:ea typeface="ＭＳ Ｐゴシック" panose="020B0600070205080204" pitchFamily="34" charset="-128"/>
+                </a:defRPr>
+              </a:lvl7pPr>
+              <a:lvl8pPr marL="3429000" indent="-228600" eaLnBrk="0" fontAlgn="base" hangingPunct="0">
+                <a:spcBef>
+                  <a:spcPct val="0"/>
+                </a:spcBef>
+                <a:spcAft>
+                  <a:spcPct val="0"/>
+                </a:spcAft>
+                <a:defRPr sz="3200">
+                  <a:solidFill>
+                    <a:schemeClr val="tx1"/>
+                  </a:solidFill>
+                  <a:latin typeface="Tahoma" panose="020B0604030504040204" pitchFamily="34" charset="0"/>
+                  <a:ea typeface="ＭＳ Ｐゴシック" panose="020B0600070205080204" pitchFamily="34" charset="-128"/>
+                </a:defRPr>
+              </a:lvl8pPr>
+              <a:lvl9pPr marL="3886200" indent="-228600" eaLnBrk="0" fontAlgn="base" hangingPunct="0">
+                <a:spcBef>
+                  <a:spcPct val="0"/>
+                </a:spcBef>
+                <a:spcAft>
+                  <a:spcPct val="0"/>
+                </a:spcAft>
+                <a:defRPr sz="3200">
+                  <a:solidFill>
+                    <a:schemeClr val="tx1"/>
+                  </a:solidFill>
+                  <a:latin typeface="Tahoma" panose="020B0604030504040204" pitchFamily="34" charset="0"/>
+                  <a:ea typeface="ＭＳ Ｐゴシック" panose="020B0600070205080204" pitchFamily="34" charset="-128"/>
+                </a:defRPr>
+              </a:lvl9pPr>
+            </a:lstStyle>
+            <a:p>
+              <a:pPr>
+                <a:spcBef>
+                  <a:spcPct val="50000"/>
+                </a:spcBef>
+              </a:pPr>
+              <a:r>
+                <a:rPr lang="en-US" altLang="en-US" sz="1400" dirty="0">
+                  <a:latin typeface="Trebuchet MS" panose="020B0703020202090204" pitchFamily="34" charset="0"/>
+                </a:rPr>
+                <a:t>Package</a:t>
+              </a:r>
+            </a:p>
+          </p:txBody>
+        </p:sp>
+      </p:grpSp>
+    </p:spTree>
+    <p:extLst>
+      <p:ext uri="{BB962C8B-B14F-4D97-AF65-F5344CB8AC3E}">
+        <p14:creationId xmlns:p14="http://schemas.microsoft.com/office/powerpoint/2010/main" val="648458506"/>
+      </p:ext>
+    </p:extLst>
+  </p:cSld>
+  <p:clrMapOvr>
+    <a:masterClrMapping/>
+  </p:clrMapOvr>
+  <p:timing>
+    <p:tnLst>
+      <p:par>
+        <p:cTn id="1" dur="indefinite" restart="never" nodeType="tmRoot">
+          <p:childTnLst>
+            <p:seq concurrent="1" nextAc="seek">
+              <p:cTn id="2" dur="indefinite" nodeType="mainSeq">
+                <p:childTnLst>
+                  <p:par>
+                    <p:cTn id="3" fill="hold">
+                      <p:stCondLst>
+                        <p:cond delay="indefinite"/>
+                      </p:stCondLst>
+                      <p:childTnLst>
+                        <p:par>
+                          <p:cTn id="4" fill="hold">
+                            <p:stCondLst>
+                              <p:cond delay="0"/>
+                            </p:stCondLst>
+                            <p:childTnLst>
+                              <p:par>
+                                <p:cTn id="5" presetID="1" presetClass="entr" presetSubtype="0" fill="hold" grpId="0" nodeType="clickEffect">
+                                  <p:stCondLst>
+                                    <p:cond delay="0"/>
+                                  </p:stCondLst>
+                                  <p:childTnLst>
+                                    <p:set>
+                                      <p:cBhvr>
+                                        <p:cTn id="6" dur="1" fill="hold">
+                                          <p:stCondLst>
+                                            <p:cond delay="0"/>
+                                          </p:stCondLst>
+                                        </p:cTn>
+                                        <p:tgtEl>
+                                          <p:spTgt spid="36">
+                                            <p:txEl>
+                                              <p:pRg st="0" end="0"/>
+                                            </p:txEl>
+                                          </p:spTgt>
+                                        </p:tgtEl>
+                                        <p:attrNameLst>
+                                          <p:attrName>style.visibility</p:attrName>
+                                        </p:attrNameLst>
+                                      </p:cBhvr>
+                                      <p:to>
+                                        <p:strVal val="visible"/>
+                                      </p:to>
+                                    </p:set>
+                                  </p:childTnLst>
+                                </p:cTn>
+                              </p:par>
+                            </p:childTnLst>
+                          </p:cTn>
+                        </p:par>
+                      </p:childTnLst>
+                    </p:cTn>
+                  </p:par>
+                  <p:par>
+                    <p:cTn id="7" fill="hold">
+                      <p:stCondLst>
+                        <p:cond delay="indefinite"/>
+                      </p:stCondLst>
+                      <p:childTnLst>
+                        <p:par>
+                          <p:cTn id="8" fill="hold">
+                            <p:stCondLst>
+                              <p:cond delay="0"/>
+                            </p:stCondLst>
+                            <p:childTnLst>
+                              <p:par>
+                                <p:cTn id="9" presetID="22" presetClass="entr" presetSubtype="1" fill="hold" nodeType="clickEffect">
+                                  <p:stCondLst>
+                                    <p:cond delay="0"/>
+                                  </p:stCondLst>
+                                  <p:childTnLst>
+                                    <p:set>
+                                      <p:cBhvr>
+                                        <p:cTn id="10" dur="1" fill="hold">
+                                          <p:stCondLst>
+                                            <p:cond delay="0"/>
+                                          </p:stCondLst>
+                                        </p:cTn>
+                                        <p:tgtEl>
+                                          <p:spTgt spid="37"/>
+                                        </p:tgtEl>
+                                        <p:attrNameLst>
+                                          <p:attrName>style.visibility</p:attrName>
+                                        </p:attrNameLst>
+                                      </p:cBhvr>
+                                      <p:to>
+                                        <p:strVal val="visible"/>
+                                      </p:to>
+                                    </p:set>
+                                    <p:animEffect transition="in" filter="wipe(up)">
+                                      <p:cBhvr>
+                                        <p:cTn id="11" dur="500"/>
+                                        <p:tgtEl>
+                                          <p:spTgt spid="37"/>
+                                        </p:tgtEl>
+                                      </p:cBhvr>
+                                    </p:animEffect>
+                                  </p:childTnLst>
+                                </p:cTn>
+                              </p:par>
+                            </p:childTnLst>
+                          </p:cTn>
+                        </p:par>
+                      </p:childTnLst>
+                    </p:cTn>
+                  </p:par>
+                  <p:par>
+                    <p:cTn id="12" fill="hold">
+                      <p:stCondLst>
+                        <p:cond delay="indefinite"/>
+                      </p:stCondLst>
+                      <p:childTnLst>
+                        <p:par>
+                          <p:cTn id="13" fill="hold">
+                            <p:stCondLst>
+                              <p:cond delay="0"/>
+                            </p:stCondLst>
+                            <p:childTnLst>
+                              <p:par>
+                                <p:cTn id="14" presetID="22" presetClass="entr" presetSubtype="1" fill="hold" nodeType="clickEffect">
+                                  <p:stCondLst>
+                                    <p:cond delay="0"/>
+                                  </p:stCondLst>
+                                  <p:childTnLst>
+                                    <p:set>
+                                      <p:cBhvr>
+                                        <p:cTn id="15" dur="1" fill="hold">
+                                          <p:stCondLst>
+                                            <p:cond delay="0"/>
+                                          </p:stCondLst>
+                                        </p:cTn>
+                                        <p:tgtEl>
+                                          <p:spTgt spid="40"/>
+                                        </p:tgtEl>
+                                        <p:attrNameLst>
+                                          <p:attrName>style.visibility</p:attrName>
+                                        </p:attrNameLst>
+                                      </p:cBhvr>
+                                      <p:to>
+                                        <p:strVal val="visible"/>
+                                      </p:to>
+                                    </p:set>
+                                    <p:animEffect transition="in" filter="wipe(up)">
+                                      <p:cBhvr>
+                                        <p:cTn id="16" dur="500"/>
+                                        <p:tgtEl>
+                                          <p:spTgt spid="40"/>
+                                        </p:tgtEl>
+                                      </p:cBhvr>
+                                    </p:animEffect>
+                                  </p:childTnLst>
+                                </p:cTn>
+                              </p:par>
+                            </p:childTnLst>
+                          </p:cTn>
+                        </p:par>
+                      </p:childTnLst>
+                    </p:cTn>
+                  </p:par>
+                  <p:par>
+                    <p:cTn id="17" fill="hold">
+                      <p:stCondLst>
+                        <p:cond delay="indefinite"/>
+                      </p:stCondLst>
+                      <p:childTnLst>
+                        <p:par>
+                          <p:cTn id="18" fill="hold">
+                            <p:stCondLst>
+                              <p:cond delay="0"/>
+                            </p:stCondLst>
+                            <p:childTnLst>
+                              <p:par>
+                                <p:cTn id="19" presetID="22" presetClass="entr" presetSubtype="1" fill="hold" nodeType="clickEffect">
+                                  <p:stCondLst>
+                                    <p:cond delay="0"/>
+                                  </p:stCondLst>
+                                  <p:childTnLst>
+                                    <p:set>
+                                      <p:cBhvr>
+                                        <p:cTn id="20" dur="1" fill="hold">
+                                          <p:stCondLst>
+                                            <p:cond delay="0"/>
+                                          </p:stCondLst>
+                                        </p:cTn>
+                                        <p:tgtEl>
+                                          <p:spTgt spid="49"/>
+                                        </p:tgtEl>
+                                        <p:attrNameLst>
+                                          <p:attrName>style.visibility</p:attrName>
+                                        </p:attrNameLst>
+                                      </p:cBhvr>
+                                      <p:to>
+                                        <p:strVal val="visible"/>
+                                      </p:to>
+                                    </p:set>
+                                    <p:animEffect transition="in" filter="wipe(up)">
+                                      <p:cBhvr>
+                                        <p:cTn id="21" dur="500"/>
+                                        <p:tgtEl>
+                                          <p:spTgt spid="49"/>
+                                        </p:tgtEl>
+                                      </p:cBhvr>
+                                    </p:animEffect>
+                                  </p:childTnLst>
+                                </p:cTn>
+                              </p:par>
+                            </p:childTnLst>
+                          </p:cTn>
+                        </p:par>
+                      </p:childTnLst>
+                    </p:cTn>
+                  </p:par>
+                  <p:par>
+                    <p:cTn id="22" fill="hold">
+                      <p:stCondLst>
+                        <p:cond delay="indefinite"/>
+                      </p:stCondLst>
+                      <p:childTnLst>
+                        <p:par>
+                          <p:cTn id="23" fill="hold">
+                            <p:stCondLst>
+                              <p:cond delay="0"/>
+                            </p:stCondLst>
+                            <p:childTnLst>
+                              <p:par>
+                                <p:cTn id="24" presetID="22" presetClass="entr" presetSubtype="1" fill="hold" nodeType="clickEffect">
+                                  <p:stCondLst>
+                                    <p:cond delay="0"/>
+                                  </p:stCondLst>
+                                  <p:childTnLst>
+                                    <p:set>
+                                      <p:cBhvr>
+                                        <p:cTn id="25" dur="1" fill="hold">
+                                          <p:stCondLst>
+                                            <p:cond delay="0"/>
+                                          </p:stCondLst>
+                                        </p:cTn>
+                                        <p:tgtEl>
+                                          <p:spTgt spid="52"/>
+                                        </p:tgtEl>
+                                        <p:attrNameLst>
+                                          <p:attrName>style.visibility</p:attrName>
+                                        </p:attrNameLst>
+                                      </p:cBhvr>
+                                      <p:to>
+                                        <p:strVal val="visible"/>
+                                      </p:to>
+                                    </p:set>
+                                    <p:animEffect transition="in" filter="wipe(up)">
+                                      <p:cBhvr>
+                                        <p:cTn id="26" dur="500"/>
+                                        <p:tgtEl>
+                                          <p:spTgt spid="52"/>
+                                        </p:tgtEl>
+                                      </p:cBhvr>
+                                    </p:animEffect>
+                                  </p:childTnLst>
+                                </p:cTn>
+                              </p:par>
+                            </p:childTnLst>
+                          </p:cTn>
+                        </p:par>
+                      </p:childTnLst>
+                    </p:cTn>
+                  </p:par>
+                  <p:par>
+                    <p:cTn id="27" fill="hold">
+                      <p:stCondLst>
+                        <p:cond delay="indefinite"/>
+                      </p:stCondLst>
+                      <p:childTnLst>
+                        <p:par>
+                          <p:cTn id="28" fill="hold">
+                            <p:stCondLst>
+                              <p:cond delay="0"/>
+                            </p:stCondLst>
+                            <p:childTnLst>
+                              <p:par>
+                                <p:cTn id="29" presetID="22" presetClass="entr" presetSubtype="1" fill="hold" nodeType="clickEffect">
+                                  <p:stCondLst>
+                                    <p:cond delay="0"/>
+                                  </p:stCondLst>
+                                  <p:childTnLst>
+                                    <p:set>
+                                      <p:cBhvr>
+                                        <p:cTn id="30" dur="1" fill="hold">
+                                          <p:stCondLst>
+                                            <p:cond delay="0"/>
+                                          </p:stCondLst>
+                                        </p:cTn>
+                                        <p:tgtEl>
+                                          <p:spTgt spid="55"/>
+                                        </p:tgtEl>
+                                        <p:attrNameLst>
+                                          <p:attrName>style.visibility</p:attrName>
+                                        </p:attrNameLst>
+                                      </p:cBhvr>
+                                      <p:to>
+                                        <p:strVal val="visible"/>
+                                      </p:to>
+                                    </p:set>
+                                    <p:animEffect transition="in" filter="wipe(up)">
+                                      <p:cBhvr>
+                                        <p:cTn id="31" dur="500"/>
+                                        <p:tgtEl>
+                                          <p:spTgt spid="55"/>
+                                        </p:tgtEl>
+                                      </p:cBhvr>
+                                    </p:animEffect>
+                                  </p:childTnLst>
+                                </p:cTn>
+                              </p:par>
+                            </p:childTnLst>
+                          </p:cTn>
+                        </p:par>
+                      </p:childTnLst>
+                    </p:cTn>
+                  </p:par>
+                  <p:par>
+                    <p:cTn id="32" fill="hold">
+                      <p:stCondLst>
+                        <p:cond delay="indefinite"/>
+                      </p:stCondLst>
+                      <p:childTnLst>
+                        <p:par>
+                          <p:cTn id="33" fill="hold">
+                            <p:stCondLst>
+                              <p:cond delay="0"/>
+                            </p:stCondLst>
+                            <p:childTnLst>
+                              <p:par>
+                                <p:cTn id="34" presetID="22" presetClass="entr" presetSubtype="1" fill="hold" nodeType="clickEffect">
+                                  <p:stCondLst>
+                                    <p:cond delay="0"/>
+                                  </p:stCondLst>
+                                  <p:childTnLst>
+                                    <p:set>
+                                      <p:cBhvr>
+                                        <p:cTn id="35" dur="1" fill="hold">
+                                          <p:stCondLst>
+                                            <p:cond delay="0"/>
+                                          </p:stCondLst>
+                                        </p:cTn>
+                                        <p:tgtEl>
+                                          <p:spTgt spid="58"/>
+                                        </p:tgtEl>
+                                        <p:attrNameLst>
+                                          <p:attrName>style.visibility</p:attrName>
+                                        </p:attrNameLst>
+                                      </p:cBhvr>
+                                      <p:to>
+                                        <p:strVal val="visible"/>
+                                      </p:to>
+                                    </p:set>
+                                    <p:animEffect transition="in" filter="wipe(up)">
+                                      <p:cBhvr>
+                                        <p:cTn id="36" dur="500"/>
+                                        <p:tgtEl>
+                                          <p:spTgt spid="58"/>
+                                        </p:tgtEl>
+                                      </p:cBhvr>
+                                    </p:animEffect>
+                                  </p:childTnLst>
+                                </p:cTn>
+                              </p:par>
+                            </p:childTnLst>
+                          </p:cTn>
+                        </p:par>
+                      </p:childTnLst>
+                    </p:cTn>
+                  </p:par>
+                  <p:par>
+                    <p:cTn id="37" fill="hold">
+                      <p:stCondLst>
+                        <p:cond delay="indefinite"/>
+                      </p:stCondLst>
+                      <p:childTnLst>
+                        <p:par>
+                          <p:cTn id="38" fill="hold">
+                            <p:stCondLst>
+                              <p:cond delay="0"/>
+                            </p:stCondLst>
+                            <p:childTnLst>
+                              <p:par>
+                                <p:cTn id="39" presetID="22" presetClass="entr" presetSubtype="1" fill="hold" nodeType="clickEffect">
+                                  <p:stCondLst>
+                                    <p:cond delay="0"/>
+                                  </p:stCondLst>
+                                  <p:childTnLst>
+                                    <p:set>
+                                      <p:cBhvr>
+                                        <p:cTn id="40" dur="1" fill="hold">
+                                          <p:stCondLst>
+                                            <p:cond delay="0"/>
+                                          </p:stCondLst>
+                                        </p:cTn>
+                                        <p:tgtEl>
+                                          <p:spTgt spid="61"/>
+                                        </p:tgtEl>
+                                        <p:attrNameLst>
+                                          <p:attrName>style.visibility</p:attrName>
+                                        </p:attrNameLst>
+                                      </p:cBhvr>
+                                      <p:to>
+                                        <p:strVal val="visible"/>
+                                      </p:to>
+                                    </p:set>
+                                    <p:animEffect transition="in" filter="wipe(up)">
+                                      <p:cBhvr>
+                                        <p:cTn id="41" dur="500"/>
+                                        <p:tgtEl>
+                                          <p:spTgt spid="61"/>
+                                        </p:tgtEl>
+                                      </p:cBhvr>
+                                    </p:animEffect>
+                                  </p:childTnLst>
+                                </p:cTn>
+                              </p:par>
+                            </p:childTnLst>
+                          </p:cTn>
+                        </p:par>
+                      </p:childTnLst>
+                    </p:cTn>
+                  </p:par>
+                  <p:par>
+                    <p:cTn id="42" fill="hold">
+                      <p:stCondLst>
+                        <p:cond delay="indefinite"/>
+                      </p:stCondLst>
+                      <p:childTnLst>
+                        <p:par>
+                          <p:cTn id="43" fill="hold">
+                            <p:stCondLst>
+                              <p:cond delay="0"/>
+                            </p:stCondLst>
+                            <p:childTnLst>
+                              <p:par>
+                                <p:cTn id="44" presetID="22" presetClass="entr" presetSubtype="8" fill="hold" grpId="0" nodeType="clickEffect">
+                                  <p:stCondLst>
+                                    <p:cond delay="0"/>
+                                  </p:stCondLst>
+                                  <p:childTnLst>
+                                    <p:set>
+                                      <p:cBhvr>
+                                        <p:cTn id="45" dur="1" fill="hold">
+                                          <p:stCondLst>
+                                            <p:cond delay="0"/>
+                                          </p:stCondLst>
+                                        </p:cTn>
+                                        <p:tgtEl>
+                                          <p:spTgt spid="33796">
+                                            <p:txEl>
+                                              <p:pRg st="0" end="0"/>
+                                            </p:txEl>
+                                          </p:spTgt>
+                                        </p:tgtEl>
+                                        <p:attrNameLst>
+                                          <p:attrName>style.visibility</p:attrName>
+                                        </p:attrNameLst>
+                                      </p:cBhvr>
+                                      <p:to>
+                                        <p:strVal val="visible"/>
+                                      </p:to>
+                                    </p:set>
+                                    <p:animEffect transition="in" filter="wipe(left)">
+                                      <p:cBhvr>
+                                        <p:cTn id="46" dur="500"/>
+                                        <p:tgtEl>
+                                          <p:spTgt spid="33796">
+                                            <p:txEl>
+                                              <p:pRg st="0" end="0"/>
+                                            </p:txEl>
+                                          </p:spTgt>
+                                        </p:tgtEl>
+                                      </p:cBhvr>
+                                    </p:animEffect>
+                                  </p:childTnLst>
+                                </p:cTn>
+                              </p:par>
+                            </p:childTnLst>
+                          </p:cTn>
+                        </p:par>
+                      </p:childTnLst>
+                    </p:cTn>
+                  </p:par>
+                  <p:par>
+                    <p:cTn id="47" fill="hold">
+                      <p:stCondLst>
+                        <p:cond delay="indefinite"/>
+                      </p:stCondLst>
+                      <p:childTnLst>
+                        <p:par>
+                          <p:cTn id="48" fill="hold">
+                            <p:stCondLst>
+                              <p:cond delay="0"/>
+                            </p:stCondLst>
+                            <p:childTnLst>
+                              <p:par>
+                                <p:cTn id="49" presetID="22" presetClass="entr" presetSubtype="8" fill="hold" grpId="0" nodeType="clickEffect">
+                                  <p:stCondLst>
+                                    <p:cond delay="0"/>
+                                  </p:stCondLst>
+                                  <p:childTnLst>
+                                    <p:set>
+                                      <p:cBhvr>
+                                        <p:cTn id="50" dur="1" fill="hold">
+                                          <p:stCondLst>
+                                            <p:cond delay="0"/>
+                                          </p:stCondLst>
+                                        </p:cTn>
+                                        <p:tgtEl>
+                                          <p:spTgt spid="33796">
+                                            <p:txEl>
+                                              <p:pRg st="1" end="1"/>
+                                            </p:txEl>
+                                          </p:spTgt>
+                                        </p:tgtEl>
+                                        <p:attrNameLst>
+                                          <p:attrName>style.visibility</p:attrName>
+                                        </p:attrNameLst>
+                                      </p:cBhvr>
+                                      <p:to>
+                                        <p:strVal val="visible"/>
+                                      </p:to>
+                                    </p:set>
+                                    <p:animEffect transition="in" filter="wipe(left)">
+                                      <p:cBhvr>
+                                        <p:cTn id="51" dur="500"/>
+                                        <p:tgtEl>
+                                          <p:spTgt spid="33796">
+                                            <p:txEl>
+                                              <p:pRg st="1" end="1"/>
+                                            </p:txEl>
+                                          </p:spTgt>
+                                        </p:tgtEl>
+                                      </p:cBhvr>
+                                    </p:animEffect>
+                                  </p:childTnLst>
+                                </p:cTn>
+                              </p:par>
+                            </p:childTnLst>
+                          </p:cTn>
+                        </p:par>
+                      </p:childTnLst>
+                    </p:cTn>
+                  </p:par>
+                  <p:par>
+                    <p:cTn id="52" fill="hold">
+                      <p:stCondLst>
+                        <p:cond delay="indefinite"/>
+                      </p:stCondLst>
+                      <p:childTnLst>
+                        <p:par>
+                          <p:cTn id="53" fill="hold">
+                            <p:stCondLst>
+                              <p:cond delay="0"/>
+                            </p:stCondLst>
+                            <p:childTnLst>
+                              <p:par>
+                                <p:cTn id="54" presetID="22" presetClass="entr" presetSubtype="8" fill="hold" grpId="0" nodeType="clickEffect">
+                                  <p:stCondLst>
+                                    <p:cond delay="0"/>
+                                  </p:stCondLst>
+                                  <p:childTnLst>
+                                    <p:set>
+                                      <p:cBhvr>
+                                        <p:cTn id="55" dur="1" fill="hold">
+                                          <p:stCondLst>
+                                            <p:cond delay="0"/>
+                                          </p:stCondLst>
+                                        </p:cTn>
+                                        <p:tgtEl>
+                                          <p:spTgt spid="33796">
+                                            <p:txEl>
+                                              <p:pRg st="2" end="2"/>
+                                            </p:txEl>
+                                          </p:spTgt>
+                                        </p:tgtEl>
+                                        <p:attrNameLst>
+                                          <p:attrName>style.visibility</p:attrName>
+                                        </p:attrNameLst>
+                                      </p:cBhvr>
+                                      <p:to>
+                                        <p:strVal val="visible"/>
+                                      </p:to>
+                                    </p:set>
+                                    <p:animEffect transition="in" filter="wipe(left)">
+                                      <p:cBhvr>
+                                        <p:cTn id="56" dur="500"/>
+                                        <p:tgtEl>
+                                          <p:spTgt spid="33796">
+                                            <p:txEl>
+                                              <p:pRg st="2" end="2"/>
+                                            </p:txEl>
+                                          </p:spTgt>
+                                        </p:tgtEl>
+                                      </p:cBhvr>
+                                    </p:animEffect>
+                                  </p:childTnLst>
+                                </p:cTn>
+                              </p:par>
+                            </p:childTnLst>
+                          </p:cTn>
+                        </p:par>
+                      </p:childTnLst>
+                    </p:cTn>
+                  </p:par>
+                  <p:par>
+                    <p:cTn id="57" fill="hold">
+                      <p:stCondLst>
+                        <p:cond delay="indefinite"/>
+                      </p:stCondLst>
+                      <p:childTnLst>
+                        <p:par>
+                          <p:cTn id="58" fill="hold">
+                            <p:stCondLst>
+                              <p:cond delay="0"/>
+                            </p:stCondLst>
+                            <p:childTnLst>
+                              <p:par>
+                                <p:cTn id="59" presetID="22" presetClass="entr" presetSubtype="1" fill="hold" nodeType="clickEffect">
+                                  <p:stCondLst>
+                                    <p:cond delay="0"/>
+                                  </p:stCondLst>
+                                  <p:childTnLst>
+                                    <p:set>
+                                      <p:cBhvr>
+                                        <p:cTn id="60" dur="1" fill="hold">
+                                          <p:stCondLst>
+                                            <p:cond delay="0"/>
+                                          </p:stCondLst>
+                                        </p:cTn>
+                                        <p:tgtEl>
+                                          <p:spTgt spid="33797"/>
+                                        </p:tgtEl>
+                                        <p:attrNameLst>
+                                          <p:attrName>style.visibility</p:attrName>
+                                        </p:attrNameLst>
+                                      </p:cBhvr>
+                                      <p:to>
+                                        <p:strVal val="visible"/>
+                                      </p:to>
+                                    </p:set>
+                                    <p:animEffect transition="in" filter="wipe(up)">
+                                      <p:cBhvr>
+                                        <p:cTn id="61" dur="500"/>
+                                        <p:tgtEl>
+                                          <p:spTgt spid="33797"/>
+                                        </p:tgtEl>
+                                      </p:cBhvr>
+                                    </p:animEffect>
+                                  </p:childTnLst>
+                                </p:cTn>
+                              </p:par>
+                            </p:childTnLst>
+                          </p:cTn>
+                        </p:par>
+                      </p:childTnLst>
+                    </p:cTn>
+                  </p:par>
+                  <p:par>
+                    <p:cTn id="62" fill="hold">
+                      <p:stCondLst>
+                        <p:cond delay="indefinite"/>
+                      </p:stCondLst>
+                      <p:childTnLst>
+                        <p:par>
+                          <p:cTn id="63" fill="hold">
+                            <p:stCondLst>
+                              <p:cond delay="0"/>
+                            </p:stCondLst>
+                            <p:childTnLst>
+                              <p:par>
+                                <p:cTn id="64" presetID="22" presetClass="entr" presetSubtype="1" fill="hold" nodeType="clickEffect">
+                                  <p:stCondLst>
+                                    <p:cond delay="0"/>
+                                  </p:stCondLst>
+                                  <p:childTnLst>
+                                    <p:set>
+                                      <p:cBhvr>
+                                        <p:cTn id="65" dur="1" fill="hold">
+                                          <p:stCondLst>
+                                            <p:cond delay="0"/>
+                                          </p:stCondLst>
+                                        </p:cTn>
+                                        <p:tgtEl>
+                                          <p:spTgt spid="33810"/>
+                                        </p:tgtEl>
+                                        <p:attrNameLst>
+                                          <p:attrName>style.visibility</p:attrName>
+                                        </p:attrNameLst>
+                                      </p:cBhvr>
+                                      <p:to>
+                                        <p:strVal val="visible"/>
+                                      </p:to>
+                                    </p:set>
+                                    <p:animEffect transition="in" filter="wipe(up)">
+                                      <p:cBhvr>
+                                        <p:cTn id="66" dur="500"/>
+                                        <p:tgtEl>
+                                          <p:spTgt spid="33810"/>
+                                        </p:tgtEl>
+                                      </p:cBhvr>
+                                    </p:animEffect>
+                                  </p:childTnLst>
+                                </p:cTn>
+                              </p:par>
+                            </p:childTnLst>
+                          </p:cTn>
+                        </p:par>
+                      </p:childTnLst>
+                    </p:cTn>
+                  </p:par>
+                  <p:par>
+                    <p:cTn id="67" fill="hold">
+                      <p:stCondLst>
+                        <p:cond delay="indefinite"/>
+                      </p:stCondLst>
+                      <p:childTnLst>
+                        <p:par>
+                          <p:cTn id="68" fill="hold">
+                            <p:stCondLst>
+                              <p:cond delay="0"/>
+                            </p:stCondLst>
+                            <p:childTnLst>
+                              <p:par>
+                                <p:cTn id="69" presetID="22" presetClass="entr" presetSubtype="1" fill="hold" nodeType="clickEffect">
+                                  <p:stCondLst>
+                                    <p:cond delay="0"/>
+                                  </p:stCondLst>
+                                  <p:childTnLst>
+                                    <p:set>
+                                      <p:cBhvr>
+                                        <p:cTn id="70" dur="1" fill="hold">
+                                          <p:stCondLst>
+                                            <p:cond delay="0"/>
+                                          </p:stCondLst>
+                                        </p:cTn>
+                                        <p:tgtEl>
+                                          <p:spTgt spid="33813"/>
+                                        </p:tgtEl>
+                                        <p:attrNameLst>
+                                          <p:attrName>style.visibility</p:attrName>
+                                        </p:attrNameLst>
+                                      </p:cBhvr>
+                                      <p:to>
+                                        <p:strVal val="visible"/>
+                                      </p:to>
+                                    </p:set>
+                                    <p:animEffect transition="in" filter="wipe(up)">
+                                      <p:cBhvr>
+                                        <p:cTn id="71" dur="500"/>
+                                        <p:tgtEl>
+                                          <p:spTgt spid="33813"/>
+                                        </p:tgtEl>
+                                      </p:cBhvr>
+                                    </p:animEffect>
+                                  </p:childTnLst>
+                                </p:cTn>
+                              </p:par>
+                            </p:childTnLst>
+                          </p:cTn>
+                        </p:par>
+                      </p:childTnLst>
+                    </p:cTn>
+                  </p:par>
+                  <p:par>
+                    <p:cTn id="72" fill="hold">
+                      <p:stCondLst>
+                        <p:cond delay="indefinite"/>
+                      </p:stCondLst>
+                      <p:childTnLst>
+                        <p:par>
+                          <p:cTn id="73" fill="hold">
+                            <p:stCondLst>
+                              <p:cond delay="0"/>
+                            </p:stCondLst>
+                            <p:childTnLst>
+                              <p:par>
+                                <p:cTn id="74" presetID="22" presetClass="entr" presetSubtype="1" fill="hold" nodeType="clickEffect">
+                                  <p:stCondLst>
+                                    <p:cond delay="0"/>
+                                  </p:stCondLst>
+                                  <p:childTnLst>
+                                    <p:set>
+                                      <p:cBhvr>
+                                        <p:cTn id="75" dur="1" fill="hold">
+                                          <p:stCondLst>
+                                            <p:cond delay="0"/>
+                                          </p:stCondLst>
+                                        </p:cTn>
+                                        <p:tgtEl>
+                                          <p:spTgt spid="33816"/>
+                                        </p:tgtEl>
+                                        <p:attrNameLst>
+                                          <p:attrName>style.visibility</p:attrName>
+                                        </p:attrNameLst>
+                                      </p:cBhvr>
+                                      <p:to>
+                                        <p:strVal val="visible"/>
+                                      </p:to>
+                                    </p:set>
+                                    <p:animEffect transition="in" filter="wipe(up)">
+                                      <p:cBhvr>
+                                        <p:cTn id="76" dur="500"/>
+                                        <p:tgtEl>
+                                          <p:spTgt spid="33816"/>
+                                        </p:tgtEl>
+                                      </p:cBhvr>
+                                    </p:animEffect>
+                                  </p:childTnLst>
+                                </p:cTn>
+                              </p:par>
+                            </p:childTnLst>
+                          </p:cTn>
+                        </p:par>
+                      </p:childTnLst>
+                    </p:cTn>
+                  </p:par>
+                </p:childTnLst>
+              </p:cTn>
+              <p:prevCondLst>
+                <p:cond evt="onPrev" delay="0">
+                  <p:tgtEl>
+                    <p:sldTgt/>
+                  </p:tgtEl>
+                </p:cond>
+              </p:prevCondLst>
+              <p:nextCondLst>
+                <p:cond evt="onNext" delay="0">
+                  <p:tgtEl>
+                    <p:sldTgt/>
+                  </p:tgtEl>
+                </p:cond>
+              </p:nextCondLst>
+            </p:seq>
+          </p:childTnLst>
+        </p:cTn>
+      </p:par>
+    </p:tnLst>
+    <p:bldLst>
+      <p:bldP spid="36" grpId="0" build="p"/>
+      <p:bldP spid="33796" grpId="0" build="p" bldLvl="5" autoUpdateAnimBg="0"/>
+    </p:bldLst>
+  </p:timing>
 </p:sld>
 </file>
 
